--- a/project.pptx
+++ b/project.pptx
@@ -5,7 +5,7 @@
     <p:sldMasterId id="2147483648" r:id="rId1"/>
   </p:sldMasterIdLst>
   <p:notesMasterIdLst>
-    <p:notesMasterId r:id="rId18"/>
+    <p:notesMasterId r:id="rId19"/>
   </p:notesMasterIdLst>
   <p:sldIdLst>
     <p:sldId id="256" r:id="rId2"/>
@@ -17,13 +17,14 @@
     <p:sldId id="265" r:id="rId8"/>
     <p:sldId id="262" r:id="rId9"/>
     <p:sldId id="259" r:id="rId10"/>
-    <p:sldId id="270" r:id="rId11"/>
-    <p:sldId id="258" r:id="rId12"/>
-    <p:sldId id="275" r:id="rId13"/>
-    <p:sldId id="276" r:id="rId14"/>
-    <p:sldId id="257" r:id="rId15"/>
-    <p:sldId id="267" r:id="rId16"/>
-    <p:sldId id="274" r:id="rId17"/>
+    <p:sldId id="277" r:id="rId11"/>
+    <p:sldId id="278" r:id="rId12"/>
+    <p:sldId id="270" r:id="rId13"/>
+    <p:sldId id="258" r:id="rId14"/>
+    <p:sldId id="275" r:id="rId15"/>
+    <p:sldId id="276" r:id="rId16"/>
+    <p:sldId id="279" r:id="rId17"/>
+    <p:sldId id="274" r:id="rId18"/>
   </p:sldIdLst>
   <p:sldSz cx="12192000" cy="6858000"/>
   <p:notesSz cx="6858000" cy="9144000"/>
@@ -124,3215 +125,10 @@
   </p:defaultTextStyle>
   <p:extLst>
     <p:ext uri="{EFAFB233-063F-42B5-8137-9DF3F51BA10A}">
-      <p15:sldGuideLst xmlns:p15="http://schemas.microsoft.com/office/powerpoint/2012/main"/>
+      <p15:sldGuideLst xmlns:p15="http://schemas.microsoft.com/office/powerpoint/2012/main" xmlns=""/>
     </p:ext>
   </p:extLst>
 </p:presentation>
-</file>
-
-<file path=ppt/diagrams/colors1.xml><?xml version="1.0" encoding="utf-8"?>
-<dgm:colorsDef xmlns:dgm="http://schemas.openxmlformats.org/drawingml/2006/diagram" xmlns:a="http://schemas.openxmlformats.org/drawingml/2006/main" uniqueId="urn:microsoft.com/office/officeart/2005/8/colors/colorful1">
-  <dgm:title val=""/>
-  <dgm:desc val=""/>
-  <dgm:catLst>
-    <dgm:cat type="colorful" pri="10100"/>
-  </dgm:catLst>
-  <dgm:styleLbl name="node0">
-    <dgm:fillClrLst meth="repeat">
-      <a:schemeClr val="accent1"/>
-    </dgm:fillClrLst>
-    <dgm:linClrLst meth="repeat">
-      <a:schemeClr val="lt1"/>
-    </dgm:linClrLst>
-    <dgm:effectClrLst/>
-    <dgm:txLinClrLst/>
-    <dgm:txFillClrLst/>
-    <dgm:txEffectClrLst/>
-  </dgm:styleLbl>
-  <dgm:styleLbl name="node1">
-    <dgm:fillClrLst meth="repeat">
-      <a:schemeClr val="accent2"/>
-      <a:schemeClr val="accent3"/>
-      <a:schemeClr val="accent4"/>
-      <a:schemeClr val="accent5"/>
-      <a:schemeClr val="accent6"/>
-    </dgm:fillClrLst>
-    <dgm:linClrLst meth="repeat">
-      <a:schemeClr val="lt1"/>
-    </dgm:linClrLst>
-    <dgm:effectClrLst/>
-    <dgm:txLinClrLst/>
-    <dgm:txFillClrLst/>
-    <dgm:txEffectClrLst/>
-  </dgm:styleLbl>
-  <dgm:styleLbl name="alignNode1">
-    <dgm:fillClrLst meth="repeat">
-      <a:schemeClr val="accent2"/>
-      <a:schemeClr val="accent3"/>
-      <a:schemeClr val="accent4"/>
-      <a:schemeClr val="accent5"/>
-      <a:schemeClr val="accent6"/>
-    </dgm:fillClrLst>
-    <dgm:linClrLst meth="repeat">
-      <a:schemeClr val="accent2"/>
-      <a:schemeClr val="accent3"/>
-      <a:schemeClr val="accent4"/>
-      <a:schemeClr val="accent5"/>
-      <a:schemeClr val="accent6"/>
-    </dgm:linClrLst>
-    <dgm:effectClrLst/>
-    <dgm:txLinClrLst/>
-    <dgm:txFillClrLst/>
-    <dgm:txEffectClrLst/>
-  </dgm:styleLbl>
-  <dgm:styleLbl name="lnNode1">
-    <dgm:fillClrLst meth="repeat">
-      <a:schemeClr val="accent2"/>
-      <a:schemeClr val="accent3"/>
-      <a:schemeClr val="accent4"/>
-      <a:schemeClr val="accent5"/>
-      <a:schemeClr val="accent6"/>
-    </dgm:fillClrLst>
-    <dgm:linClrLst meth="repeat">
-      <a:schemeClr val="lt1"/>
-    </dgm:linClrLst>
-    <dgm:effectClrLst/>
-    <dgm:txLinClrLst/>
-    <dgm:txFillClrLst/>
-    <dgm:txEffectClrLst/>
-  </dgm:styleLbl>
-  <dgm:styleLbl name="vennNode1">
-    <dgm:fillClrLst meth="repeat">
-      <a:schemeClr val="accent2">
-        <a:alpha val="50000"/>
-      </a:schemeClr>
-      <a:schemeClr val="accent3">
-        <a:alpha val="50000"/>
-      </a:schemeClr>
-      <a:schemeClr val="accent4">
-        <a:alpha val="50000"/>
-      </a:schemeClr>
-      <a:schemeClr val="accent5">
-        <a:alpha val="50000"/>
-      </a:schemeClr>
-      <a:schemeClr val="accent6">
-        <a:alpha val="50000"/>
-      </a:schemeClr>
-    </dgm:fillClrLst>
-    <dgm:linClrLst meth="repeat">
-      <a:schemeClr val="lt1"/>
-    </dgm:linClrLst>
-    <dgm:effectClrLst/>
-    <dgm:txLinClrLst/>
-    <dgm:txFillClrLst/>
-    <dgm:txEffectClrLst/>
-  </dgm:styleLbl>
-  <dgm:styleLbl name="node2">
-    <dgm:fillClrLst>
-      <a:schemeClr val="accent2"/>
-    </dgm:fillClrLst>
-    <dgm:linClrLst meth="repeat">
-      <a:schemeClr val="lt1"/>
-    </dgm:linClrLst>
-    <dgm:effectClrLst/>
-    <dgm:txLinClrLst/>
-    <dgm:txFillClrLst/>
-    <dgm:txEffectClrLst/>
-  </dgm:styleLbl>
-  <dgm:styleLbl name="node3">
-    <dgm:fillClrLst>
-      <a:schemeClr val="accent3"/>
-    </dgm:fillClrLst>
-    <dgm:linClrLst meth="repeat">
-      <a:schemeClr val="lt1"/>
-    </dgm:linClrLst>
-    <dgm:effectClrLst/>
-    <dgm:txLinClrLst/>
-    <dgm:txFillClrLst/>
-    <dgm:txEffectClrLst/>
-  </dgm:styleLbl>
-  <dgm:styleLbl name="node4">
-    <dgm:fillClrLst>
-      <a:schemeClr val="accent4"/>
-    </dgm:fillClrLst>
-    <dgm:linClrLst meth="repeat">
-      <a:schemeClr val="lt1"/>
-    </dgm:linClrLst>
-    <dgm:effectClrLst/>
-    <dgm:txLinClrLst/>
-    <dgm:txFillClrLst/>
-    <dgm:txEffectClrLst/>
-  </dgm:styleLbl>
-  <dgm:styleLbl name="fgImgPlace1">
-    <dgm:fillClrLst meth="repeat">
-      <a:schemeClr val="accent2">
-        <a:tint val="50000"/>
-      </a:schemeClr>
-      <a:schemeClr val="accent3">
-        <a:tint val="50000"/>
-      </a:schemeClr>
-      <a:schemeClr val="accent4">
-        <a:tint val="50000"/>
-      </a:schemeClr>
-      <a:schemeClr val="accent5">
-        <a:tint val="50000"/>
-      </a:schemeClr>
-      <a:schemeClr val="accent6">
-        <a:tint val="50000"/>
-      </a:schemeClr>
-    </dgm:fillClrLst>
-    <dgm:linClrLst meth="repeat">
-      <a:schemeClr val="lt1"/>
-    </dgm:linClrLst>
-    <dgm:effectClrLst/>
-    <dgm:txLinClrLst/>
-    <dgm:txFillClrLst meth="repeat">
-      <a:schemeClr val="lt1"/>
-    </dgm:txFillClrLst>
-    <dgm:txEffectClrLst/>
-  </dgm:styleLbl>
-  <dgm:styleLbl name="alignImgPlace1">
-    <dgm:fillClrLst>
-      <a:schemeClr val="accent1">
-        <a:tint val="50000"/>
-      </a:schemeClr>
-      <a:schemeClr val="accent2">
-        <a:tint val="20000"/>
-      </a:schemeClr>
-    </dgm:fillClrLst>
-    <dgm:linClrLst meth="repeat">
-      <a:schemeClr val="lt1"/>
-    </dgm:linClrLst>
-    <dgm:effectClrLst/>
-    <dgm:txLinClrLst/>
-    <dgm:txFillClrLst meth="repeat">
-      <a:schemeClr val="lt1"/>
-    </dgm:txFillClrLst>
-    <dgm:txEffectClrLst/>
-  </dgm:styleLbl>
-  <dgm:styleLbl name="bgImgPlace1">
-    <dgm:fillClrLst>
-      <a:schemeClr val="accent1">
-        <a:tint val="50000"/>
-      </a:schemeClr>
-      <a:schemeClr val="accent2">
-        <a:tint val="20000"/>
-      </a:schemeClr>
-    </dgm:fillClrLst>
-    <dgm:linClrLst meth="repeat">
-      <a:schemeClr val="lt1"/>
-    </dgm:linClrLst>
-    <dgm:effectClrLst/>
-    <dgm:txLinClrLst/>
-    <dgm:txFillClrLst meth="repeat">
-      <a:schemeClr val="lt1"/>
-    </dgm:txFillClrLst>
-    <dgm:txEffectClrLst/>
-  </dgm:styleLbl>
-  <dgm:styleLbl name="sibTrans2D1">
-    <dgm:fillClrLst meth="repeat">
-      <a:schemeClr val="accent2"/>
-      <a:schemeClr val="accent3"/>
-      <a:schemeClr val="accent4"/>
-      <a:schemeClr val="accent5"/>
-      <a:schemeClr val="accent6"/>
-    </dgm:fillClrLst>
-    <dgm:linClrLst meth="cycle">
-      <a:schemeClr val="lt1"/>
-    </dgm:linClrLst>
-    <dgm:effectClrLst/>
-    <dgm:txLinClrLst/>
-    <dgm:txFillClrLst/>
-    <dgm:txEffectClrLst/>
-  </dgm:styleLbl>
-  <dgm:styleLbl name="fgSibTrans2D1">
-    <dgm:fillClrLst meth="repeat">
-      <a:schemeClr val="accent2"/>
-      <a:schemeClr val="accent3"/>
-      <a:schemeClr val="accent4"/>
-      <a:schemeClr val="accent5"/>
-      <a:schemeClr val="accent6"/>
-    </dgm:fillClrLst>
-    <dgm:linClrLst meth="cycle">
-      <a:schemeClr val="lt1"/>
-    </dgm:linClrLst>
-    <dgm:effectClrLst/>
-    <dgm:txLinClrLst/>
-    <dgm:txFillClrLst meth="repeat">
-      <a:schemeClr val="lt1"/>
-    </dgm:txFillClrLst>
-    <dgm:txEffectClrLst/>
-  </dgm:styleLbl>
-  <dgm:styleLbl name="bgSibTrans2D1">
-    <dgm:fillClrLst meth="repeat">
-      <a:schemeClr val="accent2"/>
-      <a:schemeClr val="accent3"/>
-      <a:schemeClr val="accent4"/>
-      <a:schemeClr val="accent5"/>
-      <a:schemeClr val="accent6"/>
-    </dgm:fillClrLst>
-    <dgm:linClrLst meth="cycle">
-      <a:schemeClr val="lt1"/>
-    </dgm:linClrLst>
-    <dgm:effectClrLst/>
-    <dgm:txLinClrLst/>
-    <dgm:txFillClrLst meth="repeat">
-      <a:schemeClr val="lt1"/>
-    </dgm:txFillClrLst>
-    <dgm:txEffectClrLst/>
-  </dgm:styleLbl>
-  <dgm:styleLbl name="sibTrans1D1">
-    <dgm:fillClrLst meth="repeat">
-      <a:schemeClr val="accent2"/>
-      <a:schemeClr val="accent3"/>
-      <a:schemeClr val="accent4"/>
-      <a:schemeClr val="accent5"/>
-      <a:schemeClr val="accent6"/>
-    </dgm:fillClrLst>
-    <dgm:linClrLst meth="repeat">
-      <a:schemeClr val="accent2"/>
-      <a:schemeClr val="accent3"/>
-      <a:schemeClr val="accent4"/>
-      <a:schemeClr val="accent5"/>
-      <a:schemeClr val="accent6"/>
-    </dgm:linClrLst>
-    <dgm:effectClrLst/>
-    <dgm:txLinClrLst/>
-    <dgm:txFillClrLst meth="repeat">
-      <a:schemeClr val="tx1"/>
-    </dgm:txFillClrLst>
-    <dgm:txEffectClrLst/>
-  </dgm:styleLbl>
-  <dgm:styleLbl name="callout">
-    <dgm:fillClrLst meth="repeat">
-      <a:schemeClr val="accent2"/>
-    </dgm:fillClrLst>
-    <dgm:linClrLst meth="repeat">
-      <a:schemeClr val="accent2">
-        <a:tint val="50000"/>
-      </a:schemeClr>
-    </dgm:linClrLst>
-    <dgm:effectClrLst/>
-    <dgm:txLinClrLst/>
-    <dgm:txFillClrLst meth="repeat">
-      <a:schemeClr val="tx1"/>
-    </dgm:txFillClrLst>
-    <dgm:txEffectClrLst/>
-  </dgm:styleLbl>
-  <dgm:styleLbl name="asst0">
-    <dgm:fillClrLst meth="repeat">
-      <a:schemeClr val="accent1"/>
-    </dgm:fillClrLst>
-    <dgm:linClrLst meth="repeat">
-      <a:schemeClr val="lt1"/>
-    </dgm:linClrLst>
-    <dgm:effectClrLst/>
-    <dgm:txLinClrLst/>
-    <dgm:txFillClrLst/>
-    <dgm:txEffectClrLst/>
-  </dgm:styleLbl>
-  <dgm:styleLbl name="asst1">
-    <dgm:fillClrLst meth="repeat">
-      <a:schemeClr val="accent2"/>
-    </dgm:fillClrLst>
-    <dgm:linClrLst meth="repeat">
-      <a:schemeClr val="lt1"/>
-    </dgm:linClrLst>
-    <dgm:effectClrLst/>
-    <dgm:txLinClrLst/>
-    <dgm:txFillClrLst/>
-    <dgm:txEffectClrLst/>
-  </dgm:styleLbl>
-  <dgm:styleLbl name="asst2">
-    <dgm:fillClrLst>
-      <a:schemeClr val="accent3"/>
-    </dgm:fillClrLst>
-    <dgm:linClrLst meth="repeat">
-      <a:schemeClr val="lt1"/>
-    </dgm:linClrLst>
-    <dgm:effectClrLst/>
-    <dgm:txLinClrLst/>
-    <dgm:txFillClrLst/>
-    <dgm:txEffectClrLst/>
-  </dgm:styleLbl>
-  <dgm:styleLbl name="asst3">
-    <dgm:fillClrLst>
-      <a:schemeClr val="accent4"/>
-    </dgm:fillClrLst>
-    <dgm:linClrLst meth="repeat">
-      <a:schemeClr val="lt1"/>
-    </dgm:linClrLst>
-    <dgm:effectClrLst/>
-    <dgm:txLinClrLst/>
-    <dgm:txFillClrLst/>
-    <dgm:txEffectClrLst/>
-  </dgm:styleLbl>
-  <dgm:styleLbl name="asst4">
-    <dgm:fillClrLst>
-      <a:schemeClr val="accent5"/>
-    </dgm:fillClrLst>
-    <dgm:linClrLst meth="repeat">
-      <a:schemeClr val="lt1"/>
-    </dgm:linClrLst>
-    <dgm:effectClrLst/>
-    <dgm:txLinClrLst/>
-    <dgm:txFillClrLst/>
-    <dgm:txEffectClrLst/>
-  </dgm:styleLbl>
-  <dgm:styleLbl name="parChTrans2D1">
-    <dgm:fillClrLst meth="repeat">
-      <a:schemeClr val="accent2"/>
-    </dgm:fillClrLst>
-    <dgm:linClrLst meth="repeat">
-      <a:schemeClr val="lt1"/>
-    </dgm:linClrLst>
-    <dgm:effectClrLst/>
-    <dgm:txLinClrLst/>
-    <dgm:txFillClrLst meth="repeat">
-      <a:schemeClr val="lt1"/>
-    </dgm:txFillClrLst>
-    <dgm:txEffectClrLst/>
-  </dgm:styleLbl>
-  <dgm:styleLbl name="parChTrans2D2">
-    <dgm:fillClrLst meth="repeat">
-      <a:schemeClr val="accent3"/>
-    </dgm:fillClrLst>
-    <dgm:linClrLst meth="repeat">
-      <a:schemeClr val="lt1"/>
-    </dgm:linClrLst>
-    <dgm:effectClrLst/>
-    <dgm:txLinClrLst/>
-    <dgm:txFillClrLst/>
-    <dgm:txEffectClrLst/>
-  </dgm:styleLbl>
-  <dgm:styleLbl name="parChTrans2D3">
-    <dgm:fillClrLst meth="repeat">
-      <a:schemeClr val="accent4"/>
-    </dgm:fillClrLst>
-    <dgm:linClrLst meth="repeat">
-      <a:schemeClr val="lt1"/>
-    </dgm:linClrLst>
-    <dgm:effectClrLst/>
-    <dgm:txLinClrLst/>
-    <dgm:txFillClrLst/>
-    <dgm:txEffectClrLst/>
-  </dgm:styleLbl>
-  <dgm:styleLbl name="parChTrans2D4">
-    <dgm:fillClrLst meth="repeat">
-      <a:schemeClr val="accent5"/>
-    </dgm:fillClrLst>
-    <dgm:linClrLst meth="repeat">
-      <a:schemeClr val="lt1"/>
-    </dgm:linClrLst>
-    <dgm:effectClrLst/>
-    <dgm:txLinClrLst/>
-    <dgm:txFillClrLst meth="repeat">
-      <a:schemeClr val="lt1"/>
-    </dgm:txFillClrLst>
-    <dgm:txEffectClrLst/>
-  </dgm:styleLbl>
-  <dgm:styleLbl name="parChTrans1D1">
-    <dgm:fillClrLst meth="repeat">
-      <a:schemeClr val="accent2"/>
-    </dgm:fillClrLst>
-    <dgm:linClrLst meth="repeat">
-      <a:schemeClr val="accent1"/>
-    </dgm:linClrLst>
-    <dgm:effectClrLst/>
-    <dgm:txLinClrLst/>
-    <dgm:txFillClrLst meth="repeat">
-      <a:schemeClr val="tx1"/>
-    </dgm:txFillClrLst>
-    <dgm:txEffectClrLst/>
-  </dgm:styleLbl>
-  <dgm:styleLbl name="parChTrans1D2">
-    <dgm:fillClrLst meth="repeat">
-      <a:schemeClr val="accent3">
-        <a:tint val="90000"/>
-      </a:schemeClr>
-    </dgm:fillClrLst>
-    <dgm:linClrLst meth="repeat">
-      <a:schemeClr val="accent2"/>
-    </dgm:linClrLst>
-    <dgm:effectClrLst/>
-    <dgm:txLinClrLst/>
-    <dgm:txFillClrLst meth="repeat">
-      <a:schemeClr val="tx1"/>
-    </dgm:txFillClrLst>
-    <dgm:txEffectClrLst/>
-  </dgm:styleLbl>
-  <dgm:styleLbl name="parChTrans1D3">
-    <dgm:fillClrLst meth="repeat">
-      <a:schemeClr val="accent4">
-        <a:tint val="70000"/>
-      </a:schemeClr>
-    </dgm:fillClrLst>
-    <dgm:linClrLst meth="repeat">
-      <a:schemeClr val="accent3"/>
-    </dgm:linClrLst>
-    <dgm:effectClrLst/>
-    <dgm:txLinClrLst/>
-    <dgm:txFillClrLst meth="repeat">
-      <a:schemeClr val="tx1"/>
-    </dgm:txFillClrLst>
-    <dgm:txEffectClrLst/>
-  </dgm:styleLbl>
-  <dgm:styleLbl name="parChTrans1D4">
-    <dgm:fillClrLst meth="repeat">
-      <a:schemeClr val="accent5">
-        <a:tint val="50000"/>
-      </a:schemeClr>
-    </dgm:fillClrLst>
-    <dgm:linClrLst meth="repeat">
-      <a:schemeClr val="accent4"/>
-    </dgm:linClrLst>
-    <dgm:effectClrLst/>
-    <dgm:txLinClrLst/>
-    <dgm:txFillClrLst meth="repeat">
-      <a:schemeClr val="tx1"/>
-    </dgm:txFillClrLst>
-    <dgm:txEffectClrLst/>
-  </dgm:styleLbl>
-  <dgm:styleLbl name="fgAcc1">
-    <dgm:fillClrLst meth="repeat">
-      <a:schemeClr val="lt1">
-        <a:alpha val="90000"/>
-      </a:schemeClr>
-    </dgm:fillClrLst>
-    <dgm:linClrLst meth="repeat">
-      <a:schemeClr val="accent2"/>
-      <a:schemeClr val="accent3"/>
-      <a:schemeClr val="accent4"/>
-      <a:schemeClr val="accent5"/>
-      <a:schemeClr val="accent6"/>
-    </dgm:linClrLst>
-    <dgm:effectClrLst/>
-    <dgm:txLinClrLst/>
-    <dgm:txFillClrLst meth="repeat">
-      <a:schemeClr val="dk1"/>
-    </dgm:txFillClrLst>
-    <dgm:txEffectClrLst/>
-  </dgm:styleLbl>
-  <dgm:styleLbl name="conFgAcc1">
-    <dgm:fillClrLst meth="repeat">
-      <a:schemeClr val="lt1">
-        <a:alpha val="90000"/>
-      </a:schemeClr>
-    </dgm:fillClrLst>
-    <dgm:linClrLst meth="repeat">
-      <a:schemeClr val="accent2"/>
-      <a:schemeClr val="accent3"/>
-      <a:schemeClr val="accent4"/>
-      <a:schemeClr val="accent5"/>
-      <a:schemeClr val="accent6"/>
-    </dgm:linClrLst>
-    <dgm:effectClrLst/>
-    <dgm:txLinClrLst/>
-    <dgm:txFillClrLst meth="repeat">
-      <a:schemeClr val="dk1"/>
-    </dgm:txFillClrLst>
-    <dgm:txEffectClrLst/>
-  </dgm:styleLbl>
-  <dgm:styleLbl name="alignAcc1">
-    <dgm:fillClrLst meth="repeat">
-      <a:schemeClr val="lt1">
-        <a:alpha val="90000"/>
-      </a:schemeClr>
-    </dgm:fillClrLst>
-    <dgm:linClrLst meth="repeat">
-      <a:schemeClr val="accent2"/>
-      <a:schemeClr val="accent3"/>
-      <a:schemeClr val="accent4"/>
-      <a:schemeClr val="accent5"/>
-      <a:schemeClr val="accent6"/>
-    </dgm:linClrLst>
-    <dgm:effectClrLst/>
-    <dgm:txLinClrLst/>
-    <dgm:txFillClrLst meth="repeat">
-      <a:schemeClr val="dk1"/>
-    </dgm:txFillClrLst>
-    <dgm:txEffectClrLst/>
-  </dgm:styleLbl>
-  <dgm:styleLbl name="trAlignAcc1">
-    <dgm:fillClrLst meth="repeat">
-      <a:schemeClr val="lt1">
-        <a:alpha val="40000"/>
-      </a:schemeClr>
-    </dgm:fillClrLst>
-    <dgm:linClrLst meth="repeat">
-      <a:schemeClr val="accent1"/>
-    </dgm:linClrLst>
-    <dgm:effectClrLst/>
-    <dgm:txLinClrLst/>
-    <dgm:txFillClrLst meth="repeat">
-      <a:schemeClr val="dk1"/>
-    </dgm:txFillClrLst>
-    <dgm:txEffectClrLst/>
-  </dgm:styleLbl>
-  <dgm:styleLbl name="bgAcc1">
-    <dgm:fillClrLst meth="repeat">
-      <a:schemeClr val="lt1">
-        <a:alpha val="90000"/>
-      </a:schemeClr>
-    </dgm:fillClrLst>
-    <dgm:linClrLst meth="repeat">
-      <a:schemeClr val="accent2"/>
-      <a:schemeClr val="accent3"/>
-      <a:schemeClr val="accent4"/>
-      <a:schemeClr val="accent5"/>
-      <a:schemeClr val="accent6"/>
-    </dgm:linClrLst>
-    <dgm:effectClrLst/>
-    <dgm:txLinClrLst/>
-    <dgm:txFillClrLst meth="repeat">
-      <a:schemeClr val="dk1"/>
-    </dgm:txFillClrLst>
-    <dgm:txEffectClrLst/>
-  </dgm:styleLbl>
-  <dgm:styleLbl name="solidFgAcc1">
-    <dgm:fillClrLst meth="repeat">
-      <a:schemeClr val="lt1"/>
-    </dgm:fillClrLst>
-    <dgm:linClrLst meth="repeat">
-      <a:schemeClr val="accent2"/>
-      <a:schemeClr val="accent3"/>
-      <a:schemeClr val="accent4"/>
-      <a:schemeClr val="accent5"/>
-      <a:schemeClr val="accent6"/>
-    </dgm:linClrLst>
-    <dgm:effectClrLst/>
-    <dgm:txLinClrLst/>
-    <dgm:txFillClrLst meth="repeat">
-      <a:schemeClr val="dk1"/>
-    </dgm:txFillClrLst>
-    <dgm:txEffectClrLst/>
-  </dgm:styleLbl>
-  <dgm:styleLbl name="solidAlignAcc1">
-    <dgm:fillClrLst meth="repeat">
-      <a:schemeClr val="lt1"/>
-    </dgm:fillClrLst>
-    <dgm:linClrLst meth="repeat">
-      <a:schemeClr val="accent2"/>
-      <a:schemeClr val="accent3"/>
-      <a:schemeClr val="accent4"/>
-      <a:schemeClr val="accent5"/>
-      <a:schemeClr val="accent6"/>
-    </dgm:linClrLst>
-    <dgm:effectClrLst/>
-    <dgm:txLinClrLst/>
-    <dgm:txFillClrLst meth="repeat">
-      <a:schemeClr val="dk1"/>
-    </dgm:txFillClrLst>
-    <dgm:txEffectClrLst/>
-  </dgm:styleLbl>
-  <dgm:styleLbl name="solidBgAcc1">
-    <dgm:fillClrLst meth="repeat">
-      <a:schemeClr val="lt1"/>
-    </dgm:fillClrLst>
-    <dgm:linClrLst meth="repeat">
-      <a:schemeClr val="accent2"/>
-      <a:schemeClr val="accent3"/>
-      <a:schemeClr val="accent4"/>
-      <a:schemeClr val="accent5"/>
-      <a:schemeClr val="accent6"/>
-    </dgm:linClrLst>
-    <dgm:effectClrLst/>
-    <dgm:txLinClrLst/>
-    <dgm:txFillClrLst meth="repeat">
-      <a:schemeClr val="dk1"/>
-    </dgm:txFillClrLst>
-    <dgm:txEffectClrLst/>
-  </dgm:styleLbl>
-  <dgm:styleLbl name="fgAccFollowNode1">
-    <dgm:fillClrLst meth="repeat">
-      <a:schemeClr val="accent2">
-        <a:tint val="40000"/>
-        <a:alpha val="90000"/>
-      </a:schemeClr>
-      <a:schemeClr val="accent3">
-        <a:tint val="40000"/>
-        <a:alpha val="90000"/>
-      </a:schemeClr>
-      <a:schemeClr val="accent4">
-        <a:tint val="40000"/>
-        <a:alpha val="90000"/>
-      </a:schemeClr>
-      <a:schemeClr val="accent5">
-        <a:tint val="40000"/>
-        <a:alpha val="90000"/>
-      </a:schemeClr>
-      <a:schemeClr val="accent6">
-        <a:tint val="40000"/>
-        <a:alpha val="90000"/>
-      </a:schemeClr>
-    </dgm:fillClrLst>
-    <dgm:linClrLst meth="repeat">
-      <a:schemeClr val="accent2">
-        <a:tint val="40000"/>
-        <a:alpha val="90000"/>
-      </a:schemeClr>
-      <a:schemeClr val="accent3">
-        <a:tint val="40000"/>
-        <a:alpha val="90000"/>
-      </a:schemeClr>
-      <a:schemeClr val="accent4">
-        <a:tint val="40000"/>
-        <a:alpha val="90000"/>
-      </a:schemeClr>
-      <a:schemeClr val="accent5">
-        <a:tint val="40000"/>
-        <a:alpha val="90000"/>
-      </a:schemeClr>
-      <a:schemeClr val="accent6">
-        <a:tint val="40000"/>
-        <a:alpha val="90000"/>
-      </a:schemeClr>
-    </dgm:linClrLst>
-    <dgm:effectClrLst/>
-    <dgm:txLinClrLst/>
-    <dgm:txFillClrLst meth="repeat">
-      <a:schemeClr val="dk1"/>
-    </dgm:txFillClrLst>
-    <dgm:txEffectClrLst/>
-  </dgm:styleLbl>
-  <dgm:styleLbl name="alignAccFollowNode1">
-    <dgm:fillClrLst meth="repeat">
-      <a:schemeClr val="accent2">
-        <a:tint val="40000"/>
-        <a:alpha val="90000"/>
-      </a:schemeClr>
-      <a:schemeClr val="accent3">
-        <a:tint val="40000"/>
-        <a:alpha val="90000"/>
-      </a:schemeClr>
-      <a:schemeClr val="accent4">
-        <a:tint val="40000"/>
-        <a:alpha val="90000"/>
-      </a:schemeClr>
-      <a:schemeClr val="accent5">
-        <a:tint val="40000"/>
-        <a:alpha val="90000"/>
-      </a:schemeClr>
-      <a:schemeClr val="accent6">
-        <a:tint val="40000"/>
-        <a:alpha val="90000"/>
-      </a:schemeClr>
-    </dgm:fillClrLst>
-    <dgm:linClrLst meth="repeat">
-      <a:schemeClr val="accent2">
-        <a:tint val="40000"/>
-        <a:alpha val="90000"/>
-      </a:schemeClr>
-      <a:schemeClr val="accent3">
-        <a:tint val="40000"/>
-        <a:alpha val="90000"/>
-      </a:schemeClr>
-      <a:schemeClr val="accent4">
-        <a:tint val="40000"/>
-        <a:alpha val="90000"/>
-      </a:schemeClr>
-      <a:schemeClr val="accent5">
-        <a:tint val="40000"/>
-        <a:alpha val="90000"/>
-      </a:schemeClr>
-      <a:schemeClr val="accent6">
-        <a:tint val="40000"/>
-        <a:alpha val="90000"/>
-      </a:schemeClr>
-    </dgm:linClrLst>
-    <dgm:effectClrLst/>
-    <dgm:txLinClrLst/>
-    <dgm:txFillClrLst meth="repeat">
-      <a:schemeClr val="dk1"/>
-    </dgm:txFillClrLst>
-    <dgm:txEffectClrLst/>
-  </dgm:styleLbl>
-  <dgm:styleLbl name="bgAccFollowNode1">
-    <dgm:fillClrLst meth="repeat">
-      <a:schemeClr val="accent2">
-        <a:tint val="40000"/>
-        <a:alpha val="90000"/>
-      </a:schemeClr>
-      <a:schemeClr val="accent3">
-        <a:tint val="40000"/>
-        <a:alpha val="90000"/>
-      </a:schemeClr>
-      <a:schemeClr val="accent4">
-        <a:tint val="40000"/>
-        <a:alpha val="90000"/>
-      </a:schemeClr>
-      <a:schemeClr val="accent5">
-        <a:tint val="40000"/>
-        <a:alpha val="90000"/>
-      </a:schemeClr>
-      <a:schemeClr val="accent6">
-        <a:tint val="40000"/>
-        <a:alpha val="90000"/>
-      </a:schemeClr>
-    </dgm:fillClrLst>
-    <dgm:linClrLst meth="repeat">
-      <a:schemeClr val="accent2">
-        <a:tint val="40000"/>
-        <a:alpha val="90000"/>
-      </a:schemeClr>
-      <a:schemeClr val="accent3">
-        <a:tint val="40000"/>
-        <a:alpha val="90000"/>
-      </a:schemeClr>
-      <a:schemeClr val="accent4">
-        <a:tint val="40000"/>
-        <a:alpha val="90000"/>
-      </a:schemeClr>
-      <a:schemeClr val="accent5">
-        <a:tint val="40000"/>
-        <a:alpha val="90000"/>
-      </a:schemeClr>
-      <a:schemeClr val="accent6">
-        <a:tint val="40000"/>
-        <a:alpha val="90000"/>
-      </a:schemeClr>
-    </dgm:linClrLst>
-    <dgm:effectClrLst/>
-    <dgm:txLinClrLst/>
-    <dgm:txFillClrLst meth="repeat">
-      <a:schemeClr val="dk1"/>
-    </dgm:txFillClrLst>
-    <dgm:txEffectClrLst/>
-  </dgm:styleLbl>
-  <dgm:styleLbl name="fgAcc0">
-    <dgm:fillClrLst meth="repeat">
-      <a:schemeClr val="lt1">
-        <a:alpha val="90000"/>
-      </a:schemeClr>
-    </dgm:fillClrLst>
-    <dgm:linClrLst>
-      <a:schemeClr val="accent1"/>
-    </dgm:linClrLst>
-    <dgm:effectClrLst/>
-    <dgm:txLinClrLst/>
-    <dgm:txFillClrLst meth="repeat">
-      <a:schemeClr val="dk1"/>
-    </dgm:txFillClrLst>
-    <dgm:txEffectClrLst/>
-  </dgm:styleLbl>
-  <dgm:styleLbl name="fgAcc2">
-    <dgm:fillClrLst meth="repeat">
-      <a:schemeClr val="lt1">
-        <a:alpha val="90000"/>
-      </a:schemeClr>
-    </dgm:fillClrLst>
-    <dgm:linClrLst>
-      <a:schemeClr val="accent2"/>
-    </dgm:linClrLst>
-    <dgm:effectClrLst/>
-    <dgm:txLinClrLst/>
-    <dgm:txFillClrLst meth="repeat">
-      <a:schemeClr val="dk1"/>
-    </dgm:txFillClrLst>
-    <dgm:txEffectClrLst/>
-  </dgm:styleLbl>
-  <dgm:styleLbl name="fgAcc3">
-    <dgm:fillClrLst meth="repeat">
-      <a:schemeClr val="lt1">
-        <a:alpha val="90000"/>
-      </a:schemeClr>
-    </dgm:fillClrLst>
-    <dgm:linClrLst>
-      <a:schemeClr val="accent3"/>
-    </dgm:linClrLst>
-    <dgm:effectClrLst/>
-    <dgm:txLinClrLst/>
-    <dgm:txFillClrLst meth="repeat">
-      <a:schemeClr val="dk1"/>
-    </dgm:txFillClrLst>
-    <dgm:txEffectClrLst/>
-  </dgm:styleLbl>
-  <dgm:styleLbl name="fgAcc4">
-    <dgm:fillClrLst meth="repeat">
-      <a:schemeClr val="lt1">
-        <a:alpha val="90000"/>
-      </a:schemeClr>
-    </dgm:fillClrLst>
-    <dgm:linClrLst>
-      <a:schemeClr val="accent4"/>
-    </dgm:linClrLst>
-    <dgm:effectClrLst/>
-    <dgm:txLinClrLst/>
-    <dgm:txFillClrLst meth="repeat">
-      <a:schemeClr val="dk1"/>
-    </dgm:txFillClrLst>
-    <dgm:txEffectClrLst/>
-  </dgm:styleLbl>
-  <dgm:styleLbl name="bgShp">
-    <dgm:fillClrLst meth="repeat">
-      <a:schemeClr val="accent2">
-        <a:tint val="40000"/>
-      </a:schemeClr>
-    </dgm:fillClrLst>
-    <dgm:linClrLst meth="repeat">
-      <a:schemeClr val="dk1"/>
-    </dgm:linClrLst>
-    <dgm:effectClrLst/>
-    <dgm:txLinClrLst/>
-    <dgm:txFillClrLst meth="repeat">
-      <a:schemeClr val="dk1"/>
-    </dgm:txFillClrLst>
-    <dgm:txEffectClrLst/>
-  </dgm:styleLbl>
-  <dgm:styleLbl name="dkBgShp">
-    <dgm:fillClrLst meth="repeat">
-      <a:schemeClr val="accent2">
-        <a:shade val="90000"/>
-      </a:schemeClr>
-    </dgm:fillClrLst>
-    <dgm:linClrLst meth="repeat">
-      <a:schemeClr val="dk1"/>
-    </dgm:linClrLst>
-    <dgm:effectClrLst/>
-    <dgm:txLinClrLst/>
-    <dgm:txFillClrLst meth="repeat">
-      <a:schemeClr val="lt1"/>
-    </dgm:txFillClrLst>
-    <dgm:txEffectClrLst/>
-  </dgm:styleLbl>
-  <dgm:styleLbl name="trBgShp">
-    <dgm:fillClrLst meth="repeat">
-      <a:schemeClr val="accent1">
-        <a:tint val="50000"/>
-        <a:alpha val="40000"/>
-      </a:schemeClr>
-    </dgm:fillClrLst>
-    <dgm:linClrLst meth="repeat">
-      <a:schemeClr val="accent2"/>
-    </dgm:linClrLst>
-    <dgm:effectClrLst/>
-    <dgm:txLinClrLst/>
-    <dgm:txFillClrLst meth="repeat">
-      <a:schemeClr val="lt1"/>
-    </dgm:txFillClrLst>
-    <dgm:txEffectClrLst/>
-  </dgm:styleLbl>
-  <dgm:styleLbl name="fgShp">
-    <dgm:fillClrLst meth="repeat">
-      <a:schemeClr val="accent2">
-        <a:tint val="40000"/>
-      </a:schemeClr>
-    </dgm:fillClrLst>
-    <dgm:linClrLst meth="repeat">
-      <a:schemeClr val="lt1"/>
-    </dgm:linClrLst>
-    <dgm:effectClrLst/>
-    <dgm:txLinClrLst/>
-    <dgm:txFillClrLst meth="repeat">
-      <a:schemeClr val="dk1"/>
-    </dgm:txFillClrLst>
-    <dgm:txEffectClrLst/>
-  </dgm:styleLbl>
-  <dgm:styleLbl name="revTx">
-    <dgm:fillClrLst meth="repeat">
-      <a:schemeClr val="lt1">
-        <a:alpha val="0"/>
-      </a:schemeClr>
-    </dgm:fillClrLst>
-    <dgm:linClrLst meth="repeat">
-      <a:schemeClr val="dk1">
-        <a:alpha val="0"/>
-      </a:schemeClr>
-    </dgm:linClrLst>
-    <dgm:effectClrLst/>
-    <dgm:txLinClrLst/>
-    <dgm:txFillClrLst meth="repeat">
-      <a:schemeClr val="tx1"/>
-    </dgm:txFillClrLst>
-    <dgm:txEffectClrLst/>
-  </dgm:styleLbl>
-</dgm:colorsDef>
-</file>
-
-<file path=ppt/diagrams/data1.xml><?xml version="1.0" encoding="utf-8"?>
-<dgm:dataModel xmlns:dgm="http://schemas.openxmlformats.org/drawingml/2006/diagram" xmlns:a="http://schemas.openxmlformats.org/drawingml/2006/main">
-  <dgm:ptLst>
-    <dgm:pt modelId="{DB7CE806-6514-4EAD-8083-BC497F468ABD}" type="doc">
-      <dgm:prSet loTypeId="urn:microsoft.com/office/officeart/2009/3/layout/StepUpProcess" loCatId="process" qsTypeId="urn:microsoft.com/office/officeart/2005/8/quickstyle/3d1" qsCatId="3D" csTypeId="urn:microsoft.com/office/officeart/2005/8/colors/colorful1" csCatId="colorful" phldr="1"/>
-      <dgm:spPr/>
-      <dgm:t>
-        <a:bodyPr/>
-        <a:lstStyle/>
-        <a:p>
-          <a:endParaRPr lang="zh-CN" altLang="en-US"/>
-        </a:p>
-      </dgm:t>
-    </dgm:pt>
-    <dgm:pt modelId="{C1852FF5-A8B1-44CA-93E9-A3BEE3D5CBC0}">
-      <dgm:prSet phldrT="[文本]"/>
-      <dgm:spPr/>
-      <dgm:t>
-        <a:bodyPr/>
-        <a:lstStyle/>
-        <a:p>
-          <a:r>
-            <a:rPr lang="en-US" altLang="zh-CN" dirty="0" smtClean="0"/>
-            <a:t>Scrape Search Engine Results and Individual Pages </a:t>
-          </a:r>
-          <a:endParaRPr lang="zh-CN" altLang="en-US" dirty="0"/>
-        </a:p>
-      </dgm:t>
-    </dgm:pt>
-    <dgm:pt modelId="{F8355669-EBA6-4253-9E24-4B152D1957DC}" type="parTrans" cxnId="{EE09AF2E-B109-4793-9C21-C168E69304E0}">
-      <dgm:prSet/>
-      <dgm:spPr/>
-      <dgm:t>
-        <a:bodyPr/>
-        <a:lstStyle/>
-        <a:p>
-          <a:endParaRPr lang="zh-CN" altLang="en-US"/>
-        </a:p>
-      </dgm:t>
-    </dgm:pt>
-    <dgm:pt modelId="{2B6E1BD6-6355-4F5E-9345-A229BB53B61E}" type="sibTrans" cxnId="{EE09AF2E-B109-4793-9C21-C168E69304E0}">
-      <dgm:prSet/>
-      <dgm:spPr/>
-      <dgm:t>
-        <a:bodyPr/>
-        <a:lstStyle/>
-        <a:p>
-          <a:endParaRPr lang="zh-CN" altLang="en-US"/>
-        </a:p>
-      </dgm:t>
-    </dgm:pt>
-    <dgm:pt modelId="{08FC74CB-2B18-431F-B7D6-F0F002B3ADF0}">
-      <dgm:prSet phldrT="[文本]"/>
-      <dgm:spPr/>
-      <dgm:t>
-        <a:bodyPr/>
-        <a:lstStyle/>
-        <a:p>
-          <a:r>
-            <a:rPr lang="en-US" altLang="zh-CN" dirty="0" smtClean="0"/>
-            <a:t>Write Files to a Corpus and Analyze with NLTK</a:t>
-          </a:r>
-          <a:endParaRPr lang="zh-CN" altLang="en-US" dirty="0"/>
-        </a:p>
-      </dgm:t>
-    </dgm:pt>
-    <dgm:pt modelId="{34C5EC24-8881-454D-9118-ED746E46849E}" type="parTrans" cxnId="{1C030D7D-1F5E-4C12-98D7-F7EF33B39B5E}">
-      <dgm:prSet/>
-      <dgm:spPr/>
-      <dgm:t>
-        <a:bodyPr/>
-        <a:lstStyle/>
-        <a:p>
-          <a:endParaRPr lang="zh-CN" altLang="en-US"/>
-        </a:p>
-      </dgm:t>
-    </dgm:pt>
-    <dgm:pt modelId="{9AFF739E-EAFA-459A-A3BE-569A80608900}" type="sibTrans" cxnId="{1C030D7D-1F5E-4C12-98D7-F7EF33B39B5E}">
-      <dgm:prSet/>
-      <dgm:spPr/>
-      <dgm:t>
-        <a:bodyPr/>
-        <a:lstStyle/>
-        <a:p>
-          <a:endParaRPr lang="zh-CN" altLang="en-US"/>
-        </a:p>
-      </dgm:t>
-    </dgm:pt>
-    <dgm:pt modelId="{AB0E1162-048E-4E1C-9A78-E26A389B6DF2}">
-      <dgm:prSet phldrT="[文本]"/>
-      <dgm:spPr/>
-      <dgm:t>
-        <a:bodyPr/>
-        <a:lstStyle/>
-        <a:p>
-          <a:r>
-            <a:rPr lang="en-US" altLang="zh-CN" dirty="0" smtClean="0"/>
-            <a:t>Data Visualization and Output</a:t>
-          </a:r>
-          <a:endParaRPr lang="zh-CN" altLang="en-US" dirty="0"/>
-        </a:p>
-      </dgm:t>
-    </dgm:pt>
-    <dgm:pt modelId="{0B02898A-6911-49A6-8354-BB2E0D0E888E}" type="parTrans" cxnId="{FDFAC0D2-4E7E-447F-B78D-B3B0760F1F54}">
-      <dgm:prSet/>
-      <dgm:spPr/>
-      <dgm:t>
-        <a:bodyPr/>
-        <a:lstStyle/>
-        <a:p>
-          <a:endParaRPr lang="zh-CN" altLang="en-US"/>
-        </a:p>
-      </dgm:t>
-    </dgm:pt>
-    <dgm:pt modelId="{8C7191E2-F422-4826-80C4-CAD5C38E1D83}" type="sibTrans" cxnId="{FDFAC0D2-4E7E-447F-B78D-B3B0760F1F54}">
-      <dgm:prSet/>
-      <dgm:spPr/>
-      <dgm:t>
-        <a:bodyPr/>
-        <a:lstStyle/>
-        <a:p>
-          <a:endParaRPr lang="zh-CN" altLang="en-US"/>
-        </a:p>
-      </dgm:t>
-    </dgm:pt>
-    <dgm:pt modelId="{536B9449-77C3-4CBE-9F55-D16AA25B9F98}" type="pres">
-      <dgm:prSet presAssocID="{DB7CE806-6514-4EAD-8083-BC497F468ABD}" presName="rootnode" presStyleCnt="0">
-        <dgm:presLayoutVars>
-          <dgm:chMax/>
-          <dgm:chPref/>
-          <dgm:dir/>
-          <dgm:animLvl val="lvl"/>
-        </dgm:presLayoutVars>
-      </dgm:prSet>
-      <dgm:spPr/>
-      <dgm:t>
-        <a:bodyPr/>
-        <a:lstStyle/>
-        <a:p>
-          <a:endParaRPr lang="zh-CN" altLang="en-US"/>
-        </a:p>
-      </dgm:t>
-    </dgm:pt>
-    <dgm:pt modelId="{EC96175E-1ADC-492F-866C-A0D04EFC884A}" type="pres">
-      <dgm:prSet presAssocID="{C1852FF5-A8B1-44CA-93E9-A3BEE3D5CBC0}" presName="composite" presStyleCnt="0"/>
-      <dgm:spPr/>
-    </dgm:pt>
-    <dgm:pt modelId="{97F806FA-BBC0-450B-887C-2825CA9D485E}" type="pres">
-      <dgm:prSet presAssocID="{C1852FF5-A8B1-44CA-93E9-A3BEE3D5CBC0}" presName="LShape" presStyleLbl="alignNode1" presStyleIdx="0" presStyleCnt="5"/>
-      <dgm:spPr/>
-    </dgm:pt>
-    <dgm:pt modelId="{AC47FC49-4755-4AEB-BD63-647779711891}" type="pres">
-      <dgm:prSet presAssocID="{C1852FF5-A8B1-44CA-93E9-A3BEE3D5CBC0}" presName="ParentText" presStyleLbl="revTx" presStyleIdx="0" presStyleCnt="3">
-        <dgm:presLayoutVars>
-          <dgm:chMax val="0"/>
-          <dgm:chPref val="0"/>
-          <dgm:bulletEnabled val="1"/>
-        </dgm:presLayoutVars>
-      </dgm:prSet>
-      <dgm:spPr/>
-      <dgm:t>
-        <a:bodyPr/>
-        <a:lstStyle/>
-        <a:p>
-          <a:endParaRPr lang="zh-CN" altLang="en-US"/>
-        </a:p>
-      </dgm:t>
-    </dgm:pt>
-    <dgm:pt modelId="{EE26BCB8-76ED-45FB-9A7F-CBA3B24C9547}" type="pres">
-      <dgm:prSet presAssocID="{C1852FF5-A8B1-44CA-93E9-A3BEE3D5CBC0}" presName="Triangle" presStyleLbl="alignNode1" presStyleIdx="1" presStyleCnt="5"/>
-      <dgm:spPr/>
-    </dgm:pt>
-    <dgm:pt modelId="{71B892FA-712C-40F7-97A7-FBB3507346CC}" type="pres">
-      <dgm:prSet presAssocID="{2B6E1BD6-6355-4F5E-9345-A229BB53B61E}" presName="sibTrans" presStyleCnt="0"/>
-      <dgm:spPr/>
-    </dgm:pt>
-    <dgm:pt modelId="{DD3FC7FE-60DE-4910-80E0-F0EB22823048}" type="pres">
-      <dgm:prSet presAssocID="{2B6E1BD6-6355-4F5E-9345-A229BB53B61E}" presName="space" presStyleCnt="0"/>
-      <dgm:spPr/>
-    </dgm:pt>
-    <dgm:pt modelId="{94084199-6FE9-45AC-98FF-C4CA7B3EA7D6}" type="pres">
-      <dgm:prSet presAssocID="{08FC74CB-2B18-431F-B7D6-F0F002B3ADF0}" presName="composite" presStyleCnt="0"/>
-      <dgm:spPr/>
-    </dgm:pt>
-    <dgm:pt modelId="{08D4A3A8-021E-48A3-ADB8-188216D00032}" type="pres">
-      <dgm:prSet presAssocID="{08FC74CB-2B18-431F-B7D6-F0F002B3ADF0}" presName="LShape" presStyleLbl="alignNode1" presStyleIdx="2" presStyleCnt="5"/>
-      <dgm:spPr/>
-    </dgm:pt>
-    <dgm:pt modelId="{A13FD25F-E067-424E-A333-0D7C58CD323A}" type="pres">
-      <dgm:prSet presAssocID="{08FC74CB-2B18-431F-B7D6-F0F002B3ADF0}" presName="ParentText" presStyleLbl="revTx" presStyleIdx="1" presStyleCnt="3">
-        <dgm:presLayoutVars>
-          <dgm:chMax val="0"/>
-          <dgm:chPref val="0"/>
-          <dgm:bulletEnabled val="1"/>
-        </dgm:presLayoutVars>
-      </dgm:prSet>
-      <dgm:spPr/>
-      <dgm:t>
-        <a:bodyPr/>
-        <a:lstStyle/>
-        <a:p>
-          <a:endParaRPr lang="zh-CN" altLang="en-US"/>
-        </a:p>
-      </dgm:t>
-    </dgm:pt>
-    <dgm:pt modelId="{12181502-47FD-4DFA-8697-FE976D8504DD}" type="pres">
-      <dgm:prSet presAssocID="{08FC74CB-2B18-431F-B7D6-F0F002B3ADF0}" presName="Triangle" presStyleLbl="alignNode1" presStyleIdx="3" presStyleCnt="5"/>
-      <dgm:spPr/>
-    </dgm:pt>
-    <dgm:pt modelId="{ADDEB510-1C0C-4C64-8A6F-F6D6100834EC}" type="pres">
-      <dgm:prSet presAssocID="{9AFF739E-EAFA-459A-A3BE-569A80608900}" presName="sibTrans" presStyleCnt="0"/>
-      <dgm:spPr/>
-    </dgm:pt>
-    <dgm:pt modelId="{EE6F3A3C-B6EE-47CC-94FD-5A243F0DEF5F}" type="pres">
-      <dgm:prSet presAssocID="{9AFF739E-EAFA-459A-A3BE-569A80608900}" presName="space" presStyleCnt="0"/>
-      <dgm:spPr/>
-    </dgm:pt>
-    <dgm:pt modelId="{6573FC80-569E-4AF6-B8DE-EA15858919B0}" type="pres">
-      <dgm:prSet presAssocID="{AB0E1162-048E-4E1C-9A78-E26A389B6DF2}" presName="composite" presStyleCnt="0"/>
-      <dgm:spPr/>
-    </dgm:pt>
-    <dgm:pt modelId="{A1DA67CB-1703-4268-B7D1-334F7DBF3981}" type="pres">
-      <dgm:prSet presAssocID="{AB0E1162-048E-4E1C-9A78-E26A389B6DF2}" presName="LShape" presStyleLbl="alignNode1" presStyleIdx="4" presStyleCnt="5"/>
-      <dgm:spPr/>
-    </dgm:pt>
-    <dgm:pt modelId="{F11F0B54-A812-4D9B-BA1C-897D3191DE9D}" type="pres">
-      <dgm:prSet presAssocID="{AB0E1162-048E-4E1C-9A78-E26A389B6DF2}" presName="ParentText" presStyleLbl="revTx" presStyleIdx="2" presStyleCnt="3">
-        <dgm:presLayoutVars>
-          <dgm:chMax val="0"/>
-          <dgm:chPref val="0"/>
-          <dgm:bulletEnabled val="1"/>
-        </dgm:presLayoutVars>
-      </dgm:prSet>
-      <dgm:spPr/>
-      <dgm:t>
-        <a:bodyPr/>
-        <a:lstStyle/>
-        <a:p>
-          <a:endParaRPr lang="zh-CN" altLang="en-US"/>
-        </a:p>
-      </dgm:t>
-    </dgm:pt>
-  </dgm:ptLst>
-  <dgm:cxnLst>
-    <dgm:cxn modelId="{FDFAC0D2-4E7E-447F-B78D-B3B0760F1F54}" srcId="{DB7CE806-6514-4EAD-8083-BC497F468ABD}" destId="{AB0E1162-048E-4E1C-9A78-E26A389B6DF2}" srcOrd="2" destOrd="0" parTransId="{0B02898A-6911-49A6-8354-BB2E0D0E888E}" sibTransId="{8C7191E2-F422-4826-80C4-CAD5C38E1D83}"/>
-    <dgm:cxn modelId="{4F36BC74-5F54-49A8-9704-BFE0500C04D3}" type="presOf" srcId="{DB7CE806-6514-4EAD-8083-BC497F468ABD}" destId="{536B9449-77C3-4CBE-9F55-D16AA25B9F98}" srcOrd="0" destOrd="0" presId="urn:microsoft.com/office/officeart/2009/3/layout/StepUpProcess"/>
-    <dgm:cxn modelId="{33B57EFA-E203-4053-8C95-0D4F4C120E14}" type="presOf" srcId="{C1852FF5-A8B1-44CA-93E9-A3BEE3D5CBC0}" destId="{AC47FC49-4755-4AEB-BD63-647779711891}" srcOrd="0" destOrd="0" presId="urn:microsoft.com/office/officeart/2009/3/layout/StepUpProcess"/>
-    <dgm:cxn modelId="{1C030D7D-1F5E-4C12-98D7-F7EF33B39B5E}" srcId="{DB7CE806-6514-4EAD-8083-BC497F468ABD}" destId="{08FC74CB-2B18-431F-B7D6-F0F002B3ADF0}" srcOrd="1" destOrd="0" parTransId="{34C5EC24-8881-454D-9118-ED746E46849E}" sibTransId="{9AFF739E-EAFA-459A-A3BE-569A80608900}"/>
-    <dgm:cxn modelId="{EE09AF2E-B109-4793-9C21-C168E69304E0}" srcId="{DB7CE806-6514-4EAD-8083-BC497F468ABD}" destId="{C1852FF5-A8B1-44CA-93E9-A3BEE3D5CBC0}" srcOrd="0" destOrd="0" parTransId="{F8355669-EBA6-4253-9E24-4B152D1957DC}" sibTransId="{2B6E1BD6-6355-4F5E-9345-A229BB53B61E}"/>
-    <dgm:cxn modelId="{26E1D046-5274-4891-921A-F6242FCDCC02}" type="presOf" srcId="{08FC74CB-2B18-431F-B7D6-F0F002B3ADF0}" destId="{A13FD25F-E067-424E-A333-0D7C58CD323A}" srcOrd="0" destOrd="0" presId="urn:microsoft.com/office/officeart/2009/3/layout/StepUpProcess"/>
-    <dgm:cxn modelId="{A9A56B83-733F-4377-96AA-938EC510FA24}" type="presOf" srcId="{AB0E1162-048E-4E1C-9A78-E26A389B6DF2}" destId="{F11F0B54-A812-4D9B-BA1C-897D3191DE9D}" srcOrd="0" destOrd="0" presId="urn:microsoft.com/office/officeart/2009/3/layout/StepUpProcess"/>
-    <dgm:cxn modelId="{58F4CCAB-0A83-446E-BE39-2889D0B746D8}" type="presParOf" srcId="{536B9449-77C3-4CBE-9F55-D16AA25B9F98}" destId="{EC96175E-1ADC-492F-866C-A0D04EFC884A}" srcOrd="0" destOrd="0" presId="urn:microsoft.com/office/officeart/2009/3/layout/StepUpProcess"/>
-    <dgm:cxn modelId="{D3F5A528-F5BA-40CA-BE2A-54E66BC021E8}" type="presParOf" srcId="{EC96175E-1ADC-492F-866C-A0D04EFC884A}" destId="{97F806FA-BBC0-450B-887C-2825CA9D485E}" srcOrd="0" destOrd="0" presId="urn:microsoft.com/office/officeart/2009/3/layout/StepUpProcess"/>
-    <dgm:cxn modelId="{6920956C-4C06-4533-A237-5936081568E8}" type="presParOf" srcId="{EC96175E-1ADC-492F-866C-A0D04EFC884A}" destId="{AC47FC49-4755-4AEB-BD63-647779711891}" srcOrd="1" destOrd="0" presId="urn:microsoft.com/office/officeart/2009/3/layout/StepUpProcess"/>
-    <dgm:cxn modelId="{7D327179-A7D8-4DD4-88C6-129382B33198}" type="presParOf" srcId="{EC96175E-1ADC-492F-866C-A0D04EFC884A}" destId="{EE26BCB8-76ED-45FB-9A7F-CBA3B24C9547}" srcOrd="2" destOrd="0" presId="urn:microsoft.com/office/officeart/2009/3/layout/StepUpProcess"/>
-    <dgm:cxn modelId="{3D67196D-FCD5-407A-9856-3007E342F425}" type="presParOf" srcId="{536B9449-77C3-4CBE-9F55-D16AA25B9F98}" destId="{71B892FA-712C-40F7-97A7-FBB3507346CC}" srcOrd="1" destOrd="0" presId="urn:microsoft.com/office/officeart/2009/3/layout/StepUpProcess"/>
-    <dgm:cxn modelId="{6C28C326-C4A3-4A86-84FF-4737F7179E76}" type="presParOf" srcId="{71B892FA-712C-40F7-97A7-FBB3507346CC}" destId="{DD3FC7FE-60DE-4910-80E0-F0EB22823048}" srcOrd="0" destOrd="0" presId="urn:microsoft.com/office/officeart/2009/3/layout/StepUpProcess"/>
-    <dgm:cxn modelId="{D53740E3-A431-4983-B36C-96CF10069E37}" type="presParOf" srcId="{536B9449-77C3-4CBE-9F55-D16AA25B9F98}" destId="{94084199-6FE9-45AC-98FF-C4CA7B3EA7D6}" srcOrd="2" destOrd="0" presId="urn:microsoft.com/office/officeart/2009/3/layout/StepUpProcess"/>
-    <dgm:cxn modelId="{CF3FCA98-C94E-4911-ABF5-B7E95584D3CD}" type="presParOf" srcId="{94084199-6FE9-45AC-98FF-C4CA7B3EA7D6}" destId="{08D4A3A8-021E-48A3-ADB8-188216D00032}" srcOrd="0" destOrd="0" presId="urn:microsoft.com/office/officeart/2009/3/layout/StepUpProcess"/>
-    <dgm:cxn modelId="{94CEDB9A-8DC8-4348-86DB-A9C9CE9E38A8}" type="presParOf" srcId="{94084199-6FE9-45AC-98FF-C4CA7B3EA7D6}" destId="{A13FD25F-E067-424E-A333-0D7C58CD323A}" srcOrd="1" destOrd="0" presId="urn:microsoft.com/office/officeart/2009/3/layout/StepUpProcess"/>
-    <dgm:cxn modelId="{1221DFB7-8AB9-4D24-8DDE-82C0C43C1800}" type="presParOf" srcId="{94084199-6FE9-45AC-98FF-C4CA7B3EA7D6}" destId="{12181502-47FD-4DFA-8697-FE976D8504DD}" srcOrd="2" destOrd="0" presId="urn:microsoft.com/office/officeart/2009/3/layout/StepUpProcess"/>
-    <dgm:cxn modelId="{877FDBEC-641F-4969-825B-E048449DCDE9}" type="presParOf" srcId="{536B9449-77C3-4CBE-9F55-D16AA25B9F98}" destId="{ADDEB510-1C0C-4C64-8A6F-F6D6100834EC}" srcOrd="3" destOrd="0" presId="urn:microsoft.com/office/officeart/2009/3/layout/StepUpProcess"/>
-    <dgm:cxn modelId="{D886FA19-6E93-4041-8C4B-AB27459EEA39}" type="presParOf" srcId="{ADDEB510-1C0C-4C64-8A6F-F6D6100834EC}" destId="{EE6F3A3C-B6EE-47CC-94FD-5A243F0DEF5F}" srcOrd="0" destOrd="0" presId="urn:microsoft.com/office/officeart/2009/3/layout/StepUpProcess"/>
-    <dgm:cxn modelId="{E5716384-B96F-49B2-A908-F0209294F703}" type="presParOf" srcId="{536B9449-77C3-4CBE-9F55-D16AA25B9F98}" destId="{6573FC80-569E-4AF6-B8DE-EA15858919B0}" srcOrd="4" destOrd="0" presId="urn:microsoft.com/office/officeart/2009/3/layout/StepUpProcess"/>
-    <dgm:cxn modelId="{7AC30343-BBCC-4F77-AD22-1FF7C296EBCE}" type="presParOf" srcId="{6573FC80-569E-4AF6-B8DE-EA15858919B0}" destId="{A1DA67CB-1703-4268-B7D1-334F7DBF3981}" srcOrd="0" destOrd="0" presId="urn:microsoft.com/office/officeart/2009/3/layout/StepUpProcess"/>
-    <dgm:cxn modelId="{1404B96F-64B0-4EC7-89DD-110243925808}" type="presParOf" srcId="{6573FC80-569E-4AF6-B8DE-EA15858919B0}" destId="{F11F0B54-A812-4D9B-BA1C-897D3191DE9D}" srcOrd="1" destOrd="0" presId="urn:microsoft.com/office/officeart/2009/3/layout/StepUpProcess"/>
-  </dgm:cxnLst>
-  <dgm:bg/>
-  <dgm:whole/>
-  <dgm:extLst>
-    <a:ext uri="http://schemas.microsoft.com/office/drawing/2008/diagram">
-      <dsp:dataModelExt xmlns:dsp="http://schemas.microsoft.com/office/drawing/2008/diagram" relId="rId7" minVer="http://schemas.openxmlformats.org/drawingml/2006/diagram"/>
-    </a:ext>
-  </dgm:extLst>
-</dgm:dataModel>
-</file>
-
-<file path=ppt/diagrams/drawing1.xml><?xml version="1.0" encoding="utf-8"?>
-<dsp:drawing xmlns:dgm="http://schemas.openxmlformats.org/drawingml/2006/diagram" xmlns:dsp="http://schemas.microsoft.com/office/drawing/2008/diagram" xmlns:a="http://schemas.openxmlformats.org/drawingml/2006/main">
-  <dsp:spTree>
-    <dsp:nvGrpSpPr>
-      <dsp:cNvPr id="0" name=""/>
-      <dsp:cNvGrpSpPr/>
-    </dsp:nvGrpSpPr>
-    <dsp:grpSpPr/>
-    <dsp:sp modelId="{97F806FA-BBC0-450B-887C-2825CA9D485E}">
-      <dsp:nvSpPr>
-        <dsp:cNvPr id="0" name=""/>
-        <dsp:cNvSpPr/>
-      </dsp:nvSpPr>
-      <dsp:spPr>
-        <a:xfrm rot="5400000">
-          <a:off x="2086366" y="443873"/>
-          <a:ext cx="765921" cy="1274476"/>
-        </a:xfrm>
-        <a:prstGeom prst="corner">
-          <a:avLst>
-            <a:gd name="adj1" fmla="val 16120"/>
-            <a:gd name="adj2" fmla="val 16110"/>
-          </a:avLst>
-        </a:prstGeom>
-        <a:gradFill rotWithShape="0">
-          <a:gsLst>
-            <a:gs pos="0">
-              <a:schemeClr val="accent2">
-                <a:hueOff val="0"/>
-                <a:satOff val="0"/>
-                <a:lumOff val="0"/>
-                <a:alphaOff val="0"/>
-                <a:tint val="98000"/>
-                <a:satMod val="110000"/>
-                <a:lumMod val="104000"/>
-              </a:schemeClr>
-            </a:gs>
-            <a:gs pos="69000">
-              <a:schemeClr val="accent2">
-                <a:hueOff val="0"/>
-                <a:satOff val="0"/>
-                <a:lumOff val="0"/>
-                <a:alphaOff val="0"/>
-                <a:shade val="88000"/>
-                <a:satMod val="130000"/>
-                <a:lumMod val="92000"/>
-              </a:schemeClr>
-            </a:gs>
-            <a:gs pos="100000">
-              <a:schemeClr val="accent2">
-                <a:hueOff val="0"/>
-                <a:satOff val="0"/>
-                <a:lumOff val="0"/>
-                <a:alphaOff val="0"/>
-                <a:shade val="78000"/>
-                <a:satMod val="130000"/>
-                <a:lumMod val="92000"/>
-              </a:schemeClr>
-            </a:gs>
-          </a:gsLst>
-          <a:lin ang="5400000" scaled="0"/>
-        </a:gradFill>
-        <a:ln w="9525" cap="flat" cmpd="sng" algn="ctr">
-          <a:solidFill>
-            <a:schemeClr val="accent2">
-              <a:hueOff val="0"/>
-              <a:satOff val="0"/>
-              <a:lumOff val="0"/>
-              <a:alphaOff val="0"/>
-            </a:schemeClr>
-          </a:solidFill>
-          <a:prstDash val="solid"/>
-        </a:ln>
-        <a:effectLst/>
-        <a:scene3d>
-          <a:camera prst="orthographicFront"/>
-          <a:lightRig rig="flat" dir="t"/>
-        </a:scene3d>
-        <a:sp3d prstMaterial="plastic">
-          <a:bevelT w="120900" h="88900"/>
-          <a:bevelB w="88900" h="31750" prst="angle"/>
-        </a:sp3d>
-      </dsp:spPr>
-      <dsp:style>
-        <a:lnRef idx="1">
-          <a:scrgbClr r="0" g="0" b="0"/>
-        </a:lnRef>
-        <a:fillRef idx="3">
-          <a:scrgbClr r="0" g="0" b="0"/>
-        </a:fillRef>
-        <a:effectRef idx="2">
-          <a:scrgbClr r="0" g="0" b="0"/>
-        </a:effectRef>
-        <a:fontRef idx="minor">
-          <a:schemeClr val="lt1"/>
-        </a:fontRef>
-      </dsp:style>
-    </dsp:sp>
-    <dsp:sp modelId="{AC47FC49-4755-4AEB-BD63-647779711891}">
-      <dsp:nvSpPr>
-        <dsp:cNvPr id="0" name=""/>
-        <dsp:cNvSpPr/>
-      </dsp:nvSpPr>
-      <dsp:spPr>
-        <a:xfrm>
-          <a:off x="1958515" y="824667"/>
-          <a:ext cx="1150604" cy="1008572"/>
-        </a:xfrm>
-        <a:prstGeom prst="rect">
-          <a:avLst/>
-        </a:prstGeom>
-        <a:noFill/>
-        <a:ln>
-          <a:noFill/>
-        </a:ln>
-        <a:effectLst/>
-      </dsp:spPr>
-      <dsp:style>
-        <a:lnRef idx="0">
-          <a:scrgbClr r="0" g="0" b="0"/>
-        </a:lnRef>
-        <a:fillRef idx="0">
-          <a:scrgbClr r="0" g="0" b="0"/>
-        </a:fillRef>
-        <a:effectRef idx="0">
-          <a:scrgbClr r="0" g="0" b="0"/>
-        </a:effectRef>
-        <a:fontRef idx="minor"/>
-      </dsp:style>
-      <dsp:txBody>
-        <a:bodyPr spcFirstLastPara="0" vert="horz" wrap="square" lIns="53340" tIns="53340" rIns="53340" bIns="53340" numCol="1" spcCol="1270" anchor="t" anchorCtr="0">
-          <a:noAutofit/>
-        </a:bodyPr>
-        <a:lstStyle/>
-        <a:p>
-          <a:pPr lvl="0" algn="l" defTabSz="622300">
-            <a:lnSpc>
-              <a:spcPct val="90000"/>
-            </a:lnSpc>
-            <a:spcBef>
-              <a:spcPct val="0"/>
-            </a:spcBef>
-            <a:spcAft>
-              <a:spcPct val="35000"/>
-            </a:spcAft>
-          </a:pPr>
-          <a:r>
-            <a:rPr lang="en-US" altLang="zh-CN" sz="1400" kern="1200" dirty="0" smtClean="0"/>
-            <a:t>Scrape Search Engine Results and Individual Pages </a:t>
-          </a:r>
-          <a:endParaRPr lang="zh-CN" altLang="en-US" sz="1400" kern="1200" dirty="0"/>
-        </a:p>
-      </dsp:txBody>
-      <dsp:txXfrm>
-        <a:off x="1958515" y="824667"/>
-        <a:ext cx="1150604" cy="1008572"/>
-      </dsp:txXfrm>
-    </dsp:sp>
-    <dsp:sp modelId="{EE26BCB8-76ED-45FB-9A7F-CBA3B24C9547}">
-      <dsp:nvSpPr>
-        <dsp:cNvPr id="0" name=""/>
-        <dsp:cNvSpPr/>
-      </dsp:nvSpPr>
-      <dsp:spPr>
-        <a:xfrm>
-          <a:off x="2892024" y="350045"/>
-          <a:ext cx="217095" cy="217095"/>
-        </a:xfrm>
-        <a:prstGeom prst="triangle">
-          <a:avLst>
-            <a:gd name="adj" fmla="val 100000"/>
-          </a:avLst>
-        </a:prstGeom>
-        <a:gradFill rotWithShape="0">
-          <a:gsLst>
-            <a:gs pos="0">
-              <a:schemeClr val="accent3">
-                <a:hueOff val="0"/>
-                <a:satOff val="0"/>
-                <a:lumOff val="0"/>
-                <a:alphaOff val="0"/>
-                <a:tint val="98000"/>
-                <a:satMod val="110000"/>
-                <a:lumMod val="104000"/>
-              </a:schemeClr>
-            </a:gs>
-            <a:gs pos="69000">
-              <a:schemeClr val="accent3">
-                <a:hueOff val="0"/>
-                <a:satOff val="0"/>
-                <a:lumOff val="0"/>
-                <a:alphaOff val="0"/>
-                <a:shade val="88000"/>
-                <a:satMod val="130000"/>
-                <a:lumMod val="92000"/>
-              </a:schemeClr>
-            </a:gs>
-            <a:gs pos="100000">
-              <a:schemeClr val="accent3">
-                <a:hueOff val="0"/>
-                <a:satOff val="0"/>
-                <a:lumOff val="0"/>
-                <a:alphaOff val="0"/>
-                <a:shade val="78000"/>
-                <a:satMod val="130000"/>
-                <a:lumMod val="92000"/>
-              </a:schemeClr>
-            </a:gs>
-          </a:gsLst>
-          <a:lin ang="5400000" scaled="0"/>
-        </a:gradFill>
-        <a:ln w="9525" cap="flat" cmpd="sng" algn="ctr">
-          <a:solidFill>
-            <a:schemeClr val="accent3">
-              <a:hueOff val="0"/>
-              <a:satOff val="0"/>
-              <a:lumOff val="0"/>
-              <a:alphaOff val="0"/>
-            </a:schemeClr>
-          </a:solidFill>
-          <a:prstDash val="solid"/>
-        </a:ln>
-        <a:effectLst/>
-        <a:scene3d>
-          <a:camera prst="orthographicFront"/>
-          <a:lightRig rig="flat" dir="t"/>
-        </a:scene3d>
-        <a:sp3d prstMaterial="plastic">
-          <a:bevelT w="120900" h="88900"/>
-          <a:bevelB w="88900" h="31750" prst="angle"/>
-        </a:sp3d>
-      </dsp:spPr>
-      <dsp:style>
-        <a:lnRef idx="1">
-          <a:scrgbClr r="0" g="0" b="0"/>
-        </a:lnRef>
-        <a:fillRef idx="3">
-          <a:scrgbClr r="0" g="0" b="0"/>
-        </a:fillRef>
-        <a:effectRef idx="2">
-          <a:scrgbClr r="0" g="0" b="0"/>
-        </a:effectRef>
-        <a:fontRef idx="minor">
-          <a:schemeClr val="lt1"/>
-        </a:fontRef>
-      </dsp:style>
-    </dsp:sp>
-    <dsp:sp modelId="{08D4A3A8-021E-48A3-ADB8-188216D00032}">
-      <dsp:nvSpPr>
-        <dsp:cNvPr id="0" name=""/>
-        <dsp:cNvSpPr/>
-      </dsp:nvSpPr>
-      <dsp:spPr>
-        <a:xfrm rot="5400000">
-          <a:off x="3494931" y="95322"/>
-          <a:ext cx="765921" cy="1274476"/>
-        </a:xfrm>
-        <a:prstGeom prst="corner">
-          <a:avLst>
-            <a:gd name="adj1" fmla="val 16120"/>
-            <a:gd name="adj2" fmla="val 16110"/>
-          </a:avLst>
-        </a:prstGeom>
-        <a:gradFill rotWithShape="0">
-          <a:gsLst>
-            <a:gs pos="0">
-              <a:schemeClr val="accent4">
-                <a:hueOff val="0"/>
-                <a:satOff val="0"/>
-                <a:lumOff val="0"/>
-                <a:alphaOff val="0"/>
-                <a:tint val="98000"/>
-                <a:satMod val="110000"/>
-                <a:lumMod val="104000"/>
-              </a:schemeClr>
-            </a:gs>
-            <a:gs pos="69000">
-              <a:schemeClr val="accent4">
-                <a:hueOff val="0"/>
-                <a:satOff val="0"/>
-                <a:lumOff val="0"/>
-                <a:alphaOff val="0"/>
-                <a:shade val="88000"/>
-                <a:satMod val="130000"/>
-                <a:lumMod val="92000"/>
-              </a:schemeClr>
-            </a:gs>
-            <a:gs pos="100000">
-              <a:schemeClr val="accent4">
-                <a:hueOff val="0"/>
-                <a:satOff val="0"/>
-                <a:lumOff val="0"/>
-                <a:alphaOff val="0"/>
-                <a:shade val="78000"/>
-                <a:satMod val="130000"/>
-                <a:lumMod val="92000"/>
-              </a:schemeClr>
-            </a:gs>
-          </a:gsLst>
-          <a:lin ang="5400000" scaled="0"/>
-        </a:gradFill>
-        <a:ln w="9525" cap="flat" cmpd="sng" algn="ctr">
-          <a:solidFill>
-            <a:schemeClr val="accent4">
-              <a:hueOff val="0"/>
-              <a:satOff val="0"/>
-              <a:lumOff val="0"/>
-              <a:alphaOff val="0"/>
-            </a:schemeClr>
-          </a:solidFill>
-          <a:prstDash val="solid"/>
-        </a:ln>
-        <a:effectLst/>
-        <a:scene3d>
-          <a:camera prst="orthographicFront"/>
-          <a:lightRig rig="flat" dir="t"/>
-        </a:scene3d>
-        <a:sp3d prstMaterial="plastic">
-          <a:bevelT w="120900" h="88900"/>
-          <a:bevelB w="88900" h="31750" prst="angle"/>
-        </a:sp3d>
-      </dsp:spPr>
-      <dsp:style>
-        <a:lnRef idx="1">
-          <a:scrgbClr r="0" g="0" b="0"/>
-        </a:lnRef>
-        <a:fillRef idx="3">
-          <a:scrgbClr r="0" g="0" b="0"/>
-        </a:fillRef>
-        <a:effectRef idx="2">
-          <a:scrgbClr r="0" g="0" b="0"/>
-        </a:effectRef>
-        <a:fontRef idx="minor">
-          <a:schemeClr val="lt1"/>
-        </a:fontRef>
-      </dsp:style>
-    </dsp:sp>
-    <dsp:sp modelId="{A13FD25F-E067-424E-A333-0D7C58CD323A}">
-      <dsp:nvSpPr>
-        <dsp:cNvPr id="0" name=""/>
-        <dsp:cNvSpPr/>
-      </dsp:nvSpPr>
-      <dsp:spPr>
-        <a:xfrm>
-          <a:off x="3367080" y="476116"/>
-          <a:ext cx="1150604" cy="1008572"/>
-        </a:xfrm>
-        <a:prstGeom prst="rect">
-          <a:avLst/>
-        </a:prstGeom>
-        <a:noFill/>
-        <a:ln>
-          <a:noFill/>
-        </a:ln>
-        <a:effectLst/>
-      </dsp:spPr>
-      <dsp:style>
-        <a:lnRef idx="0">
-          <a:scrgbClr r="0" g="0" b="0"/>
-        </a:lnRef>
-        <a:fillRef idx="0">
-          <a:scrgbClr r="0" g="0" b="0"/>
-        </a:fillRef>
-        <a:effectRef idx="0">
-          <a:scrgbClr r="0" g="0" b="0"/>
-        </a:effectRef>
-        <a:fontRef idx="minor"/>
-      </dsp:style>
-      <dsp:txBody>
-        <a:bodyPr spcFirstLastPara="0" vert="horz" wrap="square" lIns="53340" tIns="53340" rIns="53340" bIns="53340" numCol="1" spcCol="1270" anchor="t" anchorCtr="0">
-          <a:noAutofit/>
-        </a:bodyPr>
-        <a:lstStyle/>
-        <a:p>
-          <a:pPr lvl="0" algn="l" defTabSz="622300">
-            <a:lnSpc>
-              <a:spcPct val="90000"/>
-            </a:lnSpc>
-            <a:spcBef>
-              <a:spcPct val="0"/>
-            </a:spcBef>
-            <a:spcAft>
-              <a:spcPct val="35000"/>
-            </a:spcAft>
-          </a:pPr>
-          <a:r>
-            <a:rPr lang="en-US" altLang="zh-CN" sz="1400" kern="1200" dirty="0" smtClean="0"/>
-            <a:t>Write Files to a Corpus and Analyze with NLTK</a:t>
-          </a:r>
-          <a:endParaRPr lang="zh-CN" altLang="en-US" sz="1400" kern="1200" dirty="0"/>
-        </a:p>
-      </dsp:txBody>
-      <dsp:txXfrm>
-        <a:off x="3367080" y="476116"/>
-        <a:ext cx="1150604" cy="1008572"/>
-      </dsp:txXfrm>
-    </dsp:sp>
-    <dsp:sp modelId="{12181502-47FD-4DFA-8697-FE976D8504DD}">
-      <dsp:nvSpPr>
-        <dsp:cNvPr id="0" name=""/>
-        <dsp:cNvSpPr/>
-      </dsp:nvSpPr>
-      <dsp:spPr>
-        <a:xfrm>
-          <a:off x="4300589" y="1494"/>
-          <a:ext cx="217095" cy="217095"/>
-        </a:xfrm>
-        <a:prstGeom prst="triangle">
-          <a:avLst>
-            <a:gd name="adj" fmla="val 100000"/>
-          </a:avLst>
-        </a:prstGeom>
-        <a:gradFill rotWithShape="0">
-          <a:gsLst>
-            <a:gs pos="0">
-              <a:schemeClr val="accent5">
-                <a:hueOff val="0"/>
-                <a:satOff val="0"/>
-                <a:lumOff val="0"/>
-                <a:alphaOff val="0"/>
-                <a:tint val="98000"/>
-                <a:satMod val="110000"/>
-                <a:lumMod val="104000"/>
-              </a:schemeClr>
-            </a:gs>
-            <a:gs pos="69000">
-              <a:schemeClr val="accent5">
-                <a:hueOff val="0"/>
-                <a:satOff val="0"/>
-                <a:lumOff val="0"/>
-                <a:alphaOff val="0"/>
-                <a:shade val="88000"/>
-                <a:satMod val="130000"/>
-                <a:lumMod val="92000"/>
-              </a:schemeClr>
-            </a:gs>
-            <a:gs pos="100000">
-              <a:schemeClr val="accent5">
-                <a:hueOff val="0"/>
-                <a:satOff val="0"/>
-                <a:lumOff val="0"/>
-                <a:alphaOff val="0"/>
-                <a:shade val="78000"/>
-                <a:satMod val="130000"/>
-                <a:lumMod val="92000"/>
-              </a:schemeClr>
-            </a:gs>
-          </a:gsLst>
-          <a:lin ang="5400000" scaled="0"/>
-        </a:gradFill>
-        <a:ln w="9525" cap="flat" cmpd="sng" algn="ctr">
-          <a:solidFill>
-            <a:schemeClr val="accent5">
-              <a:hueOff val="0"/>
-              <a:satOff val="0"/>
-              <a:lumOff val="0"/>
-              <a:alphaOff val="0"/>
-            </a:schemeClr>
-          </a:solidFill>
-          <a:prstDash val="solid"/>
-        </a:ln>
-        <a:effectLst/>
-        <a:scene3d>
-          <a:camera prst="orthographicFront"/>
-          <a:lightRig rig="flat" dir="t"/>
-        </a:scene3d>
-        <a:sp3d prstMaterial="plastic">
-          <a:bevelT w="120900" h="88900"/>
-          <a:bevelB w="88900" h="31750" prst="angle"/>
-        </a:sp3d>
-      </dsp:spPr>
-      <dsp:style>
-        <a:lnRef idx="1">
-          <a:scrgbClr r="0" g="0" b="0"/>
-        </a:lnRef>
-        <a:fillRef idx="3">
-          <a:scrgbClr r="0" g="0" b="0"/>
-        </a:fillRef>
-        <a:effectRef idx="2">
-          <a:scrgbClr r="0" g="0" b="0"/>
-        </a:effectRef>
-        <a:fontRef idx="minor">
-          <a:schemeClr val="lt1"/>
-        </a:fontRef>
-      </dsp:style>
-    </dsp:sp>
-    <dsp:sp modelId="{A1DA67CB-1703-4268-B7D1-334F7DBF3981}">
-      <dsp:nvSpPr>
-        <dsp:cNvPr id="0" name=""/>
-        <dsp:cNvSpPr/>
-      </dsp:nvSpPr>
-      <dsp:spPr>
-        <a:xfrm rot="5400000">
-          <a:off x="4903496" y="-253228"/>
-          <a:ext cx="765921" cy="1274476"/>
-        </a:xfrm>
-        <a:prstGeom prst="corner">
-          <a:avLst>
-            <a:gd name="adj1" fmla="val 16120"/>
-            <a:gd name="adj2" fmla="val 16110"/>
-          </a:avLst>
-        </a:prstGeom>
-        <a:gradFill rotWithShape="0">
-          <a:gsLst>
-            <a:gs pos="0">
-              <a:schemeClr val="accent6">
-                <a:hueOff val="0"/>
-                <a:satOff val="0"/>
-                <a:lumOff val="0"/>
-                <a:alphaOff val="0"/>
-                <a:tint val="98000"/>
-                <a:satMod val="110000"/>
-                <a:lumMod val="104000"/>
-              </a:schemeClr>
-            </a:gs>
-            <a:gs pos="69000">
-              <a:schemeClr val="accent6">
-                <a:hueOff val="0"/>
-                <a:satOff val="0"/>
-                <a:lumOff val="0"/>
-                <a:alphaOff val="0"/>
-                <a:shade val="88000"/>
-                <a:satMod val="130000"/>
-                <a:lumMod val="92000"/>
-              </a:schemeClr>
-            </a:gs>
-            <a:gs pos="100000">
-              <a:schemeClr val="accent6">
-                <a:hueOff val="0"/>
-                <a:satOff val="0"/>
-                <a:lumOff val="0"/>
-                <a:alphaOff val="0"/>
-                <a:shade val="78000"/>
-                <a:satMod val="130000"/>
-                <a:lumMod val="92000"/>
-              </a:schemeClr>
-            </a:gs>
-          </a:gsLst>
-          <a:lin ang="5400000" scaled="0"/>
-        </a:gradFill>
-        <a:ln w="9525" cap="flat" cmpd="sng" algn="ctr">
-          <a:solidFill>
-            <a:schemeClr val="accent6">
-              <a:hueOff val="0"/>
-              <a:satOff val="0"/>
-              <a:lumOff val="0"/>
-              <a:alphaOff val="0"/>
-            </a:schemeClr>
-          </a:solidFill>
-          <a:prstDash val="solid"/>
-        </a:ln>
-        <a:effectLst/>
-        <a:scene3d>
-          <a:camera prst="orthographicFront"/>
-          <a:lightRig rig="flat" dir="t"/>
-        </a:scene3d>
-        <a:sp3d prstMaterial="plastic">
-          <a:bevelT w="120900" h="88900"/>
-          <a:bevelB w="88900" h="31750" prst="angle"/>
-        </a:sp3d>
-      </dsp:spPr>
-      <dsp:style>
-        <a:lnRef idx="1">
-          <a:scrgbClr r="0" g="0" b="0"/>
-        </a:lnRef>
-        <a:fillRef idx="3">
-          <a:scrgbClr r="0" g="0" b="0"/>
-        </a:fillRef>
-        <a:effectRef idx="2">
-          <a:scrgbClr r="0" g="0" b="0"/>
-        </a:effectRef>
-        <a:fontRef idx="minor">
-          <a:schemeClr val="lt1"/>
-        </a:fontRef>
-      </dsp:style>
-    </dsp:sp>
-    <dsp:sp modelId="{F11F0B54-A812-4D9B-BA1C-897D3191DE9D}">
-      <dsp:nvSpPr>
-        <dsp:cNvPr id="0" name=""/>
-        <dsp:cNvSpPr/>
-      </dsp:nvSpPr>
-      <dsp:spPr>
-        <a:xfrm>
-          <a:off x="4775644" y="127565"/>
-          <a:ext cx="1150604" cy="1008572"/>
-        </a:xfrm>
-        <a:prstGeom prst="rect">
-          <a:avLst/>
-        </a:prstGeom>
-        <a:noFill/>
-        <a:ln>
-          <a:noFill/>
-        </a:ln>
-        <a:effectLst/>
-      </dsp:spPr>
-      <dsp:style>
-        <a:lnRef idx="0">
-          <a:scrgbClr r="0" g="0" b="0"/>
-        </a:lnRef>
-        <a:fillRef idx="0">
-          <a:scrgbClr r="0" g="0" b="0"/>
-        </a:fillRef>
-        <a:effectRef idx="0">
-          <a:scrgbClr r="0" g="0" b="0"/>
-        </a:effectRef>
-        <a:fontRef idx="minor"/>
-      </dsp:style>
-      <dsp:txBody>
-        <a:bodyPr spcFirstLastPara="0" vert="horz" wrap="square" lIns="53340" tIns="53340" rIns="53340" bIns="53340" numCol="1" spcCol="1270" anchor="t" anchorCtr="0">
-          <a:noAutofit/>
-        </a:bodyPr>
-        <a:lstStyle/>
-        <a:p>
-          <a:pPr lvl="0" algn="l" defTabSz="622300">
-            <a:lnSpc>
-              <a:spcPct val="90000"/>
-            </a:lnSpc>
-            <a:spcBef>
-              <a:spcPct val="0"/>
-            </a:spcBef>
-            <a:spcAft>
-              <a:spcPct val="35000"/>
-            </a:spcAft>
-          </a:pPr>
-          <a:r>
-            <a:rPr lang="en-US" altLang="zh-CN" sz="1400" kern="1200" dirty="0" smtClean="0"/>
-            <a:t>Data Visualization and Output</a:t>
-          </a:r>
-          <a:endParaRPr lang="zh-CN" altLang="en-US" sz="1400" kern="1200" dirty="0"/>
-        </a:p>
-      </dsp:txBody>
-      <dsp:txXfrm>
-        <a:off x="4775644" y="127565"/>
-        <a:ext cx="1150604" cy="1008572"/>
-      </dsp:txXfrm>
-    </dsp:sp>
-  </dsp:spTree>
-</dsp:drawing>
-</file>
-
-<file path=ppt/diagrams/layout1.xml><?xml version="1.0" encoding="utf-8"?>
-<dgm:layoutDef xmlns:dgm="http://schemas.openxmlformats.org/drawingml/2006/diagram" xmlns:a="http://schemas.openxmlformats.org/drawingml/2006/main" uniqueId="urn:microsoft.com/office/officeart/2009/3/layout/StepUpProcess">
-  <dgm:title val=""/>
-  <dgm:desc val=""/>
-  <dgm:catLst>
-    <dgm:cat type="process" pri="1300"/>
-  </dgm:catLst>
-  <dgm:sampData>
-    <dgm:dataModel>
-      <dgm:ptLst>
-        <dgm:pt modelId="0" type="doc"/>
-        <dgm:pt modelId="10">
-          <dgm:prSet phldr="1"/>
-        </dgm:pt>
-        <dgm:pt modelId="20">
-          <dgm:prSet phldr="1"/>
-        </dgm:pt>
-        <dgm:pt modelId="30">
-          <dgm:prSet phldr="1"/>
-        </dgm:pt>
-      </dgm:ptLst>
-      <dgm:cxnLst>
-        <dgm:cxn modelId="60" srcId="0" destId="10" srcOrd="0" destOrd="0"/>
-        <dgm:cxn modelId="70" srcId="0" destId="20" srcOrd="1" destOrd="0"/>
-        <dgm:cxn modelId="80" srcId="0" destId="30" srcOrd="2" destOrd="0"/>
-      </dgm:cxnLst>
-      <dgm:bg/>
-      <dgm:whole/>
-    </dgm:dataModel>
-  </dgm:sampData>
-  <dgm:styleData>
-    <dgm:dataModel>
-      <dgm:ptLst>
-        <dgm:pt modelId="0" type="doc"/>
-        <dgm:pt modelId="10">
-          <dgm:prSet phldr="1"/>
-        </dgm:pt>
-        <dgm:pt modelId="20">
-          <dgm:prSet phldr="1"/>
-        </dgm:pt>
-      </dgm:ptLst>
-      <dgm:cxnLst>
-        <dgm:cxn modelId="60" srcId="0" destId="10" srcOrd="0" destOrd="0"/>
-        <dgm:cxn modelId="70" srcId="0" destId="20" srcOrd="1" destOrd="0"/>
-      </dgm:cxnLst>
-      <dgm:bg/>
-      <dgm:whole/>
-    </dgm:dataModel>
-  </dgm:styleData>
-  <dgm:clrData>
-    <dgm:dataModel>
-      <dgm:ptLst>
-        <dgm:pt modelId="0" type="doc"/>
-        <dgm:pt modelId="10">
-          <dgm:prSet phldr="1"/>
-        </dgm:pt>
-        <dgm:pt modelId="20">
-          <dgm:prSet phldr="1"/>
-        </dgm:pt>
-        <dgm:pt modelId="30">
-          <dgm:prSet phldr="1"/>
-        </dgm:pt>
-        <dgm:pt modelId="40">
-          <dgm:prSet phldr="1"/>
-        </dgm:pt>
-      </dgm:ptLst>
-      <dgm:cxnLst>
-        <dgm:cxn modelId="60" srcId="0" destId="10" srcOrd="0" destOrd="0"/>
-        <dgm:cxn modelId="70" srcId="0" destId="20" srcOrd="1" destOrd="0"/>
-        <dgm:cxn modelId="80" srcId="0" destId="30" srcOrd="2" destOrd="0"/>
-        <dgm:cxn modelId="90" srcId="0" destId="40" srcOrd="3" destOrd="0"/>
-      </dgm:cxnLst>
-      <dgm:bg/>
-      <dgm:whole/>
-    </dgm:dataModel>
-  </dgm:clrData>
-  <dgm:layoutNode name="rootnode">
-    <dgm:varLst>
-      <dgm:chMax/>
-      <dgm:chPref/>
-      <dgm:dir/>
-      <dgm:animLvl val="lvl"/>
-    </dgm:varLst>
-    <dgm:choose name="Name0">
-      <dgm:if name="Name1" func="var" arg="dir" op="equ" val="norm">
-        <dgm:alg type="snake">
-          <dgm:param type="grDir" val="bL"/>
-          <dgm:param type="flowDir" val="row"/>
-          <dgm:param type="off" val="off"/>
-          <dgm:param type="bkpt" val="fixed"/>
-          <dgm:param type="bkPtFixedVal" val="1"/>
-        </dgm:alg>
-      </dgm:if>
-      <dgm:else name="Name2">
-        <dgm:alg type="snake">
-          <dgm:param type="grDir" val="bR"/>
-          <dgm:param type="flowDir" val="row"/>
-          <dgm:param type="off" val="off"/>
-          <dgm:param type="bkpt" val="fixed"/>
-          <dgm:param type="bkPtFixedVal" val="1"/>
-        </dgm:alg>
-      </dgm:else>
-    </dgm:choose>
-    <dgm:shape xmlns:r="http://schemas.openxmlformats.org/officeDocument/2006/relationships" r:blip="">
-      <dgm:adjLst/>
-    </dgm:shape>
-    <dgm:constrLst>
-      <dgm:constr type="alignOff" forName="rootnode" val="1"/>
-      <dgm:constr type="primFontSz" for="des" ptType="node" op="equ" val="65"/>
-      <dgm:constr type="w" for="ch" forName="composite" refType="w"/>
-      <dgm:constr type="h" for="ch" forName="composite" refType="h"/>
-      <dgm:constr type="sp" refType="h" refFor="ch" refForName="composite" op="equ" fact="-0.765"/>
-      <dgm:constr type="w" for="ch" forName="sibTrans" refType="w" fact="0.103"/>
-      <dgm:constr type="h" for="ch" forName="sibTrans" refType="h" fact="0.103"/>
-    </dgm:constrLst>
-    <dgm:forEach name="nodesForEach" axis="ch" ptType="node">
-      <dgm:layoutNode name="composite">
-        <dgm:alg type="composite">
-          <dgm:param type="ar" val="0.861"/>
-        </dgm:alg>
-        <dgm:shape xmlns:r="http://schemas.openxmlformats.org/officeDocument/2006/relationships" r:blip="">
-          <dgm:adjLst/>
-        </dgm:shape>
-        <dgm:choose name="Name3">
-          <dgm:if name="Name4" func="var" arg="dir" op="equ" val="norm">
-            <dgm:constrLst>
-              <dgm:constr type="l" for="ch" forName="LShape" refType="w" fact="0"/>
-              <dgm:constr type="t" for="ch" forName="LShape" refType="h" fact="0.2347"/>
-              <dgm:constr type="w" for="ch" forName="LShape" refType="w" fact="0.998"/>
-              <dgm:constr type="h" for="ch" forName="LShape" refType="h" fact="0.5164"/>
-              <dgm:constr type="r" for="ch" forName="ParentText" refType="w"/>
-              <dgm:constr type="t" for="ch" forName="ParentText" refType="h" fact="0.32"/>
-              <dgm:constr type="w" for="ch" forName="ParentText" refType="w" fact="0.901"/>
-              <dgm:constr type="h" for="ch" forName="ParentText" refType="h" fact="0.68"/>
-              <dgm:constr type="l" for="ch" forName="Triangle" refType="w" fact="0.83"/>
-              <dgm:constr type="t" for="ch" forName="Triangle" refType="h" fact="0"/>
-              <dgm:constr type="w" for="ch" forName="Triangle" refType="w" fact="0.17"/>
-              <dgm:constr type="h" for="ch" forName="Triangle" refType="w" refFor="ch" refForName="Triangle"/>
-            </dgm:constrLst>
-          </dgm:if>
-          <dgm:else name="Name5">
-            <dgm:constrLst>
-              <dgm:constr type="l" for="ch" forName="LShape" refType="w" fact="0.002"/>
-              <dgm:constr type="t" for="ch" forName="LShape" refType="h" fact="0.2347"/>
-              <dgm:constr type="w" for="ch" forName="LShape" refType="w"/>
-              <dgm:constr type="h" for="ch" forName="LShape" refType="h" fact="0.5164"/>
-              <dgm:constr type="l" for="ch" forName="ParentText" refType="w" fact="0"/>
-              <dgm:constr type="t" for="ch" forName="ParentText" refType="h" fact="0.32"/>
-              <dgm:constr type="w" for="ch" forName="ParentText" refType="w" fact="0.902"/>
-              <dgm:constr type="h" for="ch" forName="ParentText" refType="h" fact="0.68"/>
-              <dgm:constr type="l" for="ch" forName="Triangle" refType="w" fact="0"/>
-              <dgm:constr type="t" for="ch" forName="Triangle" refType="h" fact="0"/>
-              <dgm:constr type="w" for="ch" forName="Triangle" refType="w" fact="0.17"/>
-              <dgm:constr type="h" for="ch" forName="Triangle" refType="w" refFor="ch" refForName="Triangle"/>
-            </dgm:constrLst>
-          </dgm:else>
-        </dgm:choose>
-        <dgm:layoutNode name="LShape" styleLbl="alignNode1">
-          <dgm:alg type="sp"/>
-          <dgm:choose name="Name6">
-            <dgm:if name="Name7" func="var" arg="dir" op="equ" val="norm">
-              <dgm:shape xmlns:r="http://schemas.openxmlformats.org/officeDocument/2006/relationships" rot="90" type="corner" r:blip="">
-                <dgm:adjLst>
-                  <dgm:adj idx="1" val="0.1612"/>
-                  <dgm:adj idx="2" val="0.1611"/>
-                </dgm:adjLst>
-              </dgm:shape>
-            </dgm:if>
-            <dgm:else name="Name8">
-              <dgm:shape xmlns:r="http://schemas.openxmlformats.org/officeDocument/2006/relationships" rot="180" type="corner" r:blip="">
-                <dgm:adjLst>
-                  <dgm:adj idx="1" val="0.1612"/>
-                  <dgm:adj idx="2" val="0.1611"/>
-                </dgm:adjLst>
-              </dgm:shape>
-            </dgm:else>
-          </dgm:choose>
-          <dgm:presOf/>
-        </dgm:layoutNode>
-        <dgm:layoutNode name="ParentText" styleLbl="revTx">
-          <dgm:varLst>
-            <dgm:chMax val="0"/>
-            <dgm:chPref val="0"/>
-            <dgm:bulletEnabled val="1"/>
-          </dgm:varLst>
-          <dgm:alg type="tx">
-            <dgm:param type="parTxLTRAlign" val="l"/>
-            <dgm:param type="txAnchorVert" val="t"/>
-          </dgm:alg>
-          <dgm:shape xmlns:r="http://schemas.openxmlformats.org/officeDocument/2006/relationships" type="rect" r:blip="">
-            <dgm:adjLst/>
-          </dgm:shape>
-          <dgm:presOf axis="desOrSelf" ptType="node"/>
-          <dgm:constrLst>
-            <dgm:constr type="lMarg" refType="primFontSz" fact="0.3"/>
-            <dgm:constr type="rMarg" refType="primFontSz" fact="0.3"/>
-            <dgm:constr type="tMarg" refType="primFontSz" fact="0.3"/>
-            <dgm:constr type="bMarg" refType="primFontSz" fact="0.3"/>
-          </dgm:constrLst>
-          <dgm:ruleLst>
-            <dgm:rule type="primFontSz" val="5" fact="NaN" max="NaN"/>
-          </dgm:ruleLst>
-        </dgm:layoutNode>
-        <dgm:choose name="Name9">
-          <dgm:if name="Name10" axis="followSib" ptType="node" func="cnt" op="gte" val="1">
-            <dgm:layoutNode name="Triangle" styleLbl="alignNode1">
-              <dgm:alg type="sp"/>
-              <dgm:choose name="Name11">
-                <dgm:if name="Name12" func="var" arg="dir" op="equ" val="norm">
-                  <dgm:shape xmlns:r="http://schemas.openxmlformats.org/officeDocument/2006/relationships" type="triangle" r:blip="">
-                    <dgm:adjLst>
-                      <dgm:adj idx="1" val="1"/>
-                    </dgm:adjLst>
-                  </dgm:shape>
-                </dgm:if>
-                <dgm:else name="Name13">
-                  <dgm:shape xmlns:r="http://schemas.openxmlformats.org/officeDocument/2006/relationships" rot="90" type="triangle" r:blip="">
-                    <dgm:adjLst>
-                      <dgm:adj idx="1" val="1"/>
-                    </dgm:adjLst>
-                  </dgm:shape>
-                </dgm:else>
-              </dgm:choose>
-              <dgm:presOf/>
-            </dgm:layoutNode>
-          </dgm:if>
-          <dgm:else name="Name14"/>
-        </dgm:choose>
-      </dgm:layoutNode>
-      <dgm:forEach name="sibTransForEach" axis="followSib" ptType="sibTrans" cnt="1">
-        <dgm:layoutNode name="sibTrans">
-          <dgm:alg type="composite">
-            <dgm:param type="ar" val="0.861"/>
-          </dgm:alg>
-          <dgm:constrLst>
-            <dgm:constr type="w" for="ch" forName="space" refType="w"/>
-            <dgm:constr type="h" for="ch" forName="space" refType="w"/>
-          </dgm:constrLst>
-          <dgm:layoutNode name="space" styleLbl="alignNode1">
-            <dgm:alg type="sp"/>
-            <dgm:shape xmlns:r="http://schemas.openxmlformats.org/officeDocument/2006/relationships" r:blip="">
-              <dgm:adjLst/>
-            </dgm:shape>
-            <dgm:presOf/>
-          </dgm:layoutNode>
-        </dgm:layoutNode>
-      </dgm:forEach>
-    </dgm:forEach>
-  </dgm:layoutNode>
-</dgm:layoutDef>
-</file>
-
-<file path=ppt/diagrams/quickStyle1.xml><?xml version="1.0" encoding="utf-8"?>
-<dgm:styleDef xmlns:dgm="http://schemas.openxmlformats.org/drawingml/2006/diagram" xmlns:a="http://schemas.openxmlformats.org/drawingml/2006/main" uniqueId="urn:microsoft.com/office/officeart/2005/8/quickstyle/3d1">
-  <dgm:title val=""/>
-  <dgm:desc val=""/>
-  <dgm:catLst>
-    <dgm:cat type="3D" pri="11100"/>
-  </dgm:catLst>
-  <dgm:scene3d>
-    <a:camera prst="orthographicFront"/>
-    <a:lightRig rig="threePt" dir="t"/>
-  </dgm:scene3d>
-  <dgm:styleLbl name="node0">
-    <dgm:scene3d>
-      <a:camera prst="orthographicFront"/>
-      <a:lightRig rig="flat" dir="t"/>
-    </dgm:scene3d>
-    <dgm:sp3d prstMaterial="plastic">
-      <a:bevelT w="120900" h="88900"/>
-      <a:bevelB w="88900" h="31750" prst="angle"/>
-    </dgm:sp3d>
-    <dgm:txPr/>
-    <dgm:style>
-      <a:lnRef idx="0">
-        <a:scrgbClr r="0" g="0" b="0"/>
-      </a:lnRef>
-      <a:fillRef idx="3">
-        <a:scrgbClr r="0" g="0" b="0"/>
-      </a:fillRef>
-      <a:effectRef idx="2">
-        <a:scrgbClr r="0" g="0" b="0"/>
-      </a:effectRef>
-      <a:fontRef idx="minor">
-        <a:schemeClr val="lt1"/>
-      </a:fontRef>
-    </dgm:style>
-  </dgm:styleLbl>
-  <dgm:styleLbl name="lnNode1">
-    <dgm:scene3d>
-      <a:camera prst="orthographicFront"/>
-      <a:lightRig rig="flat" dir="t"/>
-    </dgm:scene3d>
-    <dgm:sp3d prstMaterial="plastic">
-      <a:bevelT w="120900" h="88900"/>
-      <a:bevelB w="88900" h="31750" prst="angle"/>
-    </dgm:sp3d>
-    <dgm:txPr/>
-    <dgm:style>
-      <a:lnRef idx="0">
-        <a:scrgbClr r="0" g="0" b="0"/>
-      </a:lnRef>
-      <a:fillRef idx="3">
-        <a:scrgbClr r="0" g="0" b="0"/>
-      </a:fillRef>
-      <a:effectRef idx="1">
-        <a:scrgbClr r="0" g="0" b="0"/>
-      </a:effectRef>
-      <a:fontRef idx="minor">
-        <a:schemeClr val="lt1"/>
-      </a:fontRef>
-    </dgm:style>
-  </dgm:styleLbl>
-  <dgm:styleLbl name="vennNode1">
-    <dgm:scene3d>
-      <a:camera prst="orthographicFront"/>
-      <a:lightRig rig="flat" dir="t"/>
-    </dgm:scene3d>
-    <dgm:sp3d prstMaterial="plastic">
-      <a:bevelT w="120900" h="88900"/>
-      <a:bevelB w="88900" h="31750" prst="angle"/>
-    </dgm:sp3d>
-    <dgm:txPr/>
-    <dgm:style>
-      <a:lnRef idx="0">
-        <a:scrgbClr r="0" g="0" b="0"/>
-      </a:lnRef>
-      <a:fillRef idx="1">
-        <a:scrgbClr r="0" g="0" b="0"/>
-      </a:fillRef>
-      <a:effectRef idx="1">
-        <a:scrgbClr r="0" g="0" b="0"/>
-      </a:effectRef>
-      <a:fontRef idx="minor">
-        <a:schemeClr val="tx1"/>
-      </a:fontRef>
-    </dgm:style>
-  </dgm:styleLbl>
-  <dgm:styleLbl name="alignNode1">
-    <dgm:scene3d>
-      <a:camera prst="orthographicFront"/>
-      <a:lightRig rig="flat" dir="t"/>
-    </dgm:scene3d>
-    <dgm:sp3d prstMaterial="plastic">
-      <a:bevelT w="120900" h="88900"/>
-      <a:bevelB w="88900" h="31750" prst="angle"/>
-    </dgm:sp3d>
-    <dgm:txPr/>
-    <dgm:style>
-      <a:lnRef idx="1">
-        <a:scrgbClr r="0" g="0" b="0"/>
-      </a:lnRef>
-      <a:fillRef idx="3">
-        <a:scrgbClr r="0" g="0" b="0"/>
-      </a:fillRef>
-      <a:effectRef idx="2">
-        <a:scrgbClr r="0" g="0" b="0"/>
-      </a:effectRef>
-      <a:fontRef idx="minor">
-        <a:schemeClr val="lt1"/>
-      </a:fontRef>
-    </dgm:style>
-  </dgm:styleLbl>
-  <dgm:styleLbl name="node1">
-    <dgm:scene3d>
-      <a:camera prst="orthographicFront"/>
-      <a:lightRig rig="flat" dir="t"/>
-    </dgm:scene3d>
-    <dgm:sp3d prstMaterial="plastic">
-      <a:bevelT w="120900" h="88900"/>
-      <a:bevelB w="88900" h="31750" prst="angle"/>
-    </dgm:sp3d>
-    <dgm:txPr/>
-    <dgm:style>
-      <a:lnRef idx="0">
-        <a:scrgbClr r="0" g="0" b="0"/>
-      </a:lnRef>
-      <a:fillRef idx="3">
-        <a:scrgbClr r="0" g="0" b="0"/>
-      </a:fillRef>
-      <a:effectRef idx="2">
-        <a:scrgbClr r="0" g="0" b="0"/>
-      </a:effectRef>
-      <a:fontRef idx="minor">
-        <a:schemeClr val="lt1"/>
-      </a:fontRef>
-    </dgm:style>
-  </dgm:styleLbl>
-  <dgm:styleLbl name="node2">
-    <dgm:scene3d>
-      <a:camera prst="orthographicFront"/>
-      <a:lightRig rig="flat" dir="t"/>
-    </dgm:scene3d>
-    <dgm:sp3d prstMaterial="plastic">
-      <a:bevelT w="120900" h="88900"/>
-      <a:bevelB w="88900" h="31750" prst="angle"/>
-    </dgm:sp3d>
-    <dgm:txPr/>
-    <dgm:style>
-      <a:lnRef idx="0">
-        <a:scrgbClr r="0" g="0" b="0"/>
-      </a:lnRef>
-      <a:fillRef idx="3">
-        <a:scrgbClr r="0" g="0" b="0"/>
-      </a:fillRef>
-      <a:effectRef idx="1">
-        <a:scrgbClr r="0" g="0" b="0"/>
-      </a:effectRef>
-      <a:fontRef idx="minor">
-        <a:schemeClr val="lt1"/>
-      </a:fontRef>
-    </dgm:style>
-  </dgm:styleLbl>
-  <dgm:styleLbl name="node3">
-    <dgm:scene3d>
-      <a:camera prst="orthographicFront"/>
-      <a:lightRig rig="flat" dir="t"/>
-    </dgm:scene3d>
-    <dgm:sp3d prstMaterial="plastic">
-      <a:bevelT w="120900" h="88900"/>
-      <a:bevelB w="88900" h="31750" prst="angle"/>
-    </dgm:sp3d>
-    <dgm:txPr/>
-    <dgm:style>
-      <a:lnRef idx="0">
-        <a:scrgbClr r="0" g="0" b="0"/>
-      </a:lnRef>
-      <a:fillRef idx="3">
-        <a:scrgbClr r="0" g="0" b="0"/>
-      </a:fillRef>
-      <a:effectRef idx="1">
-        <a:scrgbClr r="0" g="0" b="0"/>
-      </a:effectRef>
-      <a:fontRef idx="minor">
-        <a:schemeClr val="lt1"/>
-      </a:fontRef>
-    </dgm:style>
-  </dgm:styleLbl>
-  <dgm:styleLbl name="node4">
-    <dgm:scene3d>
-      <a:camera prst="orthographicFront"/>
-      <a:lightRig rig="flat" dir="t"/>
-    </dgm:scene3d>
-    <dgm:sp3d prstMaterial="plastic">
-      <a:bevelT w="120900" h="88900"/>
-      <a:bevelB w="88900" h="31750" prst="angle"/>
-    </dgm:sp3d>
-    <dgm:txPr/>
-    <dgm:style>
-      <a:lnRef idx="0">
-        <a:scrgbClr r="0" g="0" b="0"/>
-      </a:lnRef>
-      <a:fillRef idx="3">
-        <a:scrgbClr r="0" g="0" b="0"/>
-      </a:fillRef>
-      <a:effectRef idx="1">
-        <a:scrgbClr r="0" g="0" b="0"/>
-      </a:effectRef>
-      <a:fontRef idx="minor">
-        <a:schemeClr val="lt1"/>
-      </a:fontRef>
-    </dgm:style>
-  </dgm:styleLbl>
-  <dgm:styleLbl name="fgImgPlace1">
-    <dgm:scene3d>
-      <a:camera prst="orthographicFront"/>
-      <a:lightRig rig="flat" dir="t"/>
-    </dgm:scene3d>
-    <dgm:sp3d z="127000" prstMaterial="plastic">
-      <a:bevelT w="88900" h="88900"/>
-      <a:bevelB w="88900" h="31750" prst="angle"/>
-    </dgm:sp3d>
-    <dgm:txPr/>
-    <dgm:style>
-      <a:lnRef idx="0">
-        <a:scrgbClr r="0" g="0" b="0"/>
-      </a:lnRef>
-      <a:fillRef idx="3">
-        <a:scrgbClr r="0" g="0" b="0"/>
-      </a:fillRef>
-      <a:effectRef idx="2">
-        <a:scrgbClr r="0" g="0" b="0"/>
-      </a:effectRef>
-      <a:fontRef idx="minor"/>
-    </dgm:style>
-  </dgm:styleLbl>
-  <dgm:styleLbl name="alignImgPlace1">
-    <dgm:scene3d>
-      <a:camera prst="orthographicFront"/>
-      <a:lightRig rig="flat" dir="t"/>
-    </dgm:scene3d>
-    <dgm:sp3d prstMaterial="plastic">
-      <a:bevelT w="88900" h="88900"/>
-      <a:bevelB w="88900" h="31750" prst="angle"/>
-    </dgm:sp3d>
-    <dgm:txPr/>
-    <dgm:style>
-      <a:lnRef idx="0">
-        <a:scrgbClr r="0" g="0" b="0"/>
-      </a:lnRef>
-      <a:fillRef idx="3">
-        <a:scrgbClr r="0" g="0" b="0"/>
-      </a:fillRef>
-      <a:effectRef idx="2">
-        <a:scrgbClr r="0" g="0" b="0"/>
-      </a:effectRef>
-      <a:fontRef idx="minor"/>
-    </dgm:style>
-  </dgm:styleLbl>
-  <dgm:styleLbl name="bgImgPlace1">
-    <dgm:scene3d>
-      <a:camera prst="orthographicFront"/>
-      <a:lightRig rig="flat" dir="t"/>
-    </dgm:scene3d>
-    <dgm:sp3d z="-190500" prstMaterial="plastic">
-      <a:bevelT w="88900" h="88900"/>
-      <a:bevelB w="88900" h="31750" prst="angle"/>
-    </dgm:sp3d>
-    <dgm:txPr/>
-    <dgm:style>
-      <a:lnRef idx="0">
-        <a:scrgbClr r="0" g="0" b="0"/>
-      </a:lnRef>
-      <a:fillRef idx="3">
-        <a:scrgbClr r="0" g="0" b="0"/>
-      </a:fillRef>
-      <a:effectRef idx="2">
-        <a:scrgbClr r="0" g="0" b="0"/>
-      </a:effectRef>
-      <a:fontRef idx="minor"/>
-    </dgm:style>
-  </dgm:styleLbl>
-  <dgm:styleLbl name="sibTrans2D1">
-    <dgm:scene3d>
-      <a:camera prst="orthographicFront"/>
-      <a:lightRig rig="flat" dir="t"/>
-    </dgm:scene3d>
-    <dgm:sp3d z="-80000" prstMaterial="plastic">
-      <a:bevelT w="50800" h="50800"/>
-      <a:bevelB w="25400" h="25400" prst="angle"/>
-    </dgm:sp3d>
-    <dgm:txPr/>
-    <dgm:style>
-      <a:lnRef idx="0">
-        <a:scrgbClr r="0" g="0" b="0"/>
-      </a:lnRef>
-      <a:fillRef idx="3">
-        <a:scrgbClr r="0" g="0" b="0"/>
-      </a:fillRef>
-      <a:effectRef idx="2">
-        <a:scrgbClr r="0" g="0" b="0"/>
-      </a:effectRef>
-      <a:fontRef idx="minor">
-        <a:schemeClr val="lt1"/>
-      </a:fontRef>
-    </dgm:style>
-  </dgm:styleLbl>
-  <dgm:styleLbl name="fgSibTrans2D1">
-    <dgm:scene3d>
-      <a:camera prst="orthographicFront"/>
-      <a:lightRig rig="flat" dir="t"/>
-    </dgm:scene3d>
-    <dgm:sp3d z="127000" prstMaterial="plastic">
-      <a:bevelT w="50800" h="50800"/>
-      <a:bevelB w="25400" h="25400" prst="angle"/>
-    </dgm:sp3d>
-    <dgm:txPr/>
-    <dgm:style>
-      <a:lnRef idx="0">
-        <a:scrgbClr r="0" g="0" b="0"/>
-      </a:lnRef>
-      <a:fillRef idx="3">
-        <a:scrgbClr r="0" g="0" b="0"/>
-      </a:fillRef>
-      <a:effectRef idx="2">
-        <a:scrgbClr r="0" g="0" b="0"/>
-      </a:effectRef>
-      <a:fontRef idx="minor">
-        <a:schemeClr val="lt1"/>
-      </a:fontRef>
-    </dgm:style>
-  </dgm:styleLbl>
-  <dgm:styleLbl name="bgSibTrans2D1">
-    <dgm:scene3d>
-      <a:camera prst="orthographicFront"/>
-      <a:lightRig rig="flat" dir="t"/>
-    </dgm:scene3d>
-    <dgm:sp3d z="-190500" prstMaterial="plastic">
-      <a:bevelT w="50800" h="50800"/>
-      <a:bevelB w="25400" h="25400" prst="angle"/>
-    </dgm:sp3d>
-    <dgm:txPr/>
-    <dgm:style>
-      <a:lnRef idx="0">
-        <a:scrgbClr r="0" g="0" b="0"/>
-      </a:lnRef>
-      <a:fillRef idx="3">
-        <a:scrgbClr r="0" g="0" b="0"/>
-      </a:fillRef>
-      <a:effectRef idx="2">
-        <a:scrgbClr r="0" g="0" b="0"/>
-      </a:effectRef>
-      <a:fontRef idx="minor">
-        <a:schemeClr val="lt1"/>
-      </a:fontRef>
-    </dgm:style>
-  </dgm:styleLbl>
-  <dgm:styleLbl name="sibTrans1D1">
-    <dgm:scene3d>
-      <a:camera prst="orthographicFront"/>
-      <a:lightRig rig="flat" dir="t"/>
-    </dgm:scene3d>
-    <dgm:sp3d z="-40000" prstMaterial="matte"/>
-    <dgm:txPr/>
-    <dgm:style>
-      <a:lnRef idx="1">
-        <a:scrgbClr r="0" g="0" b="0"/>
-      </a:lnRef>
-      <a:fillRef idx="0">
-        <a:scrgbClr r="0" g="0" b="0"/>
-      </a:fillRef>
-      <a:effectRef idx="0">
-        <a:scrgbClr r="0" g="0" b="0"/>
-      </a:effectRef>
-      <a:fontRef idx="minor"/>
-    </dgm:style>
-  </dgm:styleLbl>
-  <dgm:styleLbl name="callout">
-    <dgm:scene3d>
-      <a:camera prst="orthographicFront"/>
-      <a:lightRig rig="threePt" dir="t"/>
-    </dgm:scene3d>
-    <dgm:sp3d z="127000" prstMaterial="matte"/>
-    <dgm:txPr/>
-    <dgm:style>
-      <a:lnRef idx="2">
-        <a:scrgbClr r="0" g="0" b="0"/>
-      </a:lnRef>
-      <a:fillRef idx="1">
-        <a:scrgbClr r="0" g="0" b="0"/>
-      </a:fillRef>
-      <a:effectRef idx="0">
-        <a:scrgbClr r="0" g="0" b="0"/>
-      </a:effectRef>
-      <a:fontRef idx="minor"/>
-    </dgm:style>
-  </dgm:styleLbl>
-  <dgm:styleLbl name="asst0">
-    <dgm:scene3d>
-      <a:camera prst="orthographicFront"/>
-      <a:lightRig rig="flat" dir="t"/>
-    </dgm:scene3d>
-    <dgm:sp3d prstMaterial="plastic">
-      <a:bevelT w="120900" h="88900"/>
-      <a:bevelB w="88900" h="31750" prst="angle"/>
-    </dgm:sp3d>
-    <dgm:txPr/>
-    <dgm:style>
-      <a:lnRef idx="0">
-        <a:scrgbClr r="0" g="0" b="0"/>
-      </a:lnRef>
-      <a:fillRef idx="3">
-        <a:scrgbClr r="0" g="0" b="0"/>
-      </a:fillRef>
-      <a:effectRef idx="1">
-        <a:scrgbClr r="0" g="0" b="0"/>
-      </a:effectRef>
-      <a:fontRef idx="minor">
-        <a:schemeClr val="lt1"/>
-      </a:fontRef>
-    </dgm:style>
-  </dgm:styleLbl>
-  <dgm:styleLbl name="asst1">
-    <dgm:scene3d>
-      <a:camera prst="orthographicFront"/>
-      <a:lightRig rig="flat" dir="t"/>
-    </dgm:scene3d>
-    <dgm:sp3d prstMaterial="plastic">
-      <a:bevelT w="120900" h="88900"/>
-      <a:bevelB w="88900" h="31750" prst="angle"/>
-    </dgm:sp3d>
-    <dgm:txPr/>
-    <dgm:style>
-      <a:lnRef idx="0">
-        <a:scrgbClr r="0" g="0" b="0"/>
-      </a:lnRef>
-      <a:fillRef idx="3">
-        <a:scrgbClr r="0" g="0" b="0"/>
-      </a:fillRef>
-      <a:effectRef idx="1">
-        <a:scrgbClr r="0" g="0" b="0"/>
-      </a:effectRef>
-      <a:fontRef idx="minor">
-        <a:schemeClr val="lt1"/>
-      </a:fontRef>
-    </dgm:style>
-  </dgm:styleLbl>
-  <dgm:styleLbl name="asst2">
-    <dgm:scene3d>
-      <a:camera prst="orthographicFront"/>
-      <a:lightRig rig="flat" dir="t"/>
-    </dgm:scene3d>
-    <dgm:sp3d prstMaterial="plastic">
-      <a:bevelT w="120900" h="88900"/>
-      <a:bevelB w="88900" h="31750" prst="angle"/>
-    </dgm:sp3d>
-    <dgm:txPr/>
-    <dgm:style>
-      <a:lnRef idx="0">
-        <a:scrgbClr r="0" g="0" b="0"/>
-      </a:lnRef>
-      <a:fillRef idx="3">
-        <a:scrgbClr r="0" g="0" b="0"/>
-      </a:fillRef>
-      <a:effectRef idx="1">
-        <a:scrgbClr r="0" g="0" b="0"/>
-      </a:effectRef>
-      <a:fontRef idx="minor">
-        <a:schemeClr val="lt1"/>
-      </a:fontRef>
-    </dgm:style>
-  </dgm:styleLbl>
-  <dgm:styleLbl name="asst3">
-    <dgm:scene3d>
-      <a:camera prst="orthographicFront"/>
-      <a:lightRig rig="flat" dir="t"/>
-    </dgm:scene3d>
-    <dgm:sp3d prstMaterial="plastic">
-      <a:bevelT w="120900" h="88900"/>
-      <a:bevelB w="88900" h="31750" prst="angle"/>
-    </dgm:sp3d>
-    <dgm:txPr/>
-    <dgm:style>
-      <a:lnRef idx="0">
-        <a:scrgbClr r="0" g="0" b="0"/>
-      </a:lnRef>
-      <a:fillRef idx="3">
-        <a:scrgbClr r="0" g="0" b="0"/>
-      </a:fillRef>
-      <a:effectRef idx="1">
-        <a:scrgbClr r="0" g="0" b="0"/>
-      </a:effectRef>
-      <a:fontRef idx="minor">
-        <a:schemeClr val="lt1"/>
-      </a:fontRef>
-    </dgm:style>
-  </dgm:styleLbl>
-  <dgm:styleLbl name="parChTrans2D1">
-    <dgm:scene3d>
-      <a:camera prst="orthographicFront"/>
-      <a:lightRig rig="flat" dir="t"/>
-    </dgm:scene3d>
-    <dgm:sp3d z="-100000" prstMaterial="plastic">
-      <a:bevelT w="120900" h="88900"/>
-      <a:bevelB w="88900" h="31750" prst="angle"/>
-    </dgm:sp3d>
-    <dgm:txPr/>
-    <dgm:style>
-      <a:lnRef idx="0">
-        <a:scrgbClr r="0" g="0" b="0"/>
-      </a:lnRef>
-      <a:fillRef idx="3">
-        <a:scrgbClr r="0" g="0" b="0"/>
-      </a:fillRef>
-      <a:effectRef idx="1">
-        <a:scrgbClr r="0" g="0" b="0"/>
-      </a:effectRef>
-      <a:fontRef idx="minor">
-        <a:schemeClr val="lt1"/>
-      </a:fontRef>
-    </dgm:style>
-  </dgm:styleLbl>
-  <dgm:styleLbl name="parChTrans2D2">
-    <dgm:scene3d>
-      <a:camera prst="orthographicFront"/>
-      <a:lightRig rig="flat" dir="t"/>
-    </dgm:scene3d>
-    <dgm:sp3d z="-60000" prstMaterial="plastic">
-      <a:bevelT w="120900" h="88900"/>
-      <a:bevelB w="88900" h="31750" prst="angle"/>
-    </dgm:sp3d>
-    <dgm:txPr/>
-    <dgm:style>
-      <a:lnRef idx="0">
-        <a:scrgbClr r="0" g="0" b="0"/>
-      </a:lnRef>
-      <a:fillRef idx="3">
-        <a:scrgbClr r="0" g="0" b="0"/>
-      </a:fillRef>
-      <a:effectRef idx="1">
-        <a:scrgbClr r="0" g="0" b="0"/>
-      </a:effectRef>
-      <a:fontRef idx="minor">
-        <a:schemeClr val="lt1"/>
-      </a:fontRef>
-    </dgm:style>
-  </dgm:styleLbl>
-  <dgm:styleLbl name="parChTrans2D3">
-    <dgm:scene3d>
-      <a:camera prst="orthographicFront"/>
-      <a:lightRig rig="flat" dir="t"/>
-    </dgm:scene3d>
-    <dgm:sp3d z="-60000" prstMaterial="plastic">
-      <a:bevelT w="120900" h="88900"/>
-      <a:bevelB w="88900" h="31750" prst="angle"/>
-    </dgm:sp3d>
-    <dgm:txPr/>
-    <dgm:style>
-      <a:lnRef idx="0">
-        <a:scrgbClr r="0" g="0" b="0"/>
-      </a:lnRef>
-      <a:fillRef idx="3">
-        <a:scrgbClr r="0" g="0" b="0"/>
-      </a:fillRef>
-      <a:effectRef idx="1">
-        <a:scrgbClr r="0" g="0" b="0"/>
-      </a:effectRef>
-      <a:fontRef idx="minor">
-        <a:schemeClr val="lt1"/>
-      </a:fontRef>
-    </dgm:style>
-  </dgm:styleLbl>
-  <dgm:styleLbl name="parChTrans2D4">
-    <dgm:scene3d>
-      <a:camera prst="orthographicFront"/>
-      <a:lightRig rig="flat" dir="t"/>
-    </dgm:scene3d>
-    <dgm:sp3d z="-60000" prstMaterial="plastic">
-      <a:bevelT w="120900" h="88900"/>
-      <a:bevelB w="88900" h="31750" prst="angle"/>
-    </dgm:sp3d>
-    <dgm:txPr/>
-    <dgm:style>
-      <a:lnRef idx="0">
-        <a:scrgbClr r="0" g="0" b="0"/>
-      </a:lnRef>
-      <a:fillRef idx="3">
-        <a:scrgbClr r="0" g="0" b="0"/>
-      </a:fillRef>
-      <a:effectRef idx="1">
-        <a:scrgbClr r="0" g="0" b="0"/>
-      </a:effectRef>
-      <a:fontRef idx="minor">
-        <a:schemeClr val="lt1"/>
-      </a:fontRef>
-    </dgm:style>
-  </dgm:styleLbl>
-  <dgm:styleLbl name="parChTrans1D1">
-    <dgm:scene3d>
-      <a:camera prst="orthographicFront"/>
-      <a:lightRig rig="flat" dir="t"/>
-    </dgm:scene3d>
-    <dgm:sp3d prstMaterial="matte"/>
-    <dgm:txPr/>
-    <dgm:style>
-      <a:lnRef idx="2">
-        <a:scrgbClr r="0" g="0" b="0"/>
-      </a:lnRef>
-      <a:fillRef idx="0">
-        <a:scrgbClr r="0" g="0" b="0"/>
-      </a:fillRef>
-      <a:effectRef idx="0">
-        <a:scrgbClr r="0" g="0" b="0"/>
-      </a:effectRef>
-      <a:fontRef idx="minor"/>
-    </dgm:style>
-  </dgm:styleLbl>
-  <dgm:styleLbl name="parChTrans1D2">
-    <dgm:scene3d>
-      <a:camera prst="orthographicFront"/>
-      <a:lightRig rig="flat" dir="t"/>
-    </dgm:scene3d>
-    <dgm:sp3d prstMaterial="matte"/>
-    <dgm:txPr/>
-    <dgm:style>
-      <a:lnRef idx="2">
-        <a:scrgbClr r="0" g="0" b="0"/>
-      </a:lnRef>
-      <a:fillRef idx="0">
-        <a:scrgbClr r="0" g="0" b="0"/>
-      </a:fillRef>
-      <a:effectRef idx="0">
-        <a:scrgbClr r="0" g="0" b="0"/>
-      </a:effectRef>
-      <a:fontRef idx="minor"/>
-    </dgm:style>
-  </dgm:styleLbl>
-  <dgm:styleLbl name="parChTrans1D3">
-    <dgm:scene3d>
-      <a:camera prst="orthographicFront"/>
-      <a:lightRig rig="flat" dir="t"/>
-    </dgm:scene3d>
-    <dgm:sp3d prstMaterial="matte"/>
-    <dgm:txPr/>
-    <dgm:style>
-      <a:lnRef idx="2">
-        <a:scrgbClr r="0" g="0" b="0"/>
-      </a:lnRef>
-      <a:fillRef idx="0">
-        <a:scrgbClr r="0" g="0" b="0"/>
-      </a:fillRef>
-      <a:effectRef idx="0">
-        <a:scrgbClr r="0" g="0" b="0"/>
-      </a:effectRef>
-      <a:fontRef idx="minor"/>
-    </dgm:style>
-  </dgm:styleLbl>
-  <dgm:styleLbl name="parChTrans1D4">
-    <dgm:scene3d>
-      <a:camera prst="orthographicFront"/>
-      <a:lightRig rig="flat" dir="t"/>
-    </dgm:scene3d>
-    <dgm:sp3d prstMaterial="matte"/>
-    <dgm:txPr/>
-    <dgm:style>
-      <a:lnRef idx="2">
-        <a:scrgbClr r="0" g="0" b="0"/>
-      </a:lnRef>
-      <a:fillRef idx="0">
-        <a:scrgbClr r="0" g="0" b="0"/>
-      </a:fillRef>
-      <a:effectRef idx="0">
-        <a:scrgbClr r="0" g="0" b="0"/>
-      </a:effectRef>
-      <a:fontRef idx="minor"/>
-    </dgm:style>
-  </dgm:styleLbl>
-  <dgm:styleLbl name="fgAcc1">
-    <dgm:scene3d>
-      <a:camera prst="orthographicFront"/>
-      <a:lightRig rig="flat" dir="t"/>
-    </dgm:scene3d>
-    <dgm:sp3d z="190500" extrusionH="12700" prstMaterial="plastic">
-      <a:bevelT w="50800" h="50800"/>
-    </dgm:sp3d>
-    <dgm:txPr/>
-    <dgm:style>
-      <a:lnRef idx="1">
-        <a:scrgbClr r="0" g="0" b="0"/>
-      </a:lnRef>
-      <a:fillRef idx="1">
-        <a:scrgbClr r="0" g="0" b="0"/>
-      </a:fillRef>
-      <a:effectRef idx="2">
-        <a:scrgbClr r="0" g="0" b="0"/>
-      </a:effectRef>
-      <a:fontRef idx="minor"/>
-    </dgm:style>
-  </dgm:styleLbl>
-  <dgm:styleLbl name="conFgAcc1">
-    <dgm:scene3d>
-      <a:camera prst="orthographicFront"/>
-      <a:lightRig rig="flat" dir="t"/>
-    </dgm:scene3d>
-    <dgm:sp3d z="190500" extrusionH="12700" prstMaterial="plastic">
-      <a:bevelT w="50800" h="50800"/>
-    </dgm:sp3d>
-    <dgm:txPr/>
-    <dgm:style>
-      <a:lnRef idx="1">
-        <a:scrgbClr r="0" g="0" b="0"/>
-      </a:lnRef>
-      <a:fillRef idx="1">
-        <a:scrgbClr r="0" g="0" b="0"/>
-      </a:fillRef>
-      <a:effectRef idx="2">
-        <a:scrgbClr r="0" g="0" b="0"/>
-      </a:effectRef>
-      <a:fontRef idx="minor"/>
-    </dgm:style>
-  </dgm:styleLbl>
-  <dgm:styleLbl name="alignAcc1">
-    <dgm:scene3d>
-      <a:camera prst="orthographicFront"/>
-      <a:lightRig rig="flat" dir="t"/>
-    </dgm:scene3d>
-    <dgm:sp3d extrusionH="12700" prstMaterial="plastic">
-      <a:bevelT w="50800" h="50800"/>
-    </dgm:sp3d>
-    <dgm:txPr/>
-    <dgm:style>
-      <a:lnRef idx="1">
-        <a:scrgbClr r="0" g="0" b="0"/>
-      </a:lnRef>
-      <a:fillRef idx="1">
-        <a:scrgbClr r="0" g="0" b="0"/>
-      </a:fillRef>
-      <a:effectRef idx="2">
-        <a:scrgbClr r="0" g="0" b="0"/>
-      </a:effectRef>
-      <a:fontRef idx="minor"/>
-    </dgm:style>
-  </dgm:styleLbl>
-  <dgm:styleLbl name="trAlignAcc1">
-    <dgm:scene3d>
-      <a:camera prst="orthographicFront"/>
-      <a:lightRig rig="flat" dir="t"/>
-    </dgm:scene3d>
-    <dgm:sp3d extrusionH="12700" prstMaterial="plastic">
-      <a:bevelT w="50800" h="50800"/>
-    </dgm:sp3d>
-    <dgm:txPr/>
-    <dgm:style>
-      <a:lnRef idx="1">
-        <a:scrgbClr r="0" g="0" b="0"/>
-      </a:lnRef>
-      <a:fillRef idx="1">
-        <a:scrgbClr r="0" g="0" b="0"/>
-      </a:fillRef>
-      <a:effectRef idx="2">
-        <a:scrgbClr r="0" g="0" b="0"/>
-      </a:effectRef>
-      <a:fontRef idx="minor"/>
-    </dgm:style>
-  </dgm:styleLbl>
-  <dgm:styleLbl name="bgAcc1">
-    <dgm:scene3d>
-      <a:camera prst="orthographicFront"/>
-      <a:lightRig rig="flat" dir="t"/>
-    </dgm:scene3d>
-    <dgm:sp3d z="-190500" extrusionH="12700" prstMaterial="plastic">
-      <a:bevelT w="50800" h="50800"/>
-    </dgm:sp3d>
-    <dgm:txPr/>
-    <dgm:style>
-      <a:lnRef idx="1">
-        <a:scrgbClr r="0" g="0" b="0"/>
-      </a:lnRef>
-      <a:fillRef idx="1">
-        <a:scrgbClr r="0" g="0" b="0"/>
-      </a:fillRef>
-      <a:effectRef idx="2">
-        <a:scrgbClr r="0" g="0" b="0"/>
-      </a:effectRef>
-      <a:fontRef idx="minor"/>
-    </dgm:style>
-  </dgm:styleLbl>
-  <dgm:styleLbl name="solidFgAcc1">
-    <dgm:scene3d>
-      <a:camera prst="orthographicFront"/>
-      <a:lightRig rig="flat" dir="t"/>
-    </dgm:scene3d>
-    <dgm:sp3d z="190500" extrusionH="12700" prstMaterial="plastic">
-      <a:bevelT w="50800" h="50800"/>
-    </dgm:sp3d>
-    <dgm:txPr/>
-    <dgm:style>
-      <a:lnRef idx="1">
-        <a:scrgbClr r="0" g="0" b="0"/>
-      </a:lnRef>
-      <a:fillRef idx="1">
-        <a:scrgbClr r="0" g="0" b="0"/>
-      </a:fillRef>
-      <a:effectRef idx="2">
-        <a:scrgbClr r="0" g="0" b="0"/>
-      </a:effectRef>
-      <a:fontRef idx="minor"/>
-    </dgm:style>
-  </dgm:styleLbl>
-  <dgm:styleLbl name="solidAlignAcc1">
-    <dgm:scene3d>
-      <a:camera prst="orthographicFront"/>
-      <a:lightRig rig="flat" dir="t"/>
-    </dgm:scene3d>
-    <dgm:sp3d extrusionH="12700" prstMaterial="plastic">
-      <a:bevelT w="50800" h="50800"/>
-    </dgm:sp3d>
-    <dgm:txPr/>
-    <dgm:style>
-      <a:lnRef idx="1">
-        <a:scrgbClr r="0" g="0" b="0"/>
-      </a:lnRef>
-      <a:fillRef idx="1">
-        <a:scrgbClr r="0" g="0" b="0"/>
-      </a:fillRef>
-      <a:effectRef idx="2">
-        <a:scrgbClr r="0" g="0" b="0"/>
-      </a:effectRef>
-      <a:fontRef idx="minor"/>
-    </dgm:style>
-  </dgm:styleLbl>
-  <dgm:styleLbl name="solidBgAcc1">
-    <dgm:scene3d>
-      <a:camera prst="orthographicFront"/>
-      <a:lightRig rig="flat" dir="t"/>
-    </dgm:scene3d>
-    <dgm:sp3d z="-190500" extrusionH="12700" prstMaterial="plastic">
-      <a:bevelT w="50800" h="50800"/>
-    </dgm:sp3d>
-    <dgm:txPr/>
-    <dgm:style>
-      <a:lnRef idx="1">
-        <a:scrgbClr r="0" g="0" b="0"/>
-      </a:lnRef>
-      <a:fillRef idx="1">
-        <a:scrgbClr r="0" g="0" b="0"/>
-      </a:fillRef>
-      <a:effectRef idx="2">
-        <a:scrgbClr r="0" g="0" b="0"/>
-      </a:effectRef>
-      <a:fontRef idx="minor"/>
-    </dgm:style>
-  </dgm:styleLbl>
-  <dgm:styleLbl name="fgAccFollowNode1">
-    <dgm:scene3d>
-      <a:camera prst="orthographicFront"/>
-      <a:lightRig rig="flat" dir="t"/>
-    </dgm:scene3d>
-    <dgm:sp3d z="190500" extrusionH="12700" prstMaterial="plastic">
-      <a:bevelT w="50800" h="50800"/>
-    </dgm:sp3d>
-    <dgm:txPr/>
-    <dgm:style>
-      <a:lnRef idx="1">
-        <a:scrgbClr r="0" g="0" b="0"/>
-      </a:lnRef>
-      <a:fillRef idx="1">
-        <a:scrgbClr r="0" g="0" b="0"/>
-      </a:fillRef>
-      <a:effectRef idx="2">
-        <a:scrgbClr r="0" g="0" b="0"/>
-      </a:effectRef>
-      <a:fontRef idx="minor"/>
-    </dgm:style>
-  </dgm:styleLbl>
-  <dgm:styleLbl name="alignAccFollowNode1">
-    <dgm:scene3d>
-      <a:camera prst="orthographicFront"/>
-      <a:lightRig rig="flat" dir="t"/>
-    </dgm:scene3d>
-    <dgm:sp3d extrusionH="12700" prstMaterial="plastic">
-      <a:bevelT w="50800" h="50800"/>
-    </dgm:sp3d>
-    <dgm:txPr/>
-    <dgm:style>
-      <a:lnRef idx="1">
-        <a:scrgbClr r="0" g="0" b="0"/>
-      </a:lnRef>
-      <a:fillRef idx="1">
-        <a:scrgbClr r="0" g="0" b="0"/>
-      </a:fillRef>
-      <a:effectRef idx="2">
-        <a:scrgbClr r="0" g="0" b="0"/>
-      </a:effectRef>
-      <a:fontRef idx="minor"/>
-    </dgm:style>
-  </dgm:styleLbl>
-  <dgm:styleLbl name="bgAccFollowNode1">
-    <dgm:scene3d>
-      <a:camera prst="orthographicFront"/>
-      <a:lightRig rig="flat" dir="t"/>
-    </dgm:scene3d>
-    <dgm:sp3d z="-190500" extrusionH="12700" prstMaterial="plastic">
-      <a:bevelT w="50800" h="50800"/>
-    </dgm:sp3d>
-    <dgm:txPr/>
-    <dgm:style>
-      <a:lnRef idx="1">
-        <a:scrgbClr r="0" g="0" b="0"/>
-      </a:lnRef>
-      <a:fillRef idx="1">
-        <a:scrgbClr r="0" g="0" b="0"/>
-      </a:fillRef>
-      <a:effectRef idx="2">
-        <a:scrgbClr r="0" g="0" b="0"/>
-      </a:effectRef>
-      <a:fontRef idx="minor"/>
-    </dgm:style>
-  </dgm:styleLbl>
-  <dgm:styleLbl name="fgAcc0">
-    <dgm:scene3d>
-      <a:camera prst="orthographicFront"/>
-      <a:lightRig rig="flat" dir="t"/>
-    </dgm:scene3d>
-    <dgm:sp3d z="190500" extrusionH="12700" prstMaterial="plastic">
-      <a:bevelT w="50800" h="50800"/>
-    </dgm:sp3d>
-    <dgm:txPr/>
-    <dgm:style>
-      <a:lnRef idx="1">
-        <a:scrgbClr r="0" g="0" b="0"/>
-      </a:lnRef>
-      <a:fillRef idx="1">
-        <a:scrgbClr r="0" g="0" b="0"/>
-      </a:fillRef>
-      <a:effectRef idx="2">
-        <a:scrgbClr r="0" g="0" b="0"/>
-      </a:effectRef>
-      <a:fontRef idx="minor"/>
-    </dgm:style>
-  </dgm:styleLbl>
-  <dgm:styleLbl name="fgAcc2">
-    <dgm:scene3d>
-      <a:camera prst="orthographicFront"/>
-      <a:lightRig rig="flat" dir="t"/>
-    </dgm:scene3d>
-    <dgm:sp3d z="190500" extrusionH="12700" prstMaterial="plastic">
-      <a:bevelT w="50800" h="50800"/>
-    </dgm:sp3d>
-    <dgm:txPr/>
-    <dgm:style>
-      <a:lnRef idx="1">
-        <a:scrgbClr r="0" g="0" b="0"/>
-      </a:lnRef>
-      <a:fillRef idx="1">
-        <a:scrgbClr r="0" g="0" b="0"/>
-      </a:fillRef>
-      <a:effectRef idx="2">
-        <a:scrgbClr r="0" g="0" b="0"/>
-      </a:effectRef>
-      <a:fontRef idx="minor"/>
-    </dgm:style>
-  </dgm:styleLbl>
-  <dgm:styleLbl name="fgAcc3">
-    <dgm:scene3d>
-      <a:camera prst="orthographicFront"/>
-      <a:lightRig rig="flat" dir="t"/>
-    </dgm:scene3d>
-    <dgm:sp3d z="190500" extrusionH="12700" prstMaterial="plastic">
-      <a:bevelT w="50800" h="50800"/>
-    </dgm:sp3d>
-    <dgm:txPr/>
-    <dgm:style>
-      <a:lnRef idx="1">
-        <a:scrgbClr r="0" g="0" b="0"/>
-      </a:lnRef>
-      <a:fillRef idx="1">
-        <a:scrgbClr r="0" g="0" b="0"/>
-      </a:fillRef>
-      <a:effectRef idx="2">
-        <a:scrgbClr r="0" g="0" b="0"/>
-      </a:effectRef>
-      <a:fontRef idx="minor"/>
-    </dgm:style>
-  </dgm:styleLbl>
-  <dgm:styleLbl name="fgAcc4">
-    <dgm:scene3d>
-      <a:camera prst="orthographicFront"/>
-      <a:lightRig rig="flat" dir="t"/>
-    </dgm:scene3d>
-    <dgm:sp3d z="190500" extrusionH="12700" prstMaterial="plastic">
-      <a:bevelT w="50800" h="50800"/>
-    </dgm:sp3d>
-    <dgm:txPr/>
-    <dgm:style>
-      <a:lnRef idx="1">
-        <a:scrgbClr r="0" g="0" b="0"/>
-      </a:lnRef>
-      <a:fillRef idx="1">
-        <a:scrgbClr r="0" g="0" b="0"/>
-      </a:fillRef>
-      <a:effectRef idx="2">
-        <a:scrgbClr r="0" g="0" b="0"/>
-      </a:effectRef>
-      <a:fontRef idx="minor"/>
-    </dgm:style>
-  </dgm:styleLbl>
-  <dgm:styleLbl name="bgShp">
-    <dgm:scene3d>
-      <a:camera prst="orthographicFront"/>
-      <a:lightRig rig="flat" dir="t"/>
-    </dgm:scene3d>
-    <dgm:sp3d z="-190500" extrusionH="12700" prstMaterial="plastic">
-      <a:bevelT w="50800" h="50800"/>
-    </dgm:sp3d>
-    <dgm:txPr/>
-    <dgm:style>
-      <a:lnRef idx="0">
-        <a:scrgbClr r="0" g="0" b="0"/>
-      </a:lnRef>
-      <a:fillRef idx="3">
-        <a:scrgbClr r="0" g="0" b="0"/>
-      </a:fillRef>
-      <a:effectRef idx="0">
-        <a:scrgbClr r="0" g="0" b="0"/>
-      </a:effectRef>
-      <a:fontRef idx="minor"/>
-    </dgm:style>
-  </dgm:styleLbl>
-  <dgm:styleLbl name="dkBgShp">
-    <dgm:scene3d>
-      <a:camera prst="orthographicFront"/>
-      <a:lightRig rig="flat" dir="t"/>
-    </dgm:scene3d>
-    <dgm:sp3d z="-190500" extrusionH="12700" prstMaterial="plastic">
-      <a:bevelT w="50800" h="50800"/>
-    </dgm:sp3d>
-    <dgm:txPr/>
-    <dgm:style>
-      <a:lnRef idx="0">
-        <a:scrgbClr r="0" g="0" b="0"/>
-      </a:lnRef>
-      <a:fillRef idx="2">
-        <a:scrgbClr r="0" g="0" b="0"/>
-      </a:fillRef>
-      <a:effectRef idx="0">
-        <a:scrgbClr r="0" g="0" b="0"/>
-      </a:effectRef>
-      <a:fontRef idx="minor"/>
-    </dgm:style>
-  </dgm:styleLbl>
-  <dgm:styleLbl name="trBgShp">
-    <dgm:scene3d>
-      <a:camera prst="orthographicFront"/>
-      <a:lightRig rig="flat" dir="t"/>
-    </dgm:scene3d>
-    <dgm:sp3d z="-190500" extrusionH="12700" prstMaterial="matte"/>
-    <dgm:txPr/>
-    <dgm:style>
-      <a:lnRef idx="0">
-        <a:scrgbClr r="0" g="0" b="0"/>
-      </a:lnRef>
-      <a:fillRef idx="1">
-        <a:scrgbClr r="0" g="0" b="0"/>
-      </a:fillRef>
-      <a:effectRef idx="0">
-        <a:scrgbClr r="0" g="0" b="0"/>
-      </a:effectRef>
-      <a:fontRef idx="minor"/>
-    </dgm:style>
-  </dgm:styleLbl>
-  <dgm:styleLbl name="fgShp">
-    <dgm:scene3d>
-      <a:camera prst="orthographicFront"/>
-      <a:lightRig rig="flat" dir="t"/>
-    </dgm:scene3d>
-    <dgm:sp3d z="190500" prstMaterial="plastic">
-      <a:bevelT w="120900" h="88900"/>
-      <a:bevelB w="88900" h="31750" prst="angle"/>
-    </dgm:sp3d>
-    <dgm:txPr/>
-    <dgm:style>
-      <a:lnRef idx="0">
-        <a:scrgbClr r="0" g="0" b="0"/>
-      </a:lnRef>
-      <a:fillRef idx="1">
-        <a:scrgbClr r="0" g="0" b="0"/>
-      </a:fillRef>
-      <a:effectRef idx="3">
-        <a:scrgbClr r="0" g="0" b="0"/>
-      </a:effectRef>
-      <a:fontRef idx="minor">
-        <a:schemeClr val="lt1"/>
-      </a:fontRef>
-    </dgm:style>
-  </dgm:styleLbl>
-  <dgm:styleLbl name="revTx">
-    <dgm:scene3d>
-      <a:camera prst="orthographicFront"/>
-      <a:lightRig rig="threePt" dir="t"/>
-    </dgm:scene3d>
-    <dgm:sp3d/>
-    <dgm:txPr/>
-    <dgm:style>
-      <a:lnRef idx="0">
-        <a:scrgbClr r="0" g="0" b="0"/>
-      </a:lnRef>
-      <a:fillRef idx="0">
-        <a:scrgbClr r="0" g="0" b="0"/>
-      </a:fillRef>
-      <a:effectRef idx="0">
-        <a:scrgbClr r="0" g="0" b="0"/>
-      </a:effectRef>
-      <a:fontRef idx="minor"/>
-    </dgm:style>
-  </dgm:styleLbl>
-</dgm:styleDef>
 </file>
 
 <file path=ppt/notesMasters/notesMaster1.xml><?xml version="1.0" encoding="utf-8"?>
@@ -3417,7 +213,7 @@
           <a:p>
             <a:fld id="{FB3F3789-B636-49DD-8EC9-C2AE6B8FFFFA}" type="datetimeFigureOut">
               <a:rPr lang="en-US" smtClean="0"/>
-              <a:t>3/15/2016</a:t>
+              <a:t>3/17/2016</a:t>
             </a:fld>
             <a:endParaRPr lang="en-US"/>
           </a:p>
@@ -3902,7 +698,7 @@
       </p:grpSpPr>
       <p:sp>
         <p:nvSpPr>
-          <p:cNvPr id="2" name="幻灯片图像占位符 1"/>
+          <p:cNvPr id="2" name="Slide Image Placeholder 1"/>
           <p:cNvSpPr>
             <a:spLocks noGrp="1" noRot="1" noChangeAspect="1"/>
           </p:cNvSpPr>
@@ -3914,7 +710,7 @@
       </p:sp>
       <p:sp>
         <p:nvSpPr>
-          <p:cNvPr id="3" name="备注占位符 2"/>
+          <p:cNvPr id="3" name="Notes Placeholder 2"/>
           <p:cNvSpPr>
             <a:spLocks noGrp="1"/>
           </p:cNvSpPr>
@@ -3927,77 +723,13 @@
           <a:bodyPr/>
           <a:lstStyle/>
           <a:p>
-            <a:pPr marL="228600" indent="-228600">
-              <a:buAutoNum type="arabicPeriod"/>
-            </a:pPr>
-            <a:r>
-              <a:rPr lang="en-US" baseline="0" dirty="0" smtClean="0"/>
-              <a:t>Fluctuations are mainly due to breaking news: 2014-10 Hong Kong Protests (</a:t>
-            </a:r>
-            <a:r>
-              <a:rPr lang="en-US" dirty="0" smtClean="0"/>
-              <a:t>26 September to 15 December 2014</a:t>
-            </a:r>
-            <a:r>
-              <a:rPr lang="en-US" baseline="0" dirty="0" smtClean="0"/>
-              <a:t>) https://en.wikipedia.org/wiki/2014_Hong_Kong_protests</a:t>
-            </a:r>
-          </a:p>
-          <a:p>
-            <a:pPr marL="228600" marR="0" indent="-228600" algn="l" defTabSz="914400" rtl="0" eaLnBrk="1" fontAlgn="auto" latinLnBrk="0" hangingPunct="1">
-              <a:lnSpc>
-                <a:spcPct val="100000"/>
-              </a:lnSpc>
-              <a:spcBef>
-                <a:spcPts val="0"/>
-              </a:spcBef>
-              <a:spcAft>
-                <a:spcPts val="0"/>
-              </a:spcAft>
-              <a:buClrTx/>
-              <a:buSzTx/>
-              <a:buFontTx/>
-              <a:buAutoNum type="arabicPeriod"/>
-              <a:tabLst/>
-              <a:defRPr/>
-            </a:pPr>
-            <a:r>
-              <a:rPr lang="en-US" dirty="0" smtClean="0"/>
-              <a:t>Both Countries</a:t>
-            </a:r>
-            <a:r>
-              <a:rPr lang="en-US" baseline="0" dirty="0" smtClean="0"/>
-              <a:t> seems to treat each other as important audience and targets, </a:t>
-            </a:r>
-            <a:r>
-              <a:rPr lang="en-US" baseline="0" dirty="0" err="1" smtClean="0"/>
-              <a:t>eu</a:t>
-            </a:r>
-            <a:r>
-              <a:rPr lang="en-US" baseline="0" dirty="0" smtClean="0"/>
-              <a:t> as reference</a:t>
-            </a:r>
-          </a:p>
-          <a:p>
-            <a:pPr marL="228600" indent="-228600">
-              <a:buAutoNum type="arabicPeriod"/>
-            </a:pPr>
-            <a:r>
-              <a:rPr lang="en-US" baseline="0" dirty="0" smtClean="0"/>
-              <a:t>Chinese media coverage focus more on domestics</a:t>
-            </a:r>
-          </a:p>
-          <a:p>
-            <a:pPr marL="228600" indent="-228600">
-              <a:buAutoNum type="arabicPeriod"/>
-            </a:pPr>
             <a:endParaRPr lang="en-US" dirty="0"/>
           </a:p>
         </p:txBody>
       </p:sp>
       <p:sp>
         <p:nvSpPr>
-          <p:cNvPr id="4" name="灯片编号占位符 3"/>
+          <p:cNvPr id="4" name="Slide Number Placeholder 3"/>
           <p:cNvSpPr>
             <a:spLocks noGrp="1"/>
           </p:cNvSpPr>
@@ -4012,7 +744,7 @@
           <a:p>
             <a:fld id="{48078166-4E92-4224-93A0-2442D3DF21CE}" type="slidenum">
               <a:rPr lang="en-US" smtClean="0"/>
-              <a:t>9</a:t>
+              <a:t>8</a:t>
             </a:fld>
             <a:endParaRPr lang="en-US"/>
           </a:p>
@@ -4021,7 +753,7 @@
     </p:spTree>
     <p:extLst>
       <p:ext uri="{BB962C8B-B14F-4D97-AF65-F5344CB8AC3E}">
-        <p14:creationId xmlns:p14="http://schemas.microsoft.com/office/powerpoint/2010/main" val="1350322399"/>
+        <p14:creationId xmlns:p14="http://schemas.microsoft.com/office/powerpoint/2010/main" val="2039365758"/>
       </p:ext>
     </p:extLst>
   </p:cSld>
@@ -4079,8 +811,51 @@
               <a:buAutoNum type="arabicPeriod"/>
             </a:pPr>
             <a:r>
+              <a:rPr lang="en-US" baseline="0" dirty="0" smtClean="0"/>
+              <a:t>Fluctuations are mainly due to breaking news: 2014-10 Hong Kong Protests (</a:t>
+            </a:r>
+            <a:r>
               <a:rPr lang="en-US" dirty="0" smtClean="0"/>
-              <a:t>Sentiment analysis </a:t>
+              <a:t>26 September to 15 December 2014</a:t>
+            </a:r>
+            <a:r>
+              <a:rPr lang="en-US" baseline="0" dirty="0" smtClean="0"/>
+              <a:t>) https://en.wikipedia.org/wiki/2014_Hong_Kong_protests</a:t>
+            </a:r>
+          </a:p>
+          <a:p>
+            <a:pPr marL="228600" marR="0" indent="-228600" algn="l" defTabSz="914400" rtl="0" eaLnBrk="1" fontAlgn="auto" latinLnBrk="0" hangingPunct="1">
+              <a:lnSpc>
+                <a:spcPct val="100000"/>
+              </a:lnSpc>
+              <a:spcBef>
+                <a:spcPts val="0"/>
+              </a:spcBef>
+              <a:spcAft>
+                <a:spcPts val="0"/>
+              </a:spcAft>
+              <a:buClrTx/>
+              <a:buSzTx/>
+              <a:buFontTx/>
+              <a:buAutoNum type="arabicPeriod"/>
+              <a:tabLst/>
+              <a:defRPr/>
+            </a:pPr>
+            <a:r>
+              <a:rPr lang="en-US" dirty="0" smtClean="0"/>
+              <a:t>Both Countries</a:t>
+            </a:r>
+            <a:r>
+              <a:rPr lang="en-US" baseline="0" dirty="0" smtClean="0"/>
+              <a:t> seems to treat each other as important audience and targets, </a:t>
+            </a:r>
+            <a:r>
+              <a:rPr lang="en-US" baseline="0" dirty="0" err="1" smtClean="0"/>
+              <a:t>eu</a:t>
+            </a:r>
+            <a:r>
+              <a:rPr lang="en-US" baseline="0" dirty="0" smtClean="0"/>
+              <a:t> as reference</a:t>
             </a:r>
           </a:p>
           <a:p>
@@ -4088,31 +863,14 @@
               <a:buAutoNum type="arabicPeriod"/>
             </a:pPr>
             <a:r>
-              <a:rPr lang="en-US" dirty="0" smtClean="0"/>
-              <a:t>China express more negative attitudes towards democracy</a:t>
+              <a:rPr lang="en-US" baseline="0" dirty="0" smtClean="0"/>
+              <a:t>Chinese media coverage focus more on domestics</a:t>
             </a:r>
           </a:p>
           <a:p>
             <a:pPr marL="228600" indent="-228600">
               <a:buAutoNum type="arabicPeriod"/>
             </a:pPr>
-            <a:r>
-              <a:rPr lang="en-US" dirty="0" smtClean="0"/>
-              <a:t>This negative attitude</a:t>
-            </a:r>
-            <a:r>
-              <a:rPr lang="en-US" baseline="0" dirty="0" smtClean="0"/>
-              <a:t> is especially sensitive when it talks about democracy in its domestics context, followed by US.</a:t>
-            </a:r>
-          </a:p>
-          <a:p>
-            <a:pPr marL="228600" indent="-228600">
-              <a:buAutoNum type="arabicPeriod"/>
-            </a:pPr>
-            <a:r>
-              <a:rPr lang="en-US" baseline="0" dirty="0" smtClean="0"/>
-              <a:t>US express more negative attitudes when it discusses democracy and China together</a:t>
-            </a:r>
             <a:endParaRPr lang="en-US" dirty="0"/>
           </a:p>
         </p:txBody>
@@ -4134,7 +892,7 @@
           <a:p>
             <a:fld id="{48078166-4E92-4224-93A0-2442D3DF21CE}" type="slidenum">
               <a:rPr lang="en-US" smtClean="0"/>
-              <a:t>11</a:t>
+              <a:t>9</a:t>
             </a:fld>
             <a:endParaRPr lang="en-US"/>
           </a:p>
@@ -4143,7 +901,7 @@
     </p:spTree>
     <p:extLst>
       <p:ext uri="{BB962C8B-B14F-4D97-AF65-F5344CB8AC3E}">
-        <p14:creationId xmlns:p14="http://schemas.microsoft.com/office/powerpoint/2010/main" val="3880118023"/>
+        <p14:creationId xmlns:p14="http://schemas.microsoft.com/office/powerpoint/2010/main" val="1350322399"/>
       </p:ext>
     </p:extLst>
   </p:cSld>
@@ -4262,6 +1020,212 @@
           <a:p>
             <a:fld id="{48078166-4E92-4224-93A0-2442D3DF21CE}" type="slidenum">
               <a:rPr lang="en-US" smtClean="0"/>
+              <a:t>10</a:t>
+            </a:fld>
+            <a:endParaRPr lang="en-US"/>
+          </a:p>
+        </p:txBody>
+      </p:sp>
+    </p:spTree>
+    <p:extLst>
+      <p:ext uri="{BB962C8B-B14F-4D97-AF65-F5344CB8AC3E}">
+        <p14:creationId xmlns:p14="http://schemas.microsoft.com/office/powerpoint/2010/main" val="3349466711"/>
+      </p:ext>
+    </p:extLst>
+  </p:cSld>
+  <p:clrMapOvr>
+    <a:masterClrMapping/>
+  </p:clrMapOvr>
+</p:notes>
+</file>
+
+<file path=ppt/notesSlides/notesSlide6.xml><?xml version="1.0" encoding="utf-8"?>
+<p:notes xmlns:a="http://schemas.openxmlformats.org/drawingml/2006/main" xmlns:r="http://schemas.openxmlformats.org/officeDocument/2006/relationships" xmlns:p="http://schemas.openxmlformats.org/presentationml/2006/main">
+  <p:cSld>
+    <p:spTree>
+      <p:nvGrpSpPr>
+        <p:cNvPr id="1" name=""/>
+        <p:cNvGrpSpPr/>
+        <p:nvPr/>
+      </p:nvGrpSpPr>
+      <p:grpSpPr>
+        <a:xfrm>
+          <a:off x="0" y="0"/>
+          <a:ext cx="0" cy="0"/>
+          <a:chOff x="0" y="0"/>
+          <a:chExt cx="0" cy="0"/>
+        </a:xfrm>
+      </p:grpSpPr>
+      <p:sp>
+        <p:nvSpPr>
+          <p:cNvPr id="2" name="幻灯片图像占位符 1"/>
+          <p:cNvSpPr>
+            <a:spLocks noGrp="1" noRot="1" noChangeAspect="1"/>
+          </p:cNvSpPr>
+          <p:nvPr>
+            <p:ph type="sldImg"/>
+          </p:nvPr>
+        </p:nvSpPr>
+        <p:spPr/>
+      </p:sp>
+      <p:sp>
+        <p:nvSpPr>
+          <p:cNvPr id="3" name="备注占位符 2"/>
+          <p:cNvSpPr>
+            <a:spLocks noGrp="1"/>
+          </p:cNvSpPr>
+          <p:nvPr>
+            <p:ph type="body" idx="1"/>
+          </p:nvPr>
+        </p:nvSpPr>
+        <p:spPr/>
+        <p:txBody>
+          <a:bodyPr/>
+          <a:lstStyle/>
+          <a:p>
+            <a:pPr marL="228600" indent="-228600">
+              <a:buAutoNum type="arabicPeriod"/>
+            </a:pPr>
+            <a:r>
+              <a:rPr lang="en-US" dirty="0" smtClean="0"/>
+              <a:t>Sentiment analysis </a:t>
+            </a:r>
+          </a:p>
+          <a:p>
+            <a:pPr marL="228600" indent="-228600">
+              <a:buAutoNum type="arabicPeriod"/>
+            </a:pPr>
+            <a:r>
+              <a:rPr lang="en-US" dirty="0" smtClean="0"/>
+              <a:t>China express more negative attitudes towards democracy</a:t>
+            </a:r>
+          </a:p>
+          <a:p>
+            <a:pPr marL="228600" indent="-228600">
+              <a:buAutoNum type="arabicPeriod"/>
+            </a:pPr>
+            <a:r>
+              <a:rPr lang="en-US" dirty="0" smtClean="0"/>
+              <a:t>This negative attitude</a:t>
+            </a:r>
+            <a:r>
+              <a:rPr lang="en-US" baseline="0" dirty="0" smtClean="0"/>
+              <a:t> is especially sensitive when it talks about democracy in its domestics context, followed by US.</a:t>
+            </a:r>
+          </a:p>
+          <a:p>
+            <a:pPr marL="228600" indent="-228600">
+              <a:buAutoNum type="arabicPeriod"/>
+            </a:pPr>
+            <a:r>
+              <a:rPr lang="en-US" baseline="0" dirty="0" smtClean="0"/>
+              <a:t>US express more negative attitudes when it discusses democracy and China together</a:t>
+            </a:r>
+            <a:endParaRPr lang="en-US" dirty="0"/>
+          </a:p>
+        </p:txBody>
+      </p:sp>
+      <p:sp>
+        <p:nvSpPr>
+          <p:cNvPr id="4" name="灯片编号占位符 3"/>
+          <p:cNvSpPr>
+            <a:spLocks noGrp="1"/>
+          </p:cNvSpPr>
+          <p:nvPr>
+            <p:ph type="sldNum" sz="quarter" idx="10"/>
+          </p:nvPr>
+        </p:nvSpPr>
+        <p:spPr/>
+        <p:txBody>
+          <a:bodyPr/>
+          <a:lstStyle/>
+          <a:p>
+            <a:fld id="{48078166-4E92-4224-93A0-2442D3DF21CE}" type="slidenum">
+              <a:rPr lang="en-US" smtClean="0"/>
+              <a:t>13</a:t>
+            </a:fld>
+            <a:endParaRPr lang="en-US"/>
+          </a:p>
+        </p:txBody>
+      </p:sp>
+    </p:spTree>
+    <p:extLst>
+      <p:ext uri="{BB962C8B-B14F-4D97-AF65-F5344CB8AC3E}">
+        <p14:creationId xmlns:p14="http://schemas.microsoft.com/office/powerpoint/2010/main" val="3880118023"/>
+      </p:ext>
+    </p:extLst>
+  </p:cSld>
+  <p:clrMapOvr>
+    <a:masterClrMapping/>
+  </p:clrMapOvr>
+</p:notes>
+</file>
+
+<file path=ppt/notesSlides/notesSlide7.xml><?xml version="1.0" encoding="utf-8"?>
+<p:notes xmlns:a="http://schemas.openxmlformats.org/drawingml/2006/main" xmlns:r="http://schemas.openxmlformats.org/officeDocument/2006/relationships" xmlns:p="http://schemas.openxmlformats.org/presentationml/2006/main">
+  <p:cSld>
+    <p:spTree>
+      <p:nvGrpSpPr>
+        <p:cNvPr id="1" name=""/>
+        <p:cNvGrpSpPr/>
+        <p:nvPr/>
+      </p:nvGrpSpPr>
+      <p:grpSpPr>
+        <a:xfrm>
+          <a:off x="0" y="0"/>
+          <a:ext cx="0" cy="0"/>
+          <a:chOff x="0" y="0"/>
+          <a:chExt cx="0" cy="0"/>
+        </a:xfrm>
+      </p:grpSpPr>
+      <p:sp>
+        <p:nvSpPr>
+          <p:cNvPr id="2" name="幻灯片图像占位符 1"/>
+          <p:cNvSpPr>
+            <a:spLocks noGrp="1" noRot="1" noChangeAspect="1"/>
+          </p:cNvSpPr>
+          <p:nvPr>
+            <p:ph type="sldImg"/>
+          </p:nvPr>
+        </p:nvSpPr>
+        <p:spPr/>
+      </p:sp>
+      <p:sp>
+        <p:nvSpPr>
+          <p:cNvPr id="3" name="备注占位符 2"/>
+          <p:cNvSpPr>
+            <a:spLocks noGrp="1"/>
+          </p:cNvSpPr>
+          <p:nvPr>
+            <p:ph type="body" idx="1"/>
+          </p:nvPr>
+        </p:nvSpPr>
+        <p:spPr/>
+        <p:txBody>
+          <a:bodyPr/>
+          <a:lstStyle/>
+          <a:p>
+            <a:endParaRPr lang="en-US" dirty="0"/>
+          </a:p>
+        </p:txBody>
+      </p:sp>
+      <p:sp>
+        <p:nvSpPr>
+          <p:cNvPr id="4" name="灯片编号占位符 3"/>
+          <p:cNvSpPr>
+            <a:spLocks noGrp="1"/>
+          </p:cNvSpPr>
+          <p:nvPr>
+            <p:ph type="sldNum" sz="quarter" idx="10"/>
+          </p:nvPr>
+        </p:nvSpPr>
+        <p:spPr/>
+        <p:txBody>
+          <a:bodyPr/>
+          <a:lstStyle/>
+          <a:p>
+            <a:fld id="{48078166-4E92-4224-93A0-2442D3DF21CE}" type="slidenum">
+              <a:rPr lang="en-US" smtClean="0"/>
               <a:t>14</a:t>
             </a:fld>
             <a:endParaRPr lang="en-US"/>
@@ -4271,7 +1235,7 @@
     </p:spTree>
     <p:extLst>
       <p:ext uri="{BB962C8B-B14F-4D97-AF65-F5344CB8AC3E}">
-        <p14:creationId xmlns:p14="http://schemas.microsoft.com/office/powerpoint/2010/main" val="2296375276"/>
+        <p14:creationId xmlns:p14="http://schemas.microsoft.com/office/powerpoint/2010/main" val="1869682409"/>
       </p:ext>
     </p:extLst>
   </p:cSld>
@@ -4420,7 +1384,7 @@
           <a:p>
             <a:fld id="{48A87A34-81AB-432B-8DAE-1953F412C126}" type="datetimeFigureOut">
               <a:rPr lang="en-US" dirty="0"/>
-              <a:t>3/15/2016</a:t>
+              <a:t>3/17/2016</a:t>
             </a:fld>
             <a:endParaRPr lang="en-US" dirty="0"/>
           </a:p>
@@ -4626,7 +1590,7 @@
           <a:p>
             <a:fld id="{48A87A34-81AB-432B-8DAE-1953F412C126}" type="datetimeFigureOut">
               <a:rPr lang="en-US" dirty="0"/>
-              <a:t>3/15/2016</a:t>
+              <a:t>3/17/2016</a:t>
             </a:fld>
             <a:endParaRPr lang="en-US" dirty="0"/>
           </a:p>
@@ -4836,7 +1800,7 @@
           <a:p>
             <a:fld id="{48A87A34-81AB-432B-8DAE-1953F412C126}" type="datetimeFigureOut">
               <a:rPr lang="en-US" dirty="0"/>
-              <a:t>3/15/2016</a:t>
+              <a:t>3/17/2016</a:t>
             </a:fld>
             <a:endParaRPr lang="en-US" dirty="0"/>
           </a:p>
@@ -5032,7 +1996,7 @@
           <a:p>
             <a:fld id="{48A87A34-81AB-432B-8DAE-1953F412C126}" type="datetimeFigureOut">
               <a:rPr lang="en-US" dirty="0"/>
-              <a:t>3/15/2016</a:t>
+              <a:t>3/17/2016</a:t>
             </a:fld>
             <a:endParaRPr lang="en-US" dirty="0"/>
           </a:p>
@@ -5306,7 +2270,7 @@
           <a:p>
             <a:fld id="{48A87A34-81AB-432B-8DAE-1953F412C126}" type="datetimeFigureOut">
               <a:rPr lang="en-US" dirty="0"/>
-              <a:t>3/15/2016</a:t>
+              <a:t>3/17/2016</a:t>
             </a:fld>
             <a:endParaRPr lang="en-US" dirty="0"/>
           </a:p>
@@ -5569,7 +2533,7 @@
           <a:p>
             <a:fld id="{48A87A34-81AB-432B-8DAE-1953F412C126}" type="datetimeFigureOut">
               <a:rPr lang="en-US" dirty="0"/>
-              <a:t>3/15/2016</a:t>
+              <a:t>3/17/2016</a:t>
             </a:fld>
             <a:endParaRPr lang="en-US" dirty="0"/>
           </a:p>
@@ -5980,7 +2944,7 @@
           <a:p>
             <a:fld id="{48A87A34-81AB-432B-8DAE-1953F412C126}" type="datetimeFigureOut">
               <a:rPr lang="en-US" dirty="0"/>
-              <a:t>3/15/2016</a:t>
+              <a:t>3/17/2016</a:t>
             </a:fld>
             <a:endParaRPr lang="en-US" dirty="0"/>
           </a:p>
@@ -6124,7 +3088,7 @@
           <a:p>
             <a:fld id="{48A87A34-81AB-432B-8DAE-1953F412C126}" type="datetimeFigureOut">
               <a:rPr lang="en-US" dirty="0"/>
-              <a:t>3/15/2016</a:t>
+              <a:t>3/17/2016</a:t>
             </a:fld>
             <a:endParaRPr lang="en-US" dirty="0"/>
           </a:p>
@@ -6245,7 +3209,7 @@
           <a:p>
             <a:fld id="{48A87A34-81AB-432B-8DAE-1953F412C126}" type="datetimeFigureOut">
               <a:rPr lang="en-US" dirty="0"/>
-              <a:t>3/15/2016</a:t>
+              <a:t>3/17/2016</a:t>
             </a:fld>
             <a:endParaRPr lang="en-US" dirty="0"/>
           </a:p>
@@ -6491,7 +3455,7 @@
           <a:p>
             <a:fld id="{48A87A34-81AB-432B-8DAE-1953F412C126}" type="datetimeFigureOut">
               <a:rPr lang="en-US" dirty="0"/>
-              <a:t>3/15/2016</a:t>
+              <a:t>3/17/2016</a:t>
             </a:fld>
             <a:endParaRPr lang="en-US" dirty="0"/>
           </a:p>
@@ -6932,7 +3896,7 @@
             <a:fld id="{48A87A34-81AB-432B-8DAE-1953F412C126}" type="datetimeFigureOut">
               <a:rPr lang="en-US" dirty="0"/>
               <a:pPr/>
-              <a:t>3/15/2016</a:t>
+              <a:t>3/17/2016</a:t>
             </a:fld>
             <a:endParaRPr lang="en-US" dirty="0"/>
           </a:p>
@@ -7254,7 +4218,7 @@
             <a:fld id="{48A87A34-81AB-432B-8DAE-1953F412C126}" type="datetimeFigureOut">
               <a:rPr lang="en-US" dirty="0"/>
               <a:pPr/>
-              <a:t>3/15/2016</a:t>
+              <a:t>3/17/2016</a:t>
             </a:fld>
             <a:endParaRPr lang="en-US" dirty="0"/>
           </a:p>
@@ -7757,10 +4721,6 @@
               <a:rPr lang="en-US" sz="3600" cap="none" dirty="0" smtClean="0"/>
               <a:t>Applying Data Mining to Reveal Media Bias</a:t>
             </a:r>
-            <a:r>
-              <a:rPr lang="en-US" sz="3600" cap="none" dirty="0" smtClean="0"/>
-              <a:t/>
-            </a:r>
             <a:br>
               <a:rPr lang="en-US" sz="3600" cap="none" dirty="0" smtClean="0"/>
             </a:br>
@@ -7888,95 +4848,248 @@
             <p:ph type="title"/>
           </p:nvPr>
         </p:nvSpPr>
-        <p:spPr/>
+        <p:spPr>
+          <a:xfrm>
+            <a:off x="165547" y="6238667"/>
+            <a:ext cx="9603275" cy="1049235"/>
+          </a:xfrm>
+        </p:spPr>
         <p:txBody>
           <a:bodyPr/>
           <a:lstStyle/>
           <a:p>
-            <a:r>
-              <a:rPr lang="en-US" dirty="0" smtClean="0"/>
-              <a:t>Coverage I-sentiment analysis</a:t>
-            </a:r>
-            <a:endParaRPr lang="en-US" dirty="0"/>
-          </a:p>
-        </p:txBody>
-      </p:sp>
-      <p:sp>
-        <p:nvSpPr>
-          <p:cNvPr id="3" name="内容占位符 2"/>
-          <p:cNvSpPr>
-            <a:spLocks noGrp="1"/>
-          </p:cNvSpPr>
-          <p:nvPr>
-            <p:ph idx="1"/>
-          </p:nvPr>
-        </p:nvSpPr>
-        <p:spPr/>
-        <p:txBody>
-          <a:bodyPr/>
-          <a:lstStyle/>
-          <a:p>
-            <a:r>
-              <a:rPr lang="en-US" dirty="0" smtClean="0"/>
-              <a:t>Training: Ideally should train with my Corpus; use </a:t>
-            </a:r>
-            <a:r>
-              <a:rPr lang="en-US" dirty="0" err="1" smtClean="0"/>
-              <a:t>Movie_Review</a:t>
-            </a:r>
-            <a:r>
-              <a:rPr lang="en-US" dirty="0" smtClean="0"/>
-              <a:t> from NLTK</a:t>
-            </a:r>
-          </a:p>
-          <a:p>
-            <a:r>
-              <a:rPr lang="en-US" dirty="0" smtClean="0"/>
-              <a:t>Naïve Bayes Classifier</a:t>
-            </a:r>
-          </a:p>
-          <a:p>
-            <a:r>
-              <a:rPr lang="en-US" dirty="0" smtClean="0"/>
-              <a:t>Accuracy: 79.3%</a:t>
-            </a:r>
             <a:endParaRPr lang="en-US" dirty="0"/>
           </a:p>
         </p:txBody>
       </p:sp>
       <p:pic>
         <p:nvPicPr>
-          <p:cNvPr id="5" name="图片 4"/>
+          <p:cNvPr id="8" name="内容占位符 7"/>
+          <p:cNvPicPr>
+            <a:picLocks noGrp="1" noChangeAspect="1"/>
+          </p:cNvPicPr>
+          <p:nvPr>
+            <p:ph idx="1"/>
+          </p:nvPr>
+        </p:nvPicPr>
+        <p:blipFill>
+          <a:blip r:embed="rId3">
+            <a:extLst>
+              <a:ext uri="{28A0092B-C50C-407E-A947-70E740481C1C}">
+                <a14:useLocalDpi xmlns:a14="http://schemas.microsoft.com/office/drawing/2010/main" val="0"/>
+              </a:ext>
+            </a:extLst>
+          </a:blip>
+          <a:stretch>
+            <a:fillRect/>
+          </a:stretch>
+        </p:blipFill>
+        <p:spPr>
+          <a:xfrm>
+            <a:off x="622138" y="2111838"/>
+            <a:ext cx="5130935" cy="4194538"/>
+          </a:xfrm>
+        </p:spPr>
+      </p:pic>
+      <p:pic>
+        <p:nvPicPr>
+          <p:cNvPr id="9" name="图片 8"/>
           <p:cNvPicPr>
             <a:picLocks noChangeAspect="1"/>
           </p:cNvPicPr>
           <p:nvPr/>
         </p:nvPicPr>
-        <p:blipFill rotWithShape="1">
-          <a:blip r:embed="rId2"/>
-          <a:srcRect l="14750" t="44993" r="37767" b="3725"/>
-          <a:stretch/>
+        <p:blipFill>
+          <a:blip r:embed="rId4">
+            <a:extLst>
+              <a:ext uri="{28A0092B-C50C-407E-A947-70E740481C1C}">
+                <a14:useLocalDpi xmlns:a14="http://schemas.microsoft.com/office/drawing/2010/main" val="0"/>
+              </a:ext>
+            </a:extLst>
+          </a:blip>
+          <a:stretch>
+            <a:fillRect/>
+          </a:stretch>
         </p:blipFill>
         <p:spPr>
           <a:xfrm>
-            <a:off x="4385733" y="2570744"/>
-            <a:ext cx="6178054" cy="3556001"/>
+            <a:off x="5955850" y="2167006"/>
+            <a:ext cx="5133833" cy="4071660"/>
           </a:xfrm>
           <a:prstGeom prst="rect">
             <a:avLst/>
           </a:prstGeom>
         </p:spPr>
       </p:pic>
+      <p:sp>
+        <p:nvSpPr>
+          <p:cNvPr id="10" name="文本框 9"/>
+          <p:cNvSpPr txBox="1"/>
+          <p:nvPr/>
+        </p:nvSpPr>
+        <p:spPr>
+          <a:xfrm>
+            <a:off x="2242839" y="2403566"/>
+            <a:ext cx="1264449" cy="369332"/>
+          </a:xfrm>
+          <a:prstGeom prst="rect">
+            <a:avLst/>
+          </a:prstGeom>
+          <a:noFill/>
+        </p:spPr>
+        <p:txBody>
+          <a:bodyPr wrap="none" rtlCol="0">
+            <a:spAutoFit/>
+          </a:bodyPr>
+          <a:lstStyle/>
+          <a:p>
+            <a:r>
+              <a:rPr lang="en-US" dirty="0" smtClean="0"/>
+              <a:t>China Daily</a:t>
+            </a:r>
+            <a:endParaRPr lang="en-US" dirty="0"/>
+          </a:p>
+        </p:txBody>
+      </p:sp>
+      <p:sp>
+        <p:nvSpPr>
+          <p:cNvPr id="15" name="文本框 14"/>
+          <p:cNvSpPr txBox="1"/>
+          <p:nvPr/>
+        </p:nvSpPr>
+        <p:spPr>
+          <a:xfrm>
+            <a:off x="7989631" y="2403566"/>
+            <a:ext cx="2135649" cy="369332"/>
+          </a:xfrm>
+          <a:prstGeom prst="rect">
+            <a:avLst/>
+          </a:prstGeom>
+          <a:noFill/>
+        </p:spPr>
+        <p:txBody>
+          <a:bodyPr wrap="none" rtlCol="0">
+            <a:spAutoFit/>
+          </a:bodyPr>
+          <a:lstStyle/>
+          <a:p>
+            <a:r>
+              <a:rPr lang="en-US" dirty="0" smtClean="0"/>
+              <a:t>The New York Times</a:t>
+            </a:r>
+            <a:endParaRPr lang="en-US" dirty="0"/>
+          </a:p>
+        </p:txBody>
+      </p:sp>
+      <p:sp>
+        <p:nvSpPr>
+          <p:cNvPr id="12" name="标题 1"/>
+          <p:cNvSpPr txBox="1">
+            <a:spLocks/>
+          </p:cNvSpPr>
+          <p:nvPr/>
+        </p:nvSpPr>
+        <p:spPr>
+          <a:xfrm>
+            <a:off x="1451579" y="804519"/>
+            <a:ext cx="9603275" cy="1049235"/>
+          </a:xfrm>
+          <a:prstGeom prst="rect">
+            <a:avLst/>
+          </a:prstGeom>
+        </p:spPr>
+        <p:txBody>
+          <a:bodyPr vert="horz" lIns="91440" tIns="45720" rIns="91440" bIns="45720" rtlCol="0" anchor="t">
+            <a:normAutofit/>
+          </a:bodyPr>
+          <a:lstStyle>
+            <a:lvl1pPr algn="l" defTabSz="914400" rtl="0" eaLnBrk="1" latinLnBrk="0" hangingPunct="1">
+              <a:lnSpc>
+                <a:spcPct val="90000"/>
+              </a:lnSpc>
+              <a:spcBef>
+                <a:spcPct val="0"/>
+              </a:spcBef>
+              <a:buNone/>
+              <a:defRPr sz="3200" b="0" i="0" kern="1200" cap="all">
+                <a:solidFill>
+                  <a:schemeClr val="tx1"/>
+                </a:solidFill>
+                <a:effectLst/>
+                <a:latin typeface="+mj-lt"/>
+                <a:ea typeface="+mj-ea"/>
+                <a:cs typeface="+mj-cs"/>
+              </a:defRPr>
+            </a:lvl1pPr>
+          </a:lstStyle>
+          <a:p>
+            <a:r>
+              <a:rPr lang="en-US" dirty="0" err="1" smtClean="0"/>
+              <a:t>CoVERAGE</a:t>
+            </a:r>
+            <a:r>
+              <a:rPr lang="en-US" dirty="0" smtClean="0"/>
+              <a:t> </a:t>
+            </a:r>
+            <a:r>
+              <a:rPr lang="en-US" dirty="0" err="1" smtClean="0"/>
+              <a:t>i</a:t>
+            </a:r>
+            <a:r>
+              <a:rPr lang="en-US" dirty="0" smtClean="0"/>
+              <a:t>-Word counts</a:t>
+            </a:r>
+            <a:endParaRPr lang="en-US" dirty="0"/>
+          </a:p>
+        </p:txBody>
+      </p:sp>
+      <p:sp>
+        <p:nvSpPr>
+          <p:cNvPr id="3" name="文本框 2"/>
+          <p:cNvSpPr txBox="1"/>
+          <p:nvPr/>
+        </p:nvSpPr>
+        <p:spPr>
+          <a:xfrm>
+            <a:off x="1451579" y="1825714"/>
+            <a:ext cx="1752339" cy="369332"/>
+          </a:xfrm>
+          <a:prstGeom prst="rect">
+            <a:avLst/>
+          </a:prstGeom>
+          <a:noFill/>
+        </p:spPr>
+        <p:txBody>
+          <a:bodyPr wrap="none" rtlCol="0">
+            <a:spAutoFit/>
+          </a:bodyPr>
+          <a:lstStyle/>
+          <a:p>
+            <a:r>
+              <a:rPr lang="en-US" dirty="0" smtClean="0"/>
+              <a:t>Non-Stop words</a:t>
+            </a:r>
+            <a:endParaRPr lang="en-US" dirty="0"/>
+          </a:p>
+        </p:txBody>
+      </p:sp>
     </p:spTree>
     <p:extLst>
       <p:ext uri="{BB962C8B-B14F-4D97-AF65-F5344CB8AC3E}">
-        <p14:creationId xmlns:p14="http://schemas.microsoft.com/office/powerpoint/2010/main" val="3109854048"/>
+        <p14:creationId xmlns:p14="http://schemas.microsoft.com/office/powerpoint/2010/main" val="1996137369"/>
       </p:ext>
     </p:extLst>
   </p:cSld>
   <p:clrMapOvr>
     <a:masterClrMapping/>
   </p:clrMapOvr>
+  <p:timing>
+    <p:tnLst>
+      <p:par>
+        <p:cTn id="1" dur="indefinite" restart="never" nodeType="tmRoot"/>
+      </p:par>
+    </p:tnLst>
+  </p:timing>
 </p:sld>
 </file>
 
@@ -8012,687 +5125,1286 @@
           <a:bodyPr/>
           <a:lstStyle/>
           <a:p>
+            <a:r>
+              <a:rPr lang="en-US" dirty="0" err="1" smtClean="0"/>
+              <a:t>COVErage</a:t>
+            </a:r>
+            <a:r>
+              <a:rPr lang="en-US" dirty="0" smtClean="0"/>
+              <a:t> </a:t>
+            </a:r>
+            <a:r>
+              <a:rPr lang="en-US" dirty="0" smtClean="0"/>
+              <a:t>ii-</a:t>
+            </a:r>
+            <a:r>
+              <a:rPr lang="en-US" dirty="0" err="1" smtClean="0"/>
+              <a:t>tf</a:t>
+            </a:r>
+            <a:r>
+              <a:rPr lang="en-US" dirty="0" smtClean="0"/>
+              <a:t>/</a:t>
+            </a:r>
+            <a:r>
+              <a:rPr lang="en-US" dirty="0" err="1" smtClean="0"/>
+              <a:t>idf</a:t>
+            </a:r>
             <a:endParaRPr lang="en-US" dirty="0"/>
           </a:p>
         </p:txBody>
       </p:sp>
-      <p:pic>
-        <p:nvPicPr>
-          <p:cNvPr id="5" name="内容占位符 4"/>
-          <p:cNvPicPr>
-            <a:picLocks noGrp="1" noChangeAspect="1"/>
-          </p:cNvPicPr>
+      <p:sp>
+        <p:nvSpPr>
+          <p:cNvPr id="3" name="内容占位符 2"/>
+          <p:cNvSpPr>
+            <a:spLocks noGrp="1"/>
+          </p:cNvSpPr>
           <p:nvPr>
             <p:ph idx="1"/>
           </p:nvPr>
-        </p:nvPicPr>
-        <p:blipFill>
-          <a:blip r:embed="rId3">
-            <a:extLst>
-              <a:ext uri="{28A0092B-C50C-407E-A947-70E740481C1C}">
-                <a14:useLocalDpi xmlns:a14="http://schemas.microsoft.com/office/drawing/2010/main" val="0"/>
-              </a:ext>
-            </a:extLst>
-          </a:blip>
-          <a:stretch>
-            <a:fillRect/>
-          </a:stretch>
-        </p:blipFill>
+        </p:nvSpPr>
         <p:spPr>
           <a:xfrm>
-            <a:off x="-54813" y="801309"/>
-            <a:ext cx="4051037" cy="2987773"/>
-          </a:xfrm>
-        </p:spPr>
-      </p:pic>
-      <p:pic>
-        <p:nvPicPr>
-          <p:cNvPr id="6" name="图片 5"/>
-          <p:cNvPicPr>
-            <a:picLocks noChangeAspect="1"/>
-          </p:cNvPicPr>
-          <p:nvPr/>
-        </p:nvPicPr>
-        <p:blipFill>
-          <a:blip r:embed="rId4">
-            <a:extLst>
-              <a:ext uri="{28A0092B-C50C-407E-A947-70E740481C1C}">
-                <a14:useLocalDpi xmlns:a14="http://schemas.microsoft.com/office/drawing/2010/main" val="0"/>
-              </a:ext>
-            </a:extLst>
-          </a:blip>
-          <a:stretch>
-            <a:fillRect/>
-          </a:stretch>
-        </p:blipFill>
-        <p:spPr>
-          <a:xfrm>
-            <a:off x="3943439" y="801309"/>
-            <a:ext cx="4051038" cy="2987773"/>
-          </a:xfrm>
-          <a:prstGeom prst="rect">
-            <a:avLst/>
-          </a:prstGeom>
-        </p:spPr>
-      </p:pic>
-      <p:pic>
-        <p:nvPicPr>
-          <p:cNvPr id="7" name="图片 6"/>
-          <p:cNvPicPr>
-            <a:picLocks noChangeAspect="1"/>
-          </p:cNvPicPr>
-          <p:nvPr/>
-        </p:nvPicPr>
-        <p:blipFill>
-          <a:blip r:embed="rId5">
-            <a:extLst>
-              <a:ext uri="{28A0092B-C50C-407E-A947-70E740481C1C}">
-                <a14:useLocalDpi xmlns:a14="http://schemas.microsoft.com/office/drawing/2010/main" val="0"/>
-              </a:ext>
-            </a:extLst>
-          </a:blip>
-          <a:stretch>
-            <a:fillRect/>
-          </a:stretch>
-        </p:blipFill>
-        <p:spPr>
-          <a:xfrm>
-            <a:off x="8004489" y="801309"/>
-            <a:ext cx="4019140" cy="2987773"/>
-          </a:xfrm>
-          <a:prstGeom prst="rect">
-            <a:avLst/>
-          </a:prstGeom>
-        </p:spPr>
-      </p:pic>
-      <p:pic>
-        <p:nvPicPr>
-          <p:cNvPr id="8" name="图片 7"/>
-          <p:cNvPicPr>
-            <a:picLocks noChangeAspect="1"/>
-          </p:cNvPicPr>
-          <p:nvPr/>
-        </p:nvPicPr>
-        <p:blipFill>
-          <a:blip r:embed="rId6">
-            <a:extLst>
-              <a:ext uri="{28A0092B-C50C-407E-A947-70E740481C1C}">
-                <a14:useLocalDpi xmlns:a14="http://schemas.microsoft.com/office/drawing/2010/main" val="0"/>
-              </a:ext>
-            </a:extLst>
-          </a:blip>
-          <a:stretch>
-            <a:fillRect/>
-          </a:stretch>
-        </p:blipFill>
-        <p:spPr>
-          <a:xfrm>
-            <a:off x="-12254" y="3789082"/>
-            <a:ext cx="3998252" cy="2948842"/>
-          </a:xfrm>
-          <a:prstGeom prst="rect">
-            <a:avLst/>
-          </a:prstGeom>
-        </p:spPr>
-      </p:pic>
-      <p:pic>
-        <p:nvPicPr>
-          <p:cNvPr id="9" name="图片 8"/>
-          <p:cNvPicPr>
-            <a:picLocks noChangeAspect="1"/>
-          </p:cNvPicPr>
-          <p:nvPr/>
-        </p:nvPicPr>
-        <p:blipFill>
-          <a:blip r:embed="rId7">
-            <a:extLst>
-              <a:ext uri="{28A0092B-C50C-407E-A947-70E740481C1C}">
-                <a14:useLocalDpi xmlns:a14="http://schemas.microsoft.com/office/drawing/2010/main" val="0"/>
-              </a:ext>
-            </a:extLst>
-          </a:blip>
-          <a:stretch>
-            <a:fillRect/>
-          </a:stretch>
-        </p:blipFill>
-        <p:spPr>
-          <a:xfrm>
-            <a:off x="3996224" y="3789082"/>
-            <a:ext cx="4008265" cy="2956227"/>
-          </a:xfrm>
-          <a:prstGeom prst="rect">
-            <a:avLst/>
-          </a:prstGeom>
-        </p:spPr>
-      </p:pic>
-      <p:pic>
-        <p:nvPicPr>
-          <p:cNvPr id="10" name="图片 9"/>
-          <p:cNvPicPr>
-            <a:picLocks noChangeAspect="1"/>
-          </p:cNvPicPr>
-          <p:nvPr/>
-        </p:nvPicPr>
-        <p:blipFill>
-          <a:blip r:embed="rId8">
-            <a:extLst>
-              <a:ext uri="{28A0092B-C50C-407E-A947-70E740481C1C}">
-                <a14:useLocalDpi xmlns:a14="http://schemas.microsoft.com/office/drawing/2010/main" val="0"/>
-              </a:ext>
-            </a:extLst>
-          </a:blip>
-          <a:stretch>
-            <a:fillRect/>
-          </a:stretch>
-        </p:blipFill>
-        <p:spPr>
-          <a:xfrm>
-            <a:off x="7994262" y="3789082"/>
-            <a:ext cx="4039593" cy="2979332"/>
-          </a:xfrm>
-          <a:prstGeom prst="rect">
-            <a:avLst/>
-          </a:prstGeom>
-        </p:spPr>
-      </p:pic>
-      <p:sp>
-        <p:nvSpPr>
-          <p:cNvPr id="11" name="文本框 10"/>
-          <p:cNvSpPr txBox="1"/>
-          <p:nvPr/>
-        </p:nvSpPr>
-        <p:spPr>
-          <a:xfrm>
-            <a:off x="906671" y="457875"/>
-            <a:ext cx="10706209" cy="369332"/>
-          </a:xfrm>
-          <a:prstGeom prst="rect">
-            <a:avLst/>
-          </a:prstGeom>
-          <a:noFill/>
-        </p:spPr>
-        <p:txBody>
-          <a:bodyPr wrap="square" rtlCol="0">
-            <a:spAutoFit/>
+            <a:off x="1451578" y="1853754"/>
+            <a:ext cx="9603275" cy="4249601"/>
+          </a:xfrm>
+        </p:spPr>
+        <p:txBody>
+          <a:bodyPr>
+            <a:normAutofit/>
           </a:bodyPr>
           <a:lstStyle/>
           <a:p>
             <a:r>
-              <a:rPr lang="en-US" dirty="0" smtClean="0">
-                <a:solidFill>
-                  <a:srgbClr val="FF0000"/>
-                </a:solidFill>
-              </a:rPr>
-              <a:t>Articles contain(‘China’)                               contain(‘US’/’States’)                                 contain(‘Europe)                                        </a:t>
+              <a:rPr lang="en-US" dirty="0" smtClean="0"/>
+              <a:t>Training: Reuters News Corpus (1000)</a:t>
+            </a:r>
+          </a:p>
+          <a:p>
+            <a:r>
+              <a:rPr lang="en-US" dirty="0" smtClean="0"/>
+              <a:t>Testing: China Daily, </a:t>
+            </a:r>
+            <a:r>
+              <a:rPr lang="en-US" dirty="0" err="1" smtClean="0"/>
+              <a:t>Nytimes</a:t>
+            </a:r>
+            <a:r>
+              <a:rPr lang="en-US" dirty="0" smtClean="0"/>
+              <a:t> (100)</a:t>
+            </a:r>
+          </a:p>
+          <a:p>
+            <a:r>
+              <a:rPr lang="en-US" dirty="0" smtClean="0"/>
+              <a:t>Top 25</a:t>
             </a:r>
             <a:endParaRPr lang="en-US" dirty="0">
               <a:solidFill>
-                <a:srgbClr val="FF0000"/>
+                <a:srgbClr val="7030A0"/>
               </a:solidFill>
             </a:endParaRPr>
           </a:p>
-        </p:txBody>
-      </p:sp>
-      <p:sp>
-        <p:nvSpPr>
-          <p:cNvPr id="12" name="文本框 11"/>
-          <p:cNvSpPr txBox="1"/>
-          <p:nvPr/>
-        </p:nvSpPr>
-        <p:spPr>
-          <a:xfrm>
-            <a:off x="884885" y="1363003"/>
-            <a:ext cx="1005596" cy="369332"/>
-          </a:xfrm>
-          <a:prstGeom prst="rect">
-            <a:avLst/>
-          </a:prstGeom>
-          <a:noFill/>
-        </p:spPr>
-        <p:txBody>
-          <a:bodyPr wrap="none" rtlCol="0">
-            <a:spAutoFit/>
-          </a:bodyPr>
-          <a:lstStyle/>
-          <a:p>
-            <a:r>
-              <a:rPr lang="en-US" dirty="0" smtClean="0">
-                <a:solidFill>
-                  <a:srgbClr val="FF0000"/>
-                </a:solidFill>
-              </a:rPr>
-              <a:t>Negative</a:t>
-            </a:r>
-            <a:endParaRPr lang="en-US" dirty="0">
-              <a:solidFill>
-                <a:srgbClr val="FF0000"/>
-              </a:solidFill>
-            </a:endParaRPr>
-          </a:p>
-        </p:txBody>
-      </p:sp>
-      <p:sp>
-        <p:nvSpPr>
-          <p:cNvPr id="13" name="文本框 12"/>
-          <p:cNvSpPr txBox="1"/>
-          <p:nvPr/>
-        </p:nvSpPr>
-        <p:spPr>
-          <a:xfrm>
-            <a:off x="906671" y="2699288"/>
-            <a:ext cx="897233" cy="369332"/>
-          </a:xfrm>
-          <a:prstGeom prst="rect">
-            <a:avLst/>
-          </a:prstGeom>
-          <a:noFill/>
-        </p:spPr>
-        <p:txBody>
-          <a:bodyPr wrap="none" rtlCol="0">
-            <a:spAutoFit/>
-          </a:bodyPr>
-          <a:lstStyle/>
-          <a:p>
-            <a:r>
-              <a:rPr lang="en-US" dirty="0" smtClean="0">
-                <a:solidFill>
-                  <a:srgbClr val="FF0000"/>
-                </a:solidFill>
-              </a:rPr>
-              <a:t>Positive</a:t>
-            </a:r>
-            <a:endParaRPr lang="en-US" dirty="0">
-              <a:solidFill>
-                <a:srgbClr val="FF0000"/>
-              </a:solidFill>
-            </a:endParaRPr>
-          </a:p>
-        </p:txBody>
-      </p:sp>
-      <p:sp>
-        <p:nvSpPr>
-          <p:cNvPr id="14" name="文本框 13"/>
-          <p:cNvSpPr txBox="1"/>
-          <p:nvPr/>
-        </p:nvSpPr>
-        <p:spPr>
-          <a:xfrm>
-            <a:off x="8937567" y="4393115"/>
-            <a:ext cx="1005596" cy="369332"/>
-          </a:xfrm>
-          <a:prstGeom prst="rect">
-            <a:avLst/>
-          </a:prstGeom>
-          <a:noFill/>
-        </p:spPr>
-        <p:txBody>
-          <a:bodyPr wrap="none" rtlCol="0">
-            <a:spAutoFit/>
-          </a:bodyPr>
-          <a:lstStyle/>
-          <a:p>
-            <a:r>
-              <a:rPr lang="en-US" dirty="0" smtClean="0">
-                <a:solidFill>
-                  <a:srgbClr val="FF0000"/>
-                </a:solidFill>
-              </a:rPr>
-              <a:t>Negative</a:t>
-            </a:r>
-            <a:endParaRPr lang="en-US" dirty="0">
-              <a:solidFill>
-                <a:srgbClr val="FF0000"/>
-              </a:solidFill>
-            </a:endParaRPr>
-          </a:p>
-        </p:txBody>
-      </p:sp>
-      <p:sp>
-        <p:nvSpPr>
-          <p:cNvPr id="15" name="文本框 14"/>
-          <p:cNvSpPr txBox="1"/>
-          <p:nvPr/>
-        </p:nvSpPr>
-        <p:spPr>
-          <a:xfrm>
-            <a:off x="4711818" y="4393115"/>
-            <a:ext cx="1005596" cy="369332"/>
-          </a:xfrm>
-          <a:prstGeom prst="rect">
-            <a:avLst/>
-          </a:prstGeom>
-          <a:noFill/>
-        </p:spPr>
-        <p:txBody>
-          <a:bodyPr wrap="none" rtlCol="0">
-            <a:spAutoFit/>
-          </a:bodyPr>
-          <a:lstStyle/>
-          <a:p>
-            <a:r>
-              <a:rPr lang="en-US" dirty="0" smtClean="0">
-                <a:solidFill>
-                  <a:srgbClr val="FF0000"/>
-                </a:solidFill>
-              </a:rPr>
-              <a:t>Negative</a:t>
-            </a:r>
-            <a:endParaRPr lang="en-US" dirty="0">
-              <a:solidFill>
-                <a:srgbClr val="FF0000"/>
-              </a:solidFill>
-            </a:endParaRPr>
-          </a:p>
-        </p:txBody>
-      </p:sp>
-      <p:sp>
-        <p:nvSpPr>
-          <p:cNvPr id="16" name="文本框 15"/>
-          <p:cNvSpPr txBox="1"/>
-          <p:nvPr/>
-        </p:nvSpPr>
-        <p:spPr>
-          <a:xfrm>
-            <a:off x="8998071" y="1363003"/>
-            <a:ext cx="1005596" cy="369332"/>
-          </a:xfrm>
-          <a:prstGeom prst="rect">
-            <a:avLst/>
-          </a:prstGeom>
-          <a:noFill/>
-        </p:spPr>
-        <p:txBody>
-          <a:bodyPr wrap="none" rtlCol="0">
-            <a:spAutoFit/>
-          </a:bodyPr>
-          <a:lstStyle/>
-          <a:p>
-            <a:r>
-              <a:rPr lang="en-US" dirty="0" smtClean="0">
-                <a:solidFill>
-                  <a:srgbClr val="FF0000"/>
-                </a:solidFill>
-              </a:rPr>
-              <a:t>Negative</a:t>
-            </a:r>
-            <a:endParaRPr lang="en-US" dirty="0">
-              <a:solidFill>
-                <a:srgbClr val="FF0000"/>
-              </a:solidFill>
-            </a:endParaRPr>
-          </a:p>
-        </p:txBody>
-      </p:sp>
-      <p:sp>
-        <p:nvSpPr>
-          <p:cNvPr id="17" name="文本框 16"/>
-          <p:cNvSpPr txBox="1"/>
-          <p:nvPr/>
-        </p:nvSpPr>
-        <p:spPr>
-          <a:xfrm>
-            <a:off x="5053897" y="1363003"/>
-            <a:ext cx="1005596" cy="369332"/>
-          </a:xfrm>
-          <a:prstGeom prst="rect">
-            <a:avLst/>
-          </a:prstGeom>
-          <a:noFill/>
-        </p:spPr>
-        <p:txBody>
-          <a:bodyPr wrap="none" rtlCol="0">
-            <a:spAutoFit/>
-          </a:bodyPr>
-          <a:lstStyle/>
-          <a:p>
-            <a:r>
-              <a:rPr lang="en-US" dirty="0" smtClean="0">
-                <a:solidFill>
-                  <a:srgbClr val="FF0000"/>
-                </a:solidFill>
-              </a:rPr>
-              <a:t>Negative</a:t>
-            </a:r>
-            <a:endParaRPr lang="en-US" dirty="0">
-              <a:solidFill>
-                <a:srgbClr val="FF0000"/>
-              </a:solidFill>
-            </a:endParaRPr>
-          </a:p>
-        </p:txBody>
-      </p:sp>
-      <p:sp>
-        <p:nvSpPr>
-          <p:cNvPr id="18" name="文本框 17"/>
-          <p:cNvSpPr txBox="1"/>
-          <p:nvPr/>
-        </p:nvSpPr>
-        <p:spPr>
-          <a:xfrm>
-            <a:off x="912699" y="4393115"/>
-            <a:ext cx="1005596" cy="369332"/>
-          </a:xfrm>
-          <a:prstGeom prst="rect">
-            <a:avLst/>
-          </a:prstGeom>
-          <a:noFill/>
-        </p:spPr>
-        <p:txBody>
-          <a:bodyPr wrap="none" rtlCol="0">
-            <a:spAutoFit/>
-          </a:bodyPr>
-          <a:lstStyle/>
-          <a:p>
-            <a:r>
-              <a:rPr lang="en-US" dirty="0" smtClean="0">
-                <a:solidFill>
-                  <a:srgbClr val="FF0000"/>
-                </a:solidFill>
-              </a:rPr>
-              <a:t>Negative</a:t>
-            </a:r>
-            <a:endParaRPr lang="en-US" dirty="0">
-              <a:solidFill>
-                <a:srgbClr val="FF0000"/>
-              </a:solidFill>
-            </a:endParaRPr>
-          </a:p>
-        </p:txBody>
-      </p:sp>
-      <p:sp>
-        <p:nvSpPr>
-          <p:cNvPr id="19" name="文本框 18"/>
-          <p:cNvSpPr txBox="1"/>
-          <p:nvPr/>
-        </p:nvSpPr>
-        <p:spPr>
-          <a:xfrm>
-            <a:off x="5032225" y="2699288"/>
-            <a:ext cx="897233" cy="369332"/>
-          </a:xfrm>
-          <a:prstGeom prst="rect">
-            <a:avLst/>
-          </a:prstGeom>
-          <a:noFill/>
-        </p:spPr>
-        <p:txBody>
-          <a:bodyPr wrap="none" rtlCol="0">
-            <a:spAutoFit/>
-          </a:bodyPr>
-          <a:lstStyle/>
-          <a:p>
-            <a:r>
-              <a:rPr lang="en-US" dirty="0" smtClean="0">
-                <a:solidFill>
-                  <a:srgbClr val="FF0000"/>
-                </a:solidFill>
-              </a:rPr>
-              <a:t>Positive</a:t>
-            </a:r>
-            <a:endParaRPr lang="en-US" dirty="0">
-              <a:solidFill>
-                <a:srgbClr val="FF0000"/>
-              </a:solidFill>
-            </a:endParaRPr>
-          </a:p>
-        </p:txBody>
-      </p:sp>
-      <p:sp>
-        <p:nvSpPr>
-          <p:cNvPr id="20" name="文本框 19"/>
-          <p:cNvSpPr txBox="1"/>
-          <p:nvPr/>
-        </p:nvSpPr>
-        <p:spPr>
-          <a:xfrm>
-            <a:off x="8991747" y="2699288"/>
-            <a:ext cx="897233" cy="369332"/>
-          </a:xfrm>
-          <a:prstGeom prst="rect">
-            <a:avLst/>
-          </a:prstGeom>
-          <a:noFill/>
-        </p:spPr>
-        <p:txBody>
-          <a:bodyPr wrap="none" rtlCol="0">
-            <a:spAutoFit/>
-          </a:bodyPr>
-          <a:lstStyle/>
-          <a:p>
-            <a:r>
-              <a:rPr lang="en-US" dirty="0" smtClean="0">
-                <a:solidFill>
-                  <a:srgbClr val="FF0000"/>
-                </a:solidFill>
-              </a:rPr>
-              <a:t>Positive</a:t>
-            </a:r>
-            <a:endParaRPr lang="en-US" dirty="0">
-              <a:solidFill>
-                <a:srgbClr val="FF0000"/>
-              </a:solidFill>
-            </a:endParaRPr>
-          </a:p>
-        </p:txBody>
-      </p:sp>
-      <p:sp>
-        <p:nvSpPr>
-          <p:cNvPr id="21" name="文本框 20"/>
-          <p:cNvSpPr txBox="1"/>
-          <p:nvPr/>
-        </p:nvSpPr>
-        <p:spPr>
-          <a:xfrm>
-            <a:off x="8991748" y="5611821"/>
-            <a:ext cx="897233" cy="369332"/>
-          </a:xfrm>
-          <a:prstGeom prst="rect">
-            <a:avLst/>
-          </a:prstGeom>
-          <a:noFill/>
-        </p:spPr>
-        <p:txBody>
-          <a:bodyPr wrap="none" rtlCol="0">
-            <a:spAutoFit/>
-          </a:bodyPr>
-          <a:lstStyle/>
-          <a:p>
-            <a:r>
-              <a:rPr lang="en-US" dirty="0" smtClean="0">
-                <a:solidFill>
-                  <a:srgbClr val="FF0000"/>
-                </a:solidFill>
-              </a:rPr>
-              <a:t>Positive</a:t>
-            </a:r>
-            <a:endParaRPr lang="en-US" dirty="0">
-              <a:solidFill>
-                <a:srgbClr val="FF0000"/>
-              </a:solidFill>
-            </a:endParaRPr>
-          </a:p>
-        </p:txBody>
-      </p:sp>
-      <p:sp>
-        <p:nvSpPr>
-          <p:cNvPr id="22" name="文本框 21"/>
-          <p:cNvSpPr txBox="1"/>
-          <p:nvPr/>
-        </p:nvSpPr>
-        <p:spPr>
-          <a:xfrm>
-            <a:off x="4711818" y="5610369"/>
-            <a:ext cx="897233" cy="369332"/>
-          </a:xfrm>
-          <a:prstGeom prst="rect">
-            <a:avLst/>
-          </a:prstGeom>
-          <a:noFill/>
-        </p:spPr>
-        <p:txBody>
-          <a:bodyPr wrap="none" rtlCol="0">
-            <a:spAutoFit/>
-          </a:bodyPr>
-          <a:lstStyle/>
-          <a:p>
-            <a:r>
-              <a:rPr lang="en-US" dirty="0" smtClean="0">
-                <a:solidFill>
-                  <a:srgbClr val="FF0000"/>
-                </a:solidFill>
-              </a:rPr>
-              <a:t>Positive</a:t>
-            </a:r>
-            <a:endParaRPr lang="en-US" dirty="0">
-              <a:solidFill>
-                <a:srgbClr val="FF0000"/>
-              </a:solidFill>
-            </a:endParaRPr>
-          </a:p>
-        </p:txBody>
-      </p:sp>
-      <p:sp>
-        <p:nvSpPr>
-          <p:cNvPr id="23" name="文本框 22"/>
-          <p:cNvSpPr txBox="1"/>
-          <p:nvPr/>
-        </p:nvSpPr>
-        <p:spPr>
-          <a:xfrm>
-            <a:off x="887551" y="5610369"/>
-            <a:ext cx="897233" cy="369332"/>
-          </a:xfrm>
-          <a:prstGeom prst="rect">
-            <a:avLst/>
-          </a:prstGeom>
-          <a:noFill/>
-        </p:spPr>
-        <p:txBody>
-          <a:bodyPr wrap="none" rtlCol="0">
-            <a:spAutoFit/>
-          </a:bodyPr>
-          <a:lstStyle/>
-          <a:p>
-            <a:r>
-              <a:rPr lang="en-US" dirty="0" smtClean="0">
-                <a:solidFill>
-                  <a:srgbClr val="FF0000"/>
-                </a:solidFill>
-              </a:rPr>
-              <a:t>Positive</a:t>
-            </a:r>
-            <a:endParaRPr lang="en-US" dirty="0">
-              <a:solidFill>
-                <a:srgbClr val="FF0000"/>
-              </a:solidFill>
-            </a:endParaRPr>
-          </a:p>
-        </p:txBody>
-      </p:sp>
+          <a:p>
+            <a:pPr lvl="1"/>
+            <a:r>
+              <a:rPr lang="en-US" dirty="0" smtClean="0"/>
+              <a:t>Compare to </a:t>
+            </a:r>
+            <a:r>
+              <a:rPr lang="en-US" dirty="0" err="1" smtClean="0"/>
+              <a:t>Nytimes</a:t>
+            </a:r>
+            <a:r>
+              <a:rPr lang="en-US" dirty="0" smtClean="0"/>
+              <a:t>:</a:t>
+            </a:r>
+          </a:p>
+          <a:p>
+            <a:pPr lvl="2"/>
+            <a:r>
+              <a:rPr lang="en-US" dirty="0" smtClean="0"/>
+              <a:t>Hong Kong</a:t>
+            </a:r>
+          </a:p>
+          <a:p>
+            <a:pPr lvl="2"/>
+            <a:r>
+              <a:rPr lang="en-US" dirty="0" smtClean="0"/>
+              <a:t>Law</a:t>
+            </a:r>
+          </a:p>
+          <a:p>
+            <a:pPr lvl="2"/>
+            <a:r>
+              <a:rPr lang="en-US" dirty="0" smtClean="0"/>
+              <a:t>Development</a:t>
+            </a:r>
+          </a:p>
+          <a:p>
+            <a:pPr lvl="2"/>
+            <a:endParaRPr lang="en-US" dirty="0" smtClean="0"/>
+          </a:p>
+        </p:txBody>
+      </p:sp>
+      <p:graphicFrame>
+        <p:nvGraphicFramePr>
+          <p:cNvPr id="6" name="表格 5"/>
+          <p:cNvGraphicFramePr>
+            <a:graphicFrameLocks noGrp="1"/>
+          </p:cNvGraphicFramePr>
+          <p:nvPr>
+            <p:extLst>
+              <p:ext uri="{D42A27DB-BD31-4B8C-83A1-F6EECF244321}">
+                <p14:modId xmlns:p14="http://schemas.microsoft.com/office/powerpoint/2010/main" val="912817864"/>
+              </p:ext>
+            </p:extLst>
+          </p:nvPr>
+        </p:nvGraphicFramePr>
+        <p:xfrm>
+          <a:off x="6129866" y="-1"/>
+          <a:ext cx="6062134" cy="6103356"/>
+        </p:xfrm>
+        <a:graphic>
+          <a:graphicData uri="http://schemas.openxmlformats.org/drawingml/2006/table">
+            <a:tbl>
+              <a:tblPr>
+                <a:tableStyleId>{5C22544A-7EE6-4342-B048-85BDC9FD1C3A}</a:tableStyleId>
+              </a:tblPr>
+              <a:tblGrid>
+                <a:gridCol w="3039237">
+                  <a:extLst>
+                    <a:ext uri="{9D8B030D-6E8A-4147-A177-3AD203B41FA5}">
+                      <a16:colId xmlns:a16="http://schemas.microsoft.com/office/drawing/2014/main" xmlns="" val="2940720532"/>
+                    </a:ext>
+                  </a:extLst>
+                </a:gridCol>
+                <a:gridCol w="3022897">
+                  <a:extLst>
+                    <a:ext uri="{9D8B030D-6E8A-4147-A177-3AD203B41FA5}">
+                      <a16:colId xmlns:a16="http://schemas.microsoft.com/office/drawing/2014/main" xmlns="" val="2449213753"/>
+                    </a:ext>
+                  </a:extLst>
+                </a:gridCol>
+              </a:tblGrid>
+              <a:tr h="304204">
+                <a:tc>
+                  <a:txBody>
+                    <a:bodyPr/>
+                    <a:lstStyle/>
+                    <a:p>
+                      <a:pPr algn="l" fontAlgn="b"/>
+                      <a:r>
+                        <a:rPr lang="en-US" sz="1400" u="none" strike="noStrike" dirty="0" err="1">
+                          <a:effectLst/>
+                        </a:rPr>
+                        <a:t>Nytimes</a:t>
+                      </a:r>
+                      <a:endParaRPr lang="en-US" sz="1400" b="0" i="0" u="none" strike="noStrike" dirty="0">
+                        <a:solidFill>
+                          <a:srgbClr val="000000"/>
+                        </a:solidFill>
+                        <a:effectLst/>
+                        <a:latin typeface="Calibri" panose="020F0502020204030204" pitchFamily="34" charset="0"/>
+                      </a:endParaRPr>
+                    </a:p>
+                  </a:txBody>
+                  <a:tcPr marL="6724" marR="6724" marT="6724" marB="0" anchor="b"/>
+                </a:tc>
+                <a:tc>
+                  <a:txBody>
+                    <a:bodyPr/>
+                    <a:lstStyle/>
+                    <a:p>
+                      <a:pPr algn="l" fontAlgn="b"/>
+                      <a:r>
+                        <a:rPr lang="en-US" sz="1400" u="none" strike="noStrike">
+                          <a:effectLst/>
+                        </a:rPr>
+                        <a:t>China Daily</a:t>
+                      </a:r>
+                      <a:endParaRPr lang="en-US" sz="1400" b="0" i="0" u="none" strike="noStrike">
+                        <a:solidFill>
+                          <a:srgbClr val="000000"/>
+                        </a:solidFill>
+                        <a:effectLst/>
+                        <a:latin typeface="Calibri" panose="020F0502020204030204" pitchFamily="34" charset="0"/>
+                      </a:endParaRPr>
+                    </a:p>
+                  </a:txBody>
+                  <a:tcPr marL="6724" marR="6724" marT="6724" marB="0" anchor="b"/>
+                </a:tc>
+                <a:extLst>
+                  <a:ext uri="{0D108BD9-81ED-4DB2-BD59-A6C34878D82A}">
+                    <a16:rowId xmlns:a16="http://schemas.microsoft.com/office/drawing/2014/main" xmlns="" val="3722187719"/>
+                  </a:ext>
+                </a:extLst>
+              </a:tr>
+              <a:tr h="304204">
+                <a:tc>
+                  <a:txBody>
+                    <a:bodyPr/>
+                    <a:lstStyle/>
+                    <a:p>
+                      <a:pPr algn="l" fontAlgn="ctr"/>
+                      <a:r>
+                        <a:rPr lang="en-US" sz="1400" u="none" strike="noStrike" dirty="0" smtClean="0">
+                          <a:effectLst/>
+                        </a:rPr>
+                        <a:t>        Word</a:t>
+                      </a:r>
+                      <a:r>
+                        <a:rPr lang="en-US" sz="1400" u="none" strike="noStrike" dirty="0">
+                          <a:effectLst/>
+                        </a:rPr>
+                        <a:t>: said, TF-IDF: 0.05228</a:t>
+                      </a:r>
+                      <a:endParaRPr lang="en-US" sz="1400" b="0" i="0" u="none" strike="noStrike" dirty="0">
+                        <a:solidFill>
+                          <a:srgbClr val="000000"/>
+                        </a:solidFill>
+                        <a:effectLst/>
+                        <a:latin typeface="Arial Unicode MS" panose="020B0604020202020204" pitchFamily="34" charset="-122"/>
+                        <a:ea typeface="Arial Unicode MS" panose="020B0604020202020204" pitchFamily="34" charset="-122"/>
+                      </a:endParaRPr>
+                    </a:p>
+                  </a:txBody>
+                  <a:tcPr marL="6724" marR="6724" marT="6724" marB="0" anchor="ctr"/>
+                </a:tc>
+                <a:tc>
+                  <a:txBody>
+                    <a:bodyPr/>
+                    <a:lstStyle/>
+                    <a:p>
+                      <a:pPr algn="l" fontAlgn="ctr"/>
+                      <a:r>
+                        <a:rPr lang="en-US" sz="1400" u="none" strike="noStrike">
+                          <a:effectLst/>
+                        </a:rPr>
+                        <a:t>        Word: Hong, TF-IDF: 0.05461</a:t>
+                      </a:r>
+                      <a:endParaRPr lang="en-US" sz="1400" b="0" i="0" u="none" strike="noStrike">
+                        <a:solidFill>
+                          <a:srgbClr val="000000"/>
+                        </a:solidFill>
+                        <a:effectLst/>
+                        <a:latin typeface="Arial Unicode MS" panose="020B0604020202020204" pitchFamily="34" charset="-122"/>
+                        <a:ea typeface="Arial Unicode MS" panose="020B0604020202020204" pitchFamily="34" charset="-122"/>
+                      </a:endParaRPr>
+                    </a:p>
+                  </a:txBody>
+                  <a:tcPr marL="6724" marR="6724" marT="6724" marB="0" anchor="ctr"/>
+                </a:tc>
+                <a:extLst>
+                  <a:ext uri="{0D108BD9-81ED-4DB2-BD59-A6C34878D82A}">
+                    <a16:rowId xmlns:a16="http://schemas.microsoft.com/office/drawing/2014/main" xmlns="" val="374209906"/>
+                  </a:ext>
+                </a:extLst>
+              </a:tr>
+              <a:tr h="304204">
+                <a:tc>
+                  <a:txBody>
+                    <a:bodyPr/>
+                    <a:lstStyle/>
+                    <a:p>
+                      <a:pPr algn="l" fontAlgn="ctr"/>
+                      <a:r>
+                        <a:rPr lang="en-US" sz="1400" u="none" strike="noStrike">
+                          <a:effectLst/>
+                        </a:rPr>
+                        <a:t>        Word: Mr, TF-IDF: 0.04713</a:t>
+                      </a:r>
+                      <a:endParaRPr lang="en-US" sz="1400" b="0" i="0" u="none" strike="noStrike">
+                        <a:solidFill>
+                          <a:srgbClr val="000000"/>
+                        </a:solidFill>
+                        <a:effectLst/>
+                        <a:latin typeface="Arial Unicode MS" panose="020B0604020202020204" pitchFamily="34" charset="-122"/>
+                        <a:ea typeface="Arial Unicode MS" panose="020B0604020202020204" pitchFamily="34" charset="-122"/>
+                      </a:endParaRPr>
+                    </a:p>
+                  </a:txBody>
+                  <a:tcPr marL="6724" marR="6724" marT="6724" marB="0" anchor="ctr"/>
+                </a:tc>
+                <a:tc>
+                  <a:txBody>
+                    <a:bodyPr/>
+                    <a:lstStyle/>
+                    <a:p>
+                      <a:pPr algn="l" fontAlgn="ctr"/>
+                      <a:r>
+                        <a:rPr lang="en-US" sz="1400" u="none" strike="noStrike">
+                          <a:effectLst/>
+                        </a:rPr>
+                        <a:t>        Word: Kong, TF-IDF: 0.05449</a:t>
+                      </a:r>
+                      <a:endParaRPr lang="en-US" sz="1400" b="0" i="0" u="none" strike="noStrike">
+                        <a:solidFill>
+                          <a:srgbClr val="000000"/>
+                        </a:solidFill>
+                        <a:effectLst/>
+                        <a:latin typeface="Arial Unicode MS" panose="020B0604020202020204" pitchFamily="34" charset="-122"/>
+                        <a:ea typeface="Arial Unicode MS" panose="020B0604020202020204" pitchFamily="34" charset="-122"/>
+                      </a:endParaRPr>
+                    </a:p>
+                  </a:txBody>
+                  <a:tcPr marL="6724" marR="6724" marT="6724" marB="0" anchor="ctr"/>
+                </a:tc>
+                <a:extLst>
+                  <a:ext uri="{0D108BD9-81ED-4DB2-BD59-A6C34878D82A}">
+                    <a16:rowId xmlns:a16="http://schemas.microsoft.com/office/drawing/2014/main" xmlns="" val="44201973"/>
+                  </a:ext>
+                </a:extLst>
+              </a:tr>
+              <a:tr h="304204">
+                <a:tc>
+                  <a:txBody>
+                    <a:bodyPr/>
+                    <a:lstStyle/>
+                    <a:p>
+                      <a:pPr algn="l" fontAlgn="ctr"/>
+                      <a:r>
+                        <a:rPr lang="en-US" sz="1400" u="none" strike="noStrike">
+                          <a:effectLst/>
+                        </a:rPr>
+                        <a:t>        Word: would, TF-IDF: 0.01861</a:t>
+                      </a:r>
+                      <a:endParaRPr lang="en-US" sz="1400" b="0" i="0" u="none" strike="noStrike">
+                        <a:solidFill>
+                          <a:srgbClr val="000000"/>
+                        </a:solidFill>
+                        <a:effectLst/>
+                        <a:latin typeface="Arial Unicode MS" panose="020B0604020202020204" pitchFamily="34" charset="-122"/>
+                        <a:ea typeface="Arial Unicode MS" panose="020B0604020202020204" pitchFamily="34" charset="-122"/>
+                      </a:endParaRPr>
+                    </a:p>
+                  </a:txBody>
+                  <a:tcPr marL="6724" marR="6724" marT="6724" marB="0" anchor="ctr"/>
+                </a:tc>
+                <a:tc>
+                  <a:txBody>
+                    <a:bodyPr/>
+                    <a:lstStyle/>
+                    <a:p>
+                      <a:pPr algn="l" fontAlgn="ctr"/>
+                      <a:r>
+                        <a:rPr lang="en-US" sz="1400" u="none" strike="noStrike">
+                          <a:effectLst/>
+                        </a:rPr>
+                        <a:t>        Word: China, TF-IDF: 0.03968</a:t>
+                      </a:r>
+                      <a:endParaRPr lang="en-US" sz="1400" b="0" i="0" u="none" strike="noStrike">
+                        <a:solidFill>
+                          <a:srgbClr val="000000"/>
+                        </a:solidFill>
+                        <a:effectLst/>
+                        <a:latin typeface="Arial Unicode MS" panose="020B0604020202020204" pitchFamily="34" charset="-122"/>
+                        <a:ea typeface="Arial Unicode MS" panose="020B0604020202020204" pitchFamily="34" charset="-122"/>
+                      </a:endParaRPr>
+                    </a:p>
+                  </a:txBody>
+                  <a:tcPr marL="6724" marR="6724" marT="6724" marB="0" anchor="ctr"/>
+                </a:tc>
+                <a:extLst>
+                  <a:ext uri="{0D108BD9-81ED-4DB2-BD59-A6C34878D82A}">
+                    <a16:rowId xmlns:a16="http://schemas.microsoft.com/office/drawing/2014/main" xmlns="" val="483590203"/>
+                  </a:ext>
+                </a:extLst>
+              </a:tr>
+              <a:tr h="304204">
+                <a:tc>
+                  <a:txBody>
+                    <a:bodyPr/>
+                    <a:lstStyle/>
+                    <a:p>
+                      <a:pPr algn="l" fontAlgn="ctr"/>
+                      <a:r>
+                        <a:rPr lang="en-US" sz="1400" u="none" strike="noStrike" dirty="0">
+                          <a:effectLst/>
+                        </a:rPr>
+                        <a:t>        Word: government, TF-IDF: 0.01696</a:t>
+                      </a:r>
+                      <a:endParaRPr lang="en-US" sz="1400" b="0" i="0" u="none" strike="noStrike" dirty="0">
+                        <a:solidFill>
+                          <a:srgbClr val="000000"/>
+                        </a:solidFill>
+                        <a:effectLst/>
+                        <a:latin typeface="Arial Unicode MS" panose="020B0604020202020204" pitchFamily="34" charset="-122"/>
+                        <a:ea typeface="Arial Unicode MS" panose="020B0604020202020204" pitchFamily="34" charset="-122"/>
+                      </a:endParaRPr>
+                    </a:p>
+                  </a:txBody>
+                  <a:tcPr marL="6724" marR="6724" marT="6724" marB="0" anchor="ctr"/>
+                </a:tc>
+                <a:tc>
+                  <a:txBody>
+                    <a:bodyPr/>
+                    <a:lstStyle/>
+                    <a:p>
+                      <a:pPr algn="l" fontAlgn="ctr"/>
+                      <a:r>
+                        <a:rPr lang="en-US" sz="1400" u="none" strike="noStrike" dirty="0">
+                          <a:effectLst/>
+                        </a:rPr>
+                        <a:t>        Word: people, TF-IDF: 0.03291</a:t>
+                      </a:r>
+                      <a:endParaRPr lang="en-US" sz="1400" b="0" i="0" u="none" strike="noStrike" dirty="0">
+                        <a:solidFill>
+                          <a:srgbClr val="000000"/>
+                        </a:solidFill>
+                        <a:effectLst/>
+                        <a:latin typeface="Arial Unicode MS" panose="020B0604020202020204" pitchFamily="34" charset="-122"/>
+                        <a:ea typeface="Arial Unicode MS" panose="020B0604020202020204" pitchFamily="34" charset="-122"/>
+                      </a:endParaRPr>
+                    </a:p>
+                  </a:txBody>
+                  <a:tcPr marL="6724" marR="6724" marT="6724" marB="0" anchor="ctr"/>
+                </a:tc>
+                <a:extLst>
+                  <a:ext uri="{0D108BD9-81ED-4DB2-BD59-A6C34878D82A}">
+                    <a16:rowId xmlns:a16="http://schemas.microsoft.com/office/drawing/2014/main" xmlns="" val="4239053653"/>
+                  </a:ext>
+                </a:extLst>
+              </a:tr>
+              <a:tr h="304204">
+                <a:tc>
+                  <a:txBody>
+                    <a:bodyPr/>
+                    <a:lstStyle/>
+                    <a:p>
+                      <a:pPr algn="l" fontAlgn="ctr"/>
+                      <a:r>
+                        <a:rPr lang="en-US" sz="1400" u="none" strike="noStrike">
+                          <a:effectLst/>
+                        </a:rPr>
+                        <a:t>        Word: one, TF-IDF: 0.01513</a:t>
+                      </a:r>
+                      <a:endParaRPr lang="en-US" sz="1400" b="0" i="0" u="none" strike="noStrike">
+                        <a:solidFill>
+                          <a:srgbClr val="000000"/>
+                        </a:solidFill>
+                        <a:effectLst/>
+                        <a:latin typeface="Arial Unicode MS" panose="020B0604020202020204" pitchFamily="34" charset="-122"/>
+                        <a:ea typeface="Arial Unicode MS" panose="020B0604020202020204" pitchFamily="34" charset="-122"/>
+                      </a:endParaRPr>
+                    </a:p>
+                  </a:txBody>
+                  <a:tcPr marL="6724" marR="6724" marT="6724" marB="0" anchor="ctr"/>
+                </a:tc>
+                <a:tc>
+                  <a:txBody>
+                    <a:bodyPr/>
+                    <a:lstStyle/>
+                    <a:p>
+                      <a:pPr algn="l" fontAlgn="ctr"/>
+                      <a:r>
+                        <a:rPr lang="en-US" sz="1400" u="none" strike="noStrike" dirty="0">
+                          <a:effectLst/>
+                        </a:rPr>
+                        <a:t>        Word: government, TF-IDF: 0.0269</a:t>
+                      </a:r>
+                      <a:endParaRPr lang="en-US" sz="1400" b="0" i="0" u="none" strike="noStrike" dirty="0">
+                        <a:solidFill>
+                          <a:srgbClr val="000000"/>
+                        </a:solidFill>
+                        <a:effectLst/>
+                        <a:latin typeface="Arial Unicode MS" panose="020B0604020202020204" pitchFamily="34" charset="-122"/>
+                        <a:ea typeface="Arial Unicode MS" panose="020B0604020202020204" pitchFamily="34" charset="-122"/>
+                      </a:endParaRPr>
+                    </a:p>
+                  </a:txBody>
+                  <a:tcPr marL="6724" marR="6724" marT="6724" marB="0" anchor="ctr"/>
+                </a:tc>
+                <a:extLst>
+                  <a:ext uri="{0D108BD9-81ED-4DB2-BD59-A6C34878D82A}">
+                    <a16:rowId xmlns:a16="http://schemas.microsoft.com/office/drawing/2014/main" xmlns="" val="2163912432"/>
+                  </a:ext>
+                </a:extLst>
+              </a:tr>
+              <a:tr h="304204">
+                <a:tc>
+                  <a:txBody>
+                    <a:bodyPr/>
+                    <a:lstStyle/>
+                    <a:p>
+                      <a:pPr algn="l" fontAlgn="ctr"/>
+                      <a:r>
+                        <a:rPr lang="en-US" sz="1400" u="none" strike="noStrike">
+                          <a:effectLst/>
+                        </a:rPr>
+                        <a:t>        Word: new, TF-IDF: 0.01454</a:t>
+                      </a:r>
+                      <a:endParaRPr lang="en-US" sz="1400" b="0" i="0" u="none" strike="noStrike">
+                        <a:solidFill>
+                          <a:srgbClr val="000000"/>
+                        </a:solidFill>
+                        <a:effectLst/>
+                        <a:latin typeface="Arial Unicode MS" panose="020B0604020202020204" pitchFamily="34" charset="-122"/>
+                        <a:ea typeface="Arial Unicode MS" panose="020B0604020202020204" pitchFamily="34" charset="-122"/>
+                      </a:endParaRPr>
+                    </a:p>
+                  </a:txBody>
+                  <a:tcPr marL="6724" marR="6724" marT="6724" marB="0" anchor="ctr"/>
+                </a:tc>
+                <a:tc>
+                  <a:txBody>
+                    <a:bodyPr/>
+                    <a:lstStyle/>
+                    <a:p>
+                      <a:pPr algn="l" fontAlgn="ctr"/>
+                      <a:r>
+                        <a:rPr lang="en-US" sz="1400" u="none" strike="noStrike">
+                          <a:effectLst/>
+                        </a:rPr>
+                        <a:t>        Word: democracy, TF-IDF: 0.02181</a:t>
+                      </a:r>
+                      <a:endParaRPr lang="en-US" sz="1400" b="0" i="0" u="none" strike="noStrike">
+                        <a:solidFill>
+                          <a:srgbClr val="000000"/>
+                        </a:solidFill>
+                        <a:effectLst/>
+                        <a:latin typeface="Arial Unicode MS" panose="020B0604020202020204" pitchFamily="34" charset="-122"/>
+                        <a:ea typeface="Arial Unicode MS" panose="020B0604020202020204" pitchFamily="34" charset="-122"/>
+                      </a:endParaRPr>
+                    </a:p>
+                  </a:txBody>
+                  <a:tcPr marL="6724" marR="6724" marT="6724" marB="0" anchor="ctr"/>
+                </a:tc>
+                <a:extLst>
+                  <a:ext uri="{0D108BD9-81ED-4DB2-BD59-A6C34878D82A}">
+                    <a16:rowId xmlns:a16="http://schemas.microsoft.com/office/drawing/2014/main" xmlns="" val="2870363851"/>
+                  </a:ext>
+                </a:extLst>
+              </a:tr>
+              <a:tr h="304204">
+                <a:tc>
+                  <a:txBody>
+                    <a:bodyPr/>
+                    <a:lstStyle/>
+                    <a:p>
+                      <a:pPr algn="l" fontAlgn="ctr"/>
+                      <a:r>
+                        <a:rPr lang="en-US" sz="1400" u="none" strike="noStrike">
+                          <a:effectLst/>
+                        </a:rPr>
+                        <a:t>        Word: people, TF-IDF: 0.01351</a:t>
+                      </a:r>
+                      <a:endParaRPr lang="en-US" sz="1400" b="0" i="0" u="none" strike="noStrike">
+                        <a:solidFill>
+                          <a:srgbClr val="000000"/>
+                        </a:solidFill>
+                        <a:effectLst/>
+                        <a:latin typeface="Arial Unicode MS" panose="020B0604020202020204" pitchFamily="34" charset="-122"/>
+                        <a:ea typeface="Arial Unicode MS" panose="020B0604020202020204" pitchFamily="34" charset="-122"/>
+                      </a:endParaRPr>
+                    </a:p>
+                  </a:txBody>
+                  <a:tcPr marL="6724" marR="6724" marT="6724" marB="0" anchor="ctr"/>
+                </a:tc>
+                <a:tc>
+                  <a:txBody>
+                    <a:bodyPr/>
+                    <a:lstStyle/>
+                    <a:p>
+                      <a:pPr algn="l" fontAlgn="ctr"/>
+                      <a:r>
+                        <a:rPr lang="en-US" sz="1400" u="none" strike="noStrike">
+                          <a:effectLst/>
+                        </a:rPr>
+                        <a:t>        Word: political, TF-IDF: 0.02177</a:t>
+                      </a:r>
+                      <a:endParaRPr lang="en-US" sz="1400" b="0" i="0" u="none" strike="noStrike">
+                        <a:solidFill>
+                          <a:srgbClr val="000000"/>
+                        </a:solidFill>
+                        <a:effectLst/>
+                        <a:latin typeface="Arial Unicode MS" panose="020B0604020202020204" pitchFamily="34" charset="-122"/>
+                        <a:ea typeface="Arial Unicode MS" panose="020B0604020202020204" pitchFamily="34" charset="-122"/>
+                      </a:endParaRPr>
+                    </a:p>
+                  </a:txBody>
+                  <a:tcPr marL="6724" marR="6724" marT="6724" marB="0" anchor="ctr"/>
+                </a:tc>
+                <a:extLst>
+                  <a:ext uri="{0D108BD9-81ED-4DB2-BD59-A6C34878D82A}">
+                    <a16:rowId xmlns:a16="http://schemas.microsoft.com/office/drawing/2014/main" xmlns="" val="2020188008"/>
+                  </a:ext>
+                </a:extLst>
+              </a:tr>
+              <a:tr h="304204">
+                <a:tc>
+                  <a:txBody>
+                    <a:bodyPr/>
+                    <a:lstStyle/>
+                    <a:p>
+                      <a:pPr algn="l" fontAlgn="ctr"/>
+                      <a:r>
+                        <a:rPr lang="en-US" sz="1400" u="none" strike="noStrike" dirty="0">
+                          <a:effectLst/>
+                        </a:rPr>
+                        <a:t>        Word: political, TF-IDF: 0.0123</a:t>
+                      </a:r>
+                      <a:endParaRPr lang="en-US" sz="1400" b="0" i="0" u="none" strike="noStrike" dirty="0">
+                        <a:solidFill>
+                          <a:srgbClr val="000000"/>
+                        </a:solidFill>
+                        <a:effectLst/>
+                        <a:latin typeface="Arial Unicode MS" panose="020B0604020202020204" pitchFamily="34" charset="-122"/>
+                        <a:ea typeface="Arial Unicode MS" panose="020B0604020202020204" pitchFamily="34" charset="-122"/>
+                      </a:endParaRPr>
+                    </a:p>
+                  </a:txBody>
+                  <a:tcPr marL="6724" marR="6724" marT="6724" marB="0" anchor="ctr"/>
+                </a:tc>
+                <a:tc>
+                  <a:txBody>
+                    <a:bodyPr/>
+                    <a:lstStyle/>
+                    <a:p>
+                      <a:pPr algn="l" fontAlgn="ctr"/>
+                      <a:r>
+                        <a:rPr lang="en-US" sz="1400" u="none" strike="noStrike">
+                          <a:effectLst/>
+                        </a:rPr>
+                        <a:t>        Word: said, TF-IDF: 0.02007</a:t>
+                      </a:r>
+                      <a:endParaRPr lang="en-US" sz="1400" b="0" i="0" u="none" strike="noStrike">
+                        <a:solidFill>
+                          <a:srgbClr val="000000"/>
+                        </a:solidFill>
+                        <a:effectLst/>
+                        <a:latin typeface="Arial Unicode MS" panose="020B0604020202020204" pitchFamily="34" charset="-122"/>
+                        <a:ea typeface="Arial Unicode MS" panose="020B0604020202020204" pitchFamily="34" charset="-122"/>
+                      </a:endParaRPr>
+                    </a:p>
+                  </a:txBody>
+                  <a:tcPr marL="6724" marR="6724" marT="6724" marB="0" anchor="ctr"/>
+                </a:tc>
+                <a:extLst>
+                  <a:ext uri="{0D108BD9-81ED-4DB2-BD59-A6C34878D82A}">
+                    <a16:rowId xmlns:a16="http://schemas.microsoft.com/office/drawing/2014/main" xmlns="" val="1018921564"/>
+                  </a:ext>
+                </a:extLst>
+              </a:tr>
+              <a:tr h="304204">
+                <a:tc>
+                  <a:txBody>
+                    <a:bodyPr/>
+                    <a:lstStyle/>
+                    <a:p>
+                      <a:pPr algn="l" fontAlgn="ctr"/>
+                      <a:r>
+                        <a:rPr lang="en-US" sz="1400" u="none" strike="noStrike">
+                          <a:effectLst/>
+                        </a:rPr>
+                        <a:t>        Word: also, TF-IDF: 0.01142</a:t>
+                      </a:r>
+                      <a:endParaRPr lang="en-US" sz="1400" b="0" i="0" u="none" strike="noStrike">
+                        <a:solidFill>
+                          <a:srgbClr val="000000"/>
+                        </a:solidFill>
+                        <a:effectLst/>
+                        <a:latin typeface="Arial Unicode MS" panose="020B0604020202020204" pitchFamily="34" charset="-122"/>
+                        <a:ea typeface="Arial Unicode MS" panose="020B0604020202020204" pitchFamily="34" charset="-122"/>
+                      </a:endParaRPr>
+                    </a:p>
+                  </a:txBody>
+                  <a:tcPr marL="6724" marR="6724" marT="6724" marB="0" anchor="ctr"/>
+                </a:tc>
+                <a:tc>
+                  <a:txBody>
+                    <a:bodyPr/>
+                    <a:lstStyle/>
+                    <a:p>
+                      <a:pPr algn="l" fontAlgn="ctr"/>
+                      <a:r>
+                        <a:rPr lang="en-US" sz="1400" u="none" strike="noStrike" dirty="0">
+                          <a:effectLst/>
+                        </a:rPr>
+                        <a:t>        Word: </a:t>
+                      </a:r>
+                      <a:r>
+                        <a:rPr lang="en-US" sz="1400" i="0" u="none" strike="noStrike" dirty="0">
+                          <a:effectLst/>
+                        </a:rPr>
+                        <a:t>law, TF-IDF: 0.01847</a:t>
+                      </a:r>
+                      <a:endParaRPr lang="en-US" sz="1400" b="0" i="0" u="none" strike="noStrike" dirty="0">
+                        <a:solidFill>
+                          <a:srgbClr val="000000"/>
+                        </a:solidFill>
+                        <a:effectLst/>
+                        <a:latin typeface="Arial Unicode MS" panose="020B0604020202020204" pitchFamily="34" charset="-122"/>
+                        <a:ea typeface="Arial Unicode MS" panose="020B0604020202020204" pitchFamily="34" charset="-122"/>
+                      </a:endParaRPr>
+                    </a:p>
+                  </a:txBody>
+                  <a:tcPr marL="6724" marR="6724" marT="6724" marB="0" anchor="ctr"/>
+                </a:tc>
+                <a:extLst>
+                  <a:ext uri="{0D108BD9-81ED-4DB2-BD59-A6C34878D82A}">
+                    <a16:rowId xmlns:a16="http://schemas.microsoft.com/office/drawing/2014/main" xmlns="" val="2655490827"/>
+                  </a:ext>
+                </a:extLst>
+              </a:tr>
+              <a:tr h="304204">
+                <a:tc>
+                  <a:txBody>
+                    <a:bodyPr/>
+                    <a:lstStyle/>
+                    <a:p>
+                      <a:pPr algn="l" fontAlgn="ctr"/>
+                      <a:r>
+                        <a:rPr lang="en-US" sz="1400" u="none" strike="noStrike">
+                          <a:effectLst/>
+                        </a:rPr>
+                        <a:t>        Word: president, TF-IDF: 0.01104</a:t>
+                      </a:r>
+                      <a:endParaRPr lang="en-US" sz="1400" b="0" i="0" u="none" strike="noStrike">
+                        <a:solidFill>
+                          <a:srgbClr val="000000"/>
+                        </a:solidFill>
+                        <a:effectLst/>
+                        <a:latin typeface="Arial Unicode MS" panose="020B0604020202020204" pitchFamily="34" charset="-122"/>
+                        <a:ea typeface="Arial Unicode MS" panose="020B0604020202020204" pitchFamily="34" charset="-122"/>
+                      </a:endParaRPr>
+                    </a:p>
+                  </a:txBody>
+                  <a:tcPr marL="6724" marR="6724" marT="6724" marB="0" anchor="ctr"/>
+                </a:tc>
+                <a:tc>
+                  <a:txBody>
+                    <a:bodyPr/>
+                    <a:lstStyle/>
+                    <a:p>
+                      <a:pPr algn="l" fontAlgn="ctr"/>
+                      <a:r>
+                        <a:rPr lang="en-US" sz="1400" u="none" strike="noStrike" dirty="0">
+                          <a:effectLst/>
+                        </a:rPr>
+                        <a:t>        Word: US, TF-IDF: 0.01815</a:t>
+                      </a:r>
+                      <a:endParaRPr lang="en-US" sz="1400" b="0" i="0" u="none" strike="noStrike" dirty="0">
+                        <a:solidFill>
+                          <a:srgbClr val="000000"/>
+                        </a:solidFill>
+                        <a:effectLst/>
+                        <a:latin typeface="Arial Unicode MS" panose="020B0604020202020204" pitchFamily="34" charset="-122"/>
+                        <a:ea typeface="Arial Unicode MS" panose="020B0604020202020204" pitchFamily="34" charset="-122"/>
+                      </a:endParaRPr>
+                    </a:p>
+                  </a:txBody>
+                  <a:tcPr marL="6724" marR="6724" marT="6724" marB="0" anchor="ctr"/>
+                </a:tc>
+                <a:extLst>
+                  <a:ext uri="{0D108BD9-81ED-4DB2-BD59-A6C34878D82A}">
+                    <a16:rowId xmlns:a16="http://schemas.microsoft.com/office/drawing/2014/main" xmlns="" val="2956313139"/>
+                  </a:ext>
+                </a:extLst>
+              </a:tr>
+              <a:tr h="304204">
+                <a:tc>
+                  <a:txBody>
+                    <a:bodyPr/>
+                    <a:lstStyle/>
+                    <a:p>
+                      <a:pPr algn="l" fontAlgn="ctr"/>
+                      <a:r>
+                        <a:rPr lang="en-US" sz="1400" u="none" strike="noStrike">
+                          <a:effectLst/>
+                        </a:rPr>
+                        <a:t>        Word: like, TF-IDF: 0.01031</a:t>
+                      </a:r>
+                      <a:endParaRPr lang="en-US" sz="1400" b="0" i="0" u="none" strike="noStrike">
+                        <a:solidFill>
+                          <a:srgbClr val="000000"/>
+                        </a:solidFill>
+                        <a:effectLst/>
+                        <a:latin typeface="Arial Unicode MS" panose="020B0604020202020204" pitchFamily="34" charset="-122"/>
+                        <a:ea typeface="Arial Unicode MS" panose="020B0604020202020204" pitchFamily="34" charset="-122"/>
+                      </a:endParaRPr>
+                    </a:p>
+                  </a:txBody>
+                  <a:tcPr marL="6724" marR="6724" marT="6724" marB="0" anchor="ctr"/>
+                </a:tc>
+                <a:tc>
+                  <a:txBody>
+                    <a:bodyPr/>
+                    <a:lstStyle/>
+                    <a:p>
+                      <a:pPr algn="l" fontAlgn="ctr"/>
+                      <a:r>
+                        <a:rPr lang="en-US" sz="1400" u="none" strike="noStrike">
+                          <a:effectLst/>
+                        </a:rPr>
+                        <a:t>        Word: one, TF-IDF: 0.01793</a:t>
+                      </a:r>
+                      <a:endParaRPr lang="en-US" sz="1400" b="0" i="0" u="none" strike="noStrike">
+                        <a:solidFill>
+                          <a:srgbClr val="000000"/>
+                        </a:solidFill>
+                        <a:effectLst/>
+                        <a:latin typeface="Arial Unicode MS" panose="020B0604020202020204" pitchFamily="34" charset="-122"/>
+                        <a:ea typeface="Arial Unicode MS" panose="020B0604020202020204" pitchFamily="34" charset="-122"/>
+                      </a:endParaRPr>
+                    </a:p>
+                  </a:txBody>
+                  <a:tcPr marL="6724" marR="6724" marT="6724" marB="0" anchor="ctr"/>
+                </a:tc>
+                <a:extLst>
+                  <a:ext uri="{0D108BD9-81ED-4DB2-BD59-A6C34878D82A}">
+                    <a16:rowId xmlns:a16="http://schemas.microsoft.com/office/drawing/2014/main" xmlns="" val="1572460754"/>
+                  </a:ext>
+                </a:extLst>
+              </a:tr>
+              <a:tr h="304204">
+                <a:tc>
+                  <a:txBody>
+                    <a:bodyPr/>
+                    <a:lstStyle/>
+                    <a:p>
+                      <a:pPr algn="l" fontAlgn="ctr"/>
+                      <a:r>
+                        <a:rPr lang="en-US" sz="1400" u="none" strike="noStrike">
+                          <a:effectLst/>
+                        </a:rPr>
+                        <a:t>        Word: party, TF-IDF: 0.01016</a:t>
+                      </a:r>
+                      <a:endParaRPr lang="en-US" sz="1400" b="0" i="0" u="none" strike="noStrike">
+                        <a:solidFill>
+                          <a:srgbClr val="000000"/>
+                        </a:solidFill>
+                        <a:effectLst/>
+                        <a:latin typeface="Arial Unicode MS" panose="020B0604020202020204" pitchFamily="34" charset="-122"/>
+                        <a:ea typeface="Arial Unicode MS" panose="020B0604020202020204" pitchFamily="34" charset="-122"/>
+                      </a:endParaRPr>
+                    </a:p>
+                  </a:txBody>
+                  <a:tcPr marL="6724" marR="6724" marT="6724" marB="0" anchor="ctr"/>
+                </a:tc>
+                <a:tc>
+                  <a:txBody>
+                    <a:bodyPr/>
+                    <a:lstStyle/>
+                    <a:p>
+                      <a:pPr algn="l" fontAlgn="ctr"/>
+                      <a:r>
+                        <a:rPr lang="en-US" sz="1400" u="none" strike="noStrike">
+                          <a:effectLst/>
+                        </a:rPr>
+                        <a:t>        Word: Chinese, TF-IDF: 0.01759</a:t>
+                      </a:r>
+                      <a:endParaRPr lang="en-US" sz="1400" b="0" i="0" u="none" strike="noStrike">
+                        <a:solidFill>
+                          <a:srgbClr val="000000"/>
+                        </a:solidFill>
+                        <a:effectLst/>
+                        <a:latin typeface="Arial Unicode MS" panose="020B0604020202020204" pitchFamily="34" charset="-122"/>
+                        <a:ea typeface="Arial Unicode MS" panose="020B0604020202020204" pitchFamily="34" charset="-122"/>
+                      </a:endParaRPr>
+                    </a:p>
+                  </a:txBody>
+                  <a:tcPr marL="6724" marR="6724" marT="6724" marB="0" anchor="ctr"/>
+                </a:tc>
+                <a:extLst>
+                  <a:ext uri="{0D108BD9-81ED-4DB2-BD59-A6C34878D82A}">
+                    <a16:rowId xmlns:a16="http://schemas.microsoft.com/office/drawing/2014/main" xmlns="" val="1653839526"/>
+                  </a:ext>
+                </a:extLst>
+              </a:tr>
+              <a:tr h="304204">
+                <a:tc>
+                  <a:txBody>
+                    <a:bodyPr/>
+                    <a:lstStyle/>
+                    <a:p>
+                      <a:pPr algn="l" fontAlgn="ctr"/>
+                      <a:r>
+                        <a:rPr lang="en-US" sz="1400" u="none" strike="noStrike">
+                          <a:effectLst/>
+                        </a:rPr>
+                        <a:t>        Word: many, TF-IDF: 0.00969</a:t>
+                      </a:r>
+                      <a:endParaRPr lang="en-US" sz="1400" b="0" i="0" u="none" strike="noStrike">
+                        <a:solidFill>
+                          <a:srgbClr val="000000"/>
+                        </a:solidFill>
+                        <a:effectLst/>
+                        <a:latin typeface="Arial Unicode MS" panose="020B0604020202020204" pitchFamily="34" charset="-122"/>
+                        <a:ea typeface="Arial Unicode MS" panose="020B0604020202020204" pitchFamily="34" charset="-122"/>
+                      </a:endParaRPr>
+                    </a:p>
+                  </a:txBody>
+                  <a:tcPr marL="6724" marR="6724" marT="6724" marB="0" anchor="ctr"/>
+                </a:tc>
+                <a:tc>
+                  <a:txBody>
+                    <a:bodyPr/>
+                    <a:lstStyle/>
+                    <a:p>
+                      <a:pPr algn="l" fontAlgn="ctr"/>
+                      <a:r>
+                        <a:rPr lang="en-US" sz="1400" u="none" strike="noStrike">
+                          <a:effectLst/>
+                        </a:rPr>
+                        <a:t>        Word: central, TF-IDF: 0.01693</a:t>
+                      </a:r>
+                      <a:endParaRPr lang="en-US" sz="1400" b="0" i="0" u="none" strike="noStrike">
+                        <a:solidFill>
+                          <a:srgbClr val="000000"/>
+                        </a:solidFill>
+                        <a:effectLst/>
+                        <a:latin typeface="Arial Unicode MS" panose="020B0604020202020204" pitchFamily="34" charset="-122"/>
+                        <a:ea typeface="Arial Unicode MS" panose="020B0604020202020204" pitchFamily="34" charset="-122"/>
+                      </a:endParaRPr>
+                    </a:p>
+                  </a:txBody>
+                  <a:tcPr marL="6724" marR="6724" marT="6724" marB="0" anchor="ctr"/>
+                </a:tc>
+                <a:extLst>
+                  <a:ext uri="{0D108BD9-81ED-4DB2-BD59-A6C34878D82A}">
+                    <a16:rowId xmlns:a16="http://schemas.microsoft.com/office/drawing/2014/main" xmlns="" val="1929498311"/>
+                  </a:ext>
+                </a:extLst>
+              </a:tr>
+              <a:tr h="304204">
+                <a:tc>
+                  <a:txBody>
+                    <a:bodyPr/>
+                    <a:lstStyle/>
+                    <a:p>
+                      <a:pPr algn="l" fontAlgn="ctr"/>
+                      <a:r>
+                        <a:rPr lang="en-US" sz="1400" u="none" strike="noStrike">
+                          <a:effectLst/>
+                        </a:rPr>
+                        <a:t>        Word: last, TF-IDF: 0.00914</a:t>
+                      </a:r>
+                      <a:endParaRPr lang="en-US" sz="1400" b="0" i="0" u="none" strike="noStrike">
+                        <a:solidFill>
+                          <a:srgbClr val="000000"/>
+                        </a:solidFill>
+                        <a:effectLst/>
+                        <a:latin typeface="Arial Unicode MS" panose="020B0604020202020204" pitchFamily="34" charset="-122"/>
+                        <a:ea typeface="Arial Unicode MS" panose="020B0604020202020204" pitchFamily="34" charset="-122"/>
+                      </a:endParaRPr>
+                    </a:p>
+                  </a:txBody>
+                  <a:tcPr marL="6724" marR="6724" marT="6724" marB="0" anchor="ctr"/>
+                </a:tc>
+                <a:tc>
+                  <a:txBody>
+                    <a:bodyPr/>
+                    <a:lstStyle/>
+                    <a:p>
+                      <a:pPr algn="l" fontAlgn="ctr"/>
+                      <a:r>
+                        <a:rPr lang="en-US" sz="1400" u="none" strike="noStrike">
+                          <a:effectLst/>
+                        </a:rPr>
+                        <a:t>        Word: also, TF-IDF: 0.01591</a:t>
+                      </a:r>
+                      <a:endParaRPr lang="en-US" sz="1400" b="0" i="0" u="none" strike="noStrike">
+                        <a:solidFill>
+                          <a:srgbClr val="000000"/>
+                        </a:solidFill>
+                        <a:effectLst/>
+                        <a:latin typeface="Arial Unicode MS" panose="020B0604020202020204" pitchFamily="34" charset="-122"/>
+                        <a:ea typeface="Arial Unicode MS" panose="020B0604020202020204" pitchFamily="34" charset="-122"/>
+                      </a:endParaRPr>
+                    </a:p>
+                  </a:txBody>
+                  <a:tcPr marL="6724" marR="6724" marT="6724" marB="0" anchor="ctr"/>
+                </a:tc>
+                <a:extLst>
+                  <a:ext uri="{0D108BD9-81ED-4DB2-BD59-A6C34878D82A}">
+                    <a16:rowId xmlns:a16="http://schemas.microsoft.com/office/drawing/2014/main" xmlns="" val="2987603776"/>
+                  </a:ext>
+                </a:extLst>
+              </a:tr>
+              <a:tr h="304204">
+                <a:tc>
+                  <a:txBody>
+                    <a:bodyPr/>
+                    <a:lstStyle/>
+                    <a:p>
+                      <a:pPr algn="l" fontAlgn="ctr"/>
+                      <a:r>
+                        <a:rPr lang="en-US" sz="1400" u="none" strike="noStrike">
+                          <a:effectLst/>
+                        </a:rPr>
+                        <a:t>        Word: United, TF-IDF: 0.0091</a:t>
+                      </a:r>
+                      <a:endParaRPr lang="en-US" sz="1400" b="0" i="0" u="none" strike="noStrike">
+                        <a:solidFill>
+                          <a:srgbClr val="000000"/>
+                        </a:solidFill>
+                        <a:effectLst/>
+                        <a:latin typeface="Arial Unicode MS" panose="020B0604020202020204" pitchFamily="34" charset="-122"/>
+                        <a:ea typeface="Arial Unicode MS" panose="020B0604020202020204" pitchFamily="34" charset="-122"/>
+                      </a:endParaRPr>
+                    </a:p>
+                  </a:txBody>
+                  <a:tcPr marL="6724" marR="6724" marT="6724" marB="0" anchor="ctr"/>
+                </a:tc>
+                <a:tc>
+                  <a:txBody>
+                    <a:bodyPr/>
+                    <a:lstStyle/>
+                    <a:p>
+                      <a:pPr algn="l" fontAlgn="ctr"/>
+                      <a:r>
+                        <a:rPr lang="en-US" sz="1400" u="none" strike="noStrike">
+                          <a:effectLst/>
+                        </a:rPr>
+                        <a:t>        Word: would, TF-IDF: 0.0132</a:t>
+                      </a:r>
+                      <a:endParaRPr lang="en-US" sz="1400" b="0" i="0" u="none" strike="noStrike">
+                        <a:solidFill>
+                          <a:srgbClr val="000000"/>
+                        </a:solidFill>
+                        <a:effectLst/>
+                        <a:latin typeface="Arial Unicode MS" panose="020B0604020202020204" pitchFamily="34" charset="-122"/>
+                        <a:ea typeface="Arial Unicode MS" panose="020B0604020202020204" pitchFamily="34" charset="-122"/>
+                      </a:endParaRPr>
+                    </a:p>
+                  </a:txBody>
+                  <a:tcPr marL="6724" marR="6724" marT="6724" marB="0" anchor="ctr"/>
+                </a:tc>
+                <a:extLst>
+                  <a:ext uri="{0D108BD9-81ED-4DB2-BD59-A6C34878D82A}">
+                    <a16:rowId xmlns:a16="http://schemas.microsoft.com/office/drawing/2014/main" xmlns="" val="1312202284"/>
+                  </a:ext>
+                </a:extLst>
+              </a:tr>
+              <a:tr h="304204">
+                <a:tc>
+                  <a:txBody>
+                    <a:bodyPr/>
+                    <a:lstStyle/>
+                    <a:p>
+                      <a:pPr algn="l" fontAlgn="ctr"/>
+                      <a:r>
+                        <a:rPr lang="en-US" sz="1400" u="none" strike="noStrike">
+                          <a:effectLst/>
+                        </a:rPr>
+                        <a:t>        Word: years, TF-IDF: 0.00903</a:t>
+                      </a:r>
+                      <a:endParaRPr lang="en-US" sz="1400" b="0" i="0" u="none" strike="noStrike">
+                        <a:solidFill>
+                          <a:srgbClr val="000000"/>
+                        </a:solidFill>
+                        <a:effectLst/>
+                        <a:latin typeface="Arial Unicode MS" panose="020B0604020202020204" pitchFamily="34" charset="-122"/>
+                        <a:ea typeface="Arial Unicode MS" panose="020B0604020202020204" pitchFamily="34" charset="-122"/>
+                      </a:endParaRPr>
+                    </a:p>
+                  </a:txBody>
+                  <a:tcPr marL="6724" marR="6724" marT="6724" marB="0" anchor="ctr"/>
+                </a:tc>
+                <a:tc>
+                  <a:txBody>
+                    <a:bodyPr/>
+                    <a:lstStyle/>
+                    <a:p>
+                      <a:pPr algn="l" fontAlgn="ctr"/>
+                      <a:r>
+                        <a:rPr lang="en-US" sz="1400" u="none" strike="noStrike">
+                          <a:effectLst/>
+                        </a:rPr>
+                        <a:t>        Word: public, TF-IDF: 0.01278</a:t>
+                      </a:r>
+                      <a:endParaRPr lang="en-US" sz="1400" b="0" i="0" u="none" strike="noStrike">
+                        <a:solidFill>
+                          <a:srgbClr val="000000"/>
+                        </a:solidFill>
+                        <a:effectLst/>
+                        <a:latin typeface="Arial Unicode MS" panose="020B0604020202020204" pitchFamily="34" charset="-122"/>
+                        <a:ea typeface="Arial Unicode MS" panose="020B0604020202020204" pitchFamily="34" charset="-122"/>
+                      </a:endParaRPr>
+                    </a:p>
+                  </a:txBody>
+                  <a:tcPr marL="6724" marR="6724" marT="6724" marB="0" anchor="ctr"/>
+                </a:tc>
+                <a:extLst>
+                  <a:ext uri="{0D108BD9-81ED-4DB2-BD59-A6C34878D82A}">
+                    <a16:rowId xmlns:a16="http://schemas.microsoft.com/office/drawing/2014/main" xmlns="" val="3955454809"/>
+                  </a:ext>
+                </a:extLst>
+              </a:tr>
+              <a:tr h="304204">
+                <a:tc>
+                  <a:txBody>
+                    <a:bodyPr/>
+                    <a:lstStyle/>
+                    <a:p>
+                      <a:pPr algn="l" fontAlgn="ctr"/>
+                      <a:r>
+                        <a:rPr lang="en-US" sz="1400" u="none" strike="noStrike">
+                          <a:effectLst/>
+                        </a:rPr>
+                        <a:t>        Word: two, TF-IDF: 0.00893</a:t>
+                      </a:r>
+                      <a:endParaRPr lang="en-US" sz="1400" b="0" i="0" u="none" strike="noStrike">
+                        <a:solidFill>
+                          <a:srgbClr val="000000"/>
+                        </a:solidFill>
+                        <a:effectLst/>
+                        <a:latin typeface="Arial Unicode MS" panose="020B0604020202020204" pitchFamily="34" charset="-122"/>
+                        <a:ea typeface="Arial Unicode MS" panose="020B0604020202020204" pitchFamily="34" charset="-122"/>
+                      </a:endParaRPr>
+                    </a:p>
+                  </a:txBody>
+                  <a:tcPr marL="6724" marR="6724" marT="6724" marB="0" anchor="ctr"/>
+                </a:tc>
+                <a:tc>
+                  <a:txBody>
+                    <a:bodyPr/>
+                    <a:lstStyle/>
+                    <a:p>
+                      <a:pPr algn="l" fontAlgn="ctr"/>
+                      <a:r>
+                        <a:rPr lang="en-US" sz="1400" u="none" strike="noStrike">
+                          <a:effectLst/>
+                        </a:rPr>
+                        <a:t>        Word: country, TF-IDF: 0.01269</a:t>
+                      </a:r>
+                      <a:endParaRPr lang="en-US" sz="1400" b="0" i="0" u="none" strike="noStrike">
+                        <a:solidFill>
+                          <a:srgbClr val="000000"/>
+                        </a:solidFill>
+                        <a:effectLst/>
+                        <a:latin typeface="Arial Unicode MS" panose="020B0604020202020204" pitchFamily="34" charset="-122"/>
+                        <a:ea typeface="Arial Unicode MS" panose="020B0604020202020204" pitchFamily="34" charset="-122"/>
+                      </a:endParaRPr>
+                    </a:p>
+                  </a:txBody>
+                  <a:tcPr marL="6724" marR="6724" marT="6724" marB="0" anchor="ctr"/>
+                </a:tc>
+                <a:extLst>
+                  <a:ext uri="{0D108BD9-81ED-4DB2-BD59-A6C34878D82A}">
+                    <a16:rowId xmlns:a16="http://schemas.microsoft.com/office/drawing/2014/main" xmlns="" val="3731006770"/>
+                  </a:ext>
+                </a:extLst>
+              </a:tr>
+              <a:tr h="323480">
+                <a:tc>
+                  <a:txBody>
+                    <a:bodyPr/>
+                    <a:lstStyle/>
+                    <a:p>
+                      <a:pPr algn="l" fontAlgn="ctr"/>
+                      <a:r>
+                        <a:rPr lang="en-US" sz="1400" u="none" strike="noStrike">
+                          <a:effectLst/>
+                        </a:rPr>
+                        <a:t>        Word: state, TF-IDF: 0.00886</a:t>
+                      </a:r>
+                      <a:endParaRPr lang="en-US" sz="1400" b="0" i="0" u="none" strike="noStrike">
+                        <a:solidFill>
+                          <a:srgbClr val="000000"/>
+                        </a:solidFill>
+                        <a:effectLst/>
+                        <a:latin typeface="Arial Unicode MS" panose="020B0604020202020204" pitchFamily="34" charset="-122"/>
+                        <a:ea typeface="Arial Unicode MS" panose="020B0604020202020204" pitchFamily="34" charset="-122"/>
+                      </a:endParaRPr>
+                    </a:p>
+                  </a:txBody>
+                  <a:tcPr marL="6724" marR="6724" marT="6724" marB="0" anchor="ctr"/>
+                </a:tc>
+                <a:tc>
+                  <a:txBody>
+                    <a:bodyPr/>
+                    <a:lstStyle/>
+                    <a:p>
+                      <a:pPr algn="l" fontAlgn="ctr"/>
+                      <a:r>
+                        <a:rPr lang="en-US" sz="1400" u="none" strike="noStrike">
+                          <a:effectLst/>
+                        </a:rPr>
+                        <a:t>        Word: development, TF-IDF: 0.01244</a:t>
+                      </a:r>
+                      <a:endParaRPr lang="en-US" sz="1400" b="0" i="0" u="none" strike="noStrike">
+                        <a:solidFill>
+                          <a:srgbClr val="000000"/>
+                        </a:solidFill>
+                        <a:effectLst/>
+                        <a:latin typeface="Arial Unicode MS" panose="020B0604020202020204" pitchFamily="34" charset="-122"/>
+                        <a:ea typeface="Arial Unicode MS" panose="020B0604020202020204" pitchFamily="34" charset="-122"/>
+                      </a:endParaRPr>
+                    </a:p>
+                  </a:txBody>
+                  <a:tcPr marL="6724" marR="6724" marT="6724" marB="0" anchor="ctr"/>
+                </a:tc>
+                <a:extLst>
+                  <a:ext uri="{0D108BD9-81ED-4DB2-BD59-A6C34878D82A}">
+                    <a16:rowId xmlns:a16="http://schemas.microsoft.com/office/drawing/2014/main" xmlns="" val="1876045377"/>
+                  </a:ext>
+                </a:extLst>
+              </a:tr>
+              <a:tr h="304204">
+                <a:tc>
+                  <a:txBody>
+                    <a:bodyPr/>
+                    <a:lstStyle/>
+                    <a:p>
+                      <a:pPr algn="l" fontAlgn="ctr"/>
+                      <a:r>
+                        <a:rPr lang="en-US" sz="1400" u="none" strike="noStrike">
+                          <a:effectLst/>
+                        </a:rPr>
+                        <a:t>        Word: could, TF-IDF: 0.0085</a:t>
+                      </a:r>
+                      <a:endParaRPr lang="en-US" sz="1400" b="0" i="0" u="none" strike="noStrike">
+                        <a:solidFill>
+                          <a:srgbClr val="000000"/>
+                        </a:solidFill>
+                        <a:effectLst/>
+                        <a:latin typeface="Arial Unicode MS" panose="020B0604020202020204" pitchFamily="34" charset="-122"/>
+                        <a:ea typeface="Arial Unicode MS" panose="020B0604020202020204" pitchFamily="34" charset="-122"/>
+                      </a:endParaRPr>
+                    </a:p>
+                  </a:txBody>
+                  <a:tcPr marL="6724" marR="6724" marT="6724" marB="0" anchor="ctr"/>
+                </a:tc>
+                <a:tc>
+                  <a:txBody>
+                    <a:bodyPr/>
+                    <a:lstStyle/>
+                    <a:p>
+                      <a:pPr algn="l" fontAlgn="ctr"/>
+                      <a:r>
+                        <a:rPr lang="en-US" sz="1400" u="none" strike="noStrike" dirty="0">
+                          <a:effectLst/>
+                        </a:rPr>
+                        <a:t>        Word: two, TF-IDF: 0.01162</a:t>
+                      </a:r>
+                      <a:endParaRPr lang="en-US" sz="1400" b="0" i="0" u="none" strike="noStrike" dirty="0">
+                        <a:solidFill>
+                          <a:srgbClr val="000000"/>
+                        </a:solidFill>
+                        <a:effectLst/>
+                        <a:latin typeface="Arial Unicode MS" panose="020B0604020202020204" pitchFamily="34" charset="-122"/>
+                        <a:ea typeface="Arial Unicode MS" panose="020B0604020202020204" pitchFamily="34" charset="-122"/>
+                      </a:endParaRPr>
+                    </a:p>
+                  </a:txBody>
+                  <a:tcPr marL="6724" marR="6724" marT="6724" marB="0" anchor="ctr"/>
+                </a:tc>
+                <a:extLst>
+                  <a:ext uri="{0D108BD9-81ED-4DB2-BD59-A6C34878D82A}">
+                    <a16:rowId xmlns:a16="http://schemas.microsoft.com/office/drawing/2014/main" xmlns="" val="780883529"/>
+                  </a:ext>
+                </a:extLst>
+              </a:tr>
+            </a:tbl>
+          </a:graphicData>
+        </a:graphic>
+      </p:graphicFrame>
     </p:spTree>
     <p:extLst>
       <p:ext uri="{BB962C8B-B14F-4D97-AF65-F5344CB8AC3E}">
-        <p14:creationId xmlns:p14="http://schemas.microsoft.com/office/powerpoint/2010/main" val="3319357300"/>
+        <p14:creationId xmlns:p14="http://schemas.microsoft.com/office/powerpoint/2010/main" val="2755604398"/>
       </p:ext>
     </p:extLst>
   </p:cSld>
@@ -8726,6 +6438,29 @@
           <a:chExt cx="0" cy="0"/>
         </a:xfrm>
       </p:grpSpPr>
+      <p:pic>
+        <p:nvPicPr>
+          <p:cNvPr id="4" name="图片 3"/>
+          <p:cNvPicPr>
+            <a:picLocks noChangeAspect="1"/>
+          </p:cNvPicPr>
+          <p:nvPr/>
+        </p:nvPicPr>
+        <p:blipFill rotWithShape="1">
+          <a:blip r:embed="rId2"/>
+          <a:srcRect l="15251" t="48169" r="40109" b="13247"/>
+          <a:stretch/>
+        </p:blipFill>
+        <p:spPr>
+          <a:xfrm>
+            <a:off x="4856374" y="2931903"/>
+            <a:ext cx="6198480" cy="2855277"/>
+          </a:xfrm>
+          <a:prstGeom prst="rect">
+            <a:avLst/>
+          </a:prstGeom>
+        </p:spPr>
+      </p:pic>
       <p:sp>
         <p:nvSpPr>
           <p:cNvPr id="2" name="标题 1"/>
@@ -8743,7 +6478,7 @@
           <a:p>
             <a:r>
               <a:rPr lang="en-US" dirty="0" smtClean="0"/>
-              <a:t>Coverage ii-network </a:t>
+              <a:t>statement I-sentiment</a:t>
             </a:r>
             <a:endParaRPr lang="en-US" dirty="0"/>
           </a:p>
@@ -8766,68 +6501,43 @@
           <a:p>
             <a:r>
               <a:rPr lang="en-US" dirty="0" smtClean="0"/>
-              <a:t>Reveal how words are connected in sentences from c</a:t>
-            </a:r>
-          </a:p>
-          <a:p>
-            <a:pPr lvl="1"/>
+              <a:t>Training: Ideally should train with my Corpus; use </a:t>
+            </a:r>
+            <a:r>
+              <a:rPr lang="en-US" dirty="0" err="1" smtClean="0"/>
+              <a:t>movie_review</a:t>
+            </a:r>
             <a:r>
               <a:rPr lang="en-US" dirty="0" smtClean="0"/>
-              <a:t>Case Studies (</a:t>
-            </a:r>
-            <a:r>
-              <a:rPr lang="en-US" dirty="0" err="1" smtClean="0"/>
-              <a:t>e.g</a:t>
-            </a:r>
+              <a:t> corpus from NLTK</a:t>
+            </a:r>
+          </a:p>
+          <a:p>
             <a:r>
               <a:rPr lang="en-US" dirty="0" smtClean="0"/>
-              <a:t> Hong Kong protests)</a:t>
-            </a:r>
-          </a:p>
-          <a:p>
-            <a:pPr lvl="1"/>
+              <a:t>Naïve Bayes: P(sentiment)--P(words)</a:t>
+            </a:r>
+          </a:p>
+          <a:p>
             <a:r>
               <a:rPr lang="en-US" dirty="0" smtClean="0"/>
-              <a:t>Named Entity Recognition</a:t>
-            </a:r>
-          </a:p>
-          <a:p>
-            <a:pPr lvl="1"/>
+              <a:t>Accuracy: 80.9%</a:t>
+            </a:r>
+            <a:r>
+              <a:rPr lang="en-US" dirty="0"/>
+              <a:t> </a:t>
+            </a:r>
             <a:r>
               <a:rPr lang="en-US" dirty="0" smtClean="0"/>
-              <a:t>Noun phrases extraction</a:t>
-            </a:r>
-          </a:p>
-          <a:p>
-            <a:pPr lvl="1"/>
-            <a:r>
-              <a:rPr lang="en-US" dirty="0" err="1" smtClean="0"/>
-              <a:t>NetworkX</a:t>
-            </a:r>
-            <a:endParaRPr lang="en-US" dirty="0" smtClean="0"/>
-          </a:p>
-          <a:p>
-            <a:pPr lvl="1"/>
-            <a:r>
-              <a:rPr lang="en-US" dirty="0" smtClean="0"/>
-              <a:t>Centrality Score</a:t>
-            </a:r>
-          </a:p>
-          <a:p>
-            <a:r>
-              <a:rPr lang="en-US" dirty="0" smtClean="0"/>
-              <a:t>Computationally expensive!</a:t>
-            </a:r>
-          </a:p>
-          <a:p>
-            <a:endParaRPr lang="en-US" dirty="0"/>
+              <a:t>(out-of-sample)</a:t>
+            </a:r>
           </a:p>
         </p:txBody>
       </p:sp>
     </p:spTree>
     <p:extLst>
       <p:ext uri="{BB962C8B-B14F-4D97-AF65-F5344CB8AC3E}">
-        <p14:creationId xmlns:p14="http://schemas.microsoft.com/office/powerpoint/2010/main" val="1130356905"/>
+        <p14:creationId xmlns:p14="http://schemas.microsoft.com/office/powerpoint/2010/main" val="3109854048"/>
       </p:ext>
     </p:extLst>
   </p:cSld>
@@ -8869,93 +6579,760 @@
           <a:bodyPr/>
           <a:lstStyle/>
           <a:p>
-            <a:r>
-              <a:rPr lang="en-US" dirty="0" smtClean="0"/>
-              <a:t>Coverage ii-network</a:t>
-            </a:r>
             <a:endParaRPr lang="en-US" dirty="0"/>
-          </a:p>
-        </p:txBody>
-      </p:sp>
-      <p:sp>
-        <p:nvSpPr>
-          <p:cNvPr id="3" name="内容占位符 2"/>
-          <p:cNvSpPr>
-            <a:spLocks noGrp="1"/>
-          </p:cNvSpPr>
-          <p:nvPr>
-            <p:ph idx="1"/>
-          </p:nvPr>
-        </p:nvSpPr>
-        <p:spPr/>
-        <p:txBody>
-          <a:bodyPr/>
-          <a:lstStyle/>
-          <a:p>
-            <a:endParaRPr lang="en-US"/>
           </a:p>
         </p:txBody>
       </p:sp>
       <p:pic>
         <p:nvPicPr>
-          <p:cNvPr id="4" name="图片 3"/>
-          <p:cNvPicPr/>
-          <p:nvPr/>
+          <p:cNvPr id="5" name="内容占位符 4"/>
+          <p:cNvPicPr>
+            <a:picLocks noGrp="1" noChangeAspect="1"/>
+          </p:cNvPicPr>
+          <p:nvPr>
+            <p:ph idx="1"/>
+          </p:nvPr>
         </p:nvPicPr>
-        <p:blipFill rotWithShape="1">
-          <a:blip r:embed="rId2">
+        <p:blipFill>
+          <a:blip r:embed="rId3">
             <a:extLst>
               <a:ext uri="{28A0092B-C50C-407E-A947-70E740481C1C}">
                 <a14:useLocalDpi xmlns:a14="http://schemas.microsoft.com/office/drawing/2010/main" val="0"/>
               </a:ext>
             </a:extLst>
           </a:blip>
-          <a:srcRect l="14021" t="19527" r="12699" b="19979"/>
-          <a:stretch/>
+          <a:stretch>
+            <a:fillRect/>
+          </a:stretch>
         </p:blipFill>
         <p:spPr>
           <a:xfrm>
-            <a:off x="1146782" y="2015733"/>
-            <a:ext cx="7556954" cy="4029468"/>
-          </a:xfrm>
-          <a:prstGeom prst="rect">
-            <a:avLst/>
-          </a:prstGeom>
+            <a:off x="1258594" y="1039504"/>
+            <a:ext cx="3440226" cy="2537280"/>
+          </a:xfrm>
         </p:spPr>
       </p:pic>
       <p:pic>
         <p:nvPicPr>
-          <p:cNvPr id="5" name="图片 4"/>
+          <p:cNvPr id="6" name="图片 5"/>
           <p:cNvPicPr>
             <a:picLocks noChangeAspect="1"/>
           </p:cNvPicPr>
           <p:nvPr/>
         </p:nvPicPr>
-        <p:blipFill rotWithShape="1">
-          <a:blip r:embed="rId3"/>
-          <a:srcRect l="12648" t="25244" r="64056" b="11482"/>
-          <a:stretch/>
+        <p:blipFill>
+          <a:blip r:embed="rId4">
+            <a:extLst>
+              <a:ext uri="{28A0092B-C50C-407E-A947-70E740481C1C}">
+                <a14:useLocalDpi xmlns:a14="http://schemas.microsoft.com/office/drawing/2010/main" val="0"/>
+              </a:ext>
+            </a:extLst>
+          </a:blip>
+          <a:stretch>
+            <a:fillRect/>
+          </a:stretch>
         </p:blipFill>
         <p:spPr>
           <a:xfrm>
-            <a:off x="8703736" y="2015732"/>
-            <a:ext cx="2753372" cy="4029469"/>
+            <a:off x="4631659" y="1016347"/>
+            <a:ext cx="3503024" cy="2583595"/>
           </a:xfrm>
           <a:prstGeom prst="rect">
             <a:avLst/>
           </a:prstGeom>
         </p:spPr>
       </p:pic>
+      <p:pic>
+        <p:nvPicPr>
+          <p:cNvPr id="7" name="图片 6"/>
+          <p:cNvPicPr>
+            <a:picLocks noChangeAspect="1"/>
+          </p:cNvPicPr>
+          <p:nvPr/>
+        </p:nvPicPr>
+        <p:blipFill>
+          <a:blip r:embed="rId5">
+            <a:extLst>
+              <a:ext uri="{28A0092B-C50C-407E-A947-70E740481C1C}">
+                <a14:useLocalDpi xmlns:a14="http://schemas.microsoft.com/office/drawing/2010/main" val="0"/>
+              </a:ext>
+            </a:extLst>
+          </a:blip>
+          <a:stretch>
+            <a:fillRect/>
+          </a:stretch>
+        </p:blipFill>
+        <p:spPr>
+          <a:xfrm>
+            <a:off x="8134683" y="1039504"/>
+            <a:ext cx="3444291" cy="2560438"/>
+          </a:xfrm>
+          <a:prstGeom prst="rect">
+            <a:avLst/>
+          </a:prstGeom>
+        </p:spPr>
+      </p:pic>
+      <p:pic>
+        <p:nvPicPr>
+          <p:cNvPr id="8" name="图片 7"/>
+          <p:cNvPicPr>
+            <a:picLocks noChangeAspect="1"/>
+          </p:cNvPicPr>
+          <p:nvPr/>
+        </p:nvPicPr>
+        <p:blipFill>
+          <a:blip r:embed="rId6">
+            <a:extLst>
+              <a:ext uri="{28A0092B-C50C-407E-A947-70E740481C1C}">
+                <a14:useLocalDpi xmlns:a14="http://schemas.microsoft.com/office/drawing/2010/main" val="0"/>
+              </a:ext>
+            </a:extLst>
+          </a:blip>
+          <a:stretch>
+            <a:fillRect/>
+          </a:stretch>
+        </p:blipFill>
+        <p:spPr>
+          <a:xfrm>
+            <a:off x="1257689" y="3623099"/>
+            <a:ext cx="3373970" cy="2488413"/>
+          </a:xfrm>
+          <a:prstGeom prst="rect">
+            <a:avLst/>
+          </a:prstGeom>
+        </p:spPr>
+      </p:pic>
+      <p:pic>
+        <p:nvPicPr>
+          <p:cNvPr id="9" name="图片 8"/>
+          <p:cNvPicPr>
+            <a:picLocks noChangeAspect="1"/>
+          </p:cNvPicPr>
+          <p:nvPr/>
+        </p:nvPicPr>
+        <p:blipFill>
+          <a:blip r:embed="rId7">
+            <a:extLst>
+              <a:ext uri="{28A0092B-C50C-407E-A947-70E740481C1C}">
+                <a14:useLocalDpi xmlns:a14="http://schemas.microsoft.com/office/drawing/2010/main" val="0"/>
+              </a:ext>
+            </a:extLst>
+          </a:blip>
+          <a:stretch>
+            <a:fillRect/>
+          </a:stretch>
+        </p:blipFill>
+        <p:spPr>
+          <a:xfrm>
+            <a:off x="4631659" y="3623099"/>
+            <a:ext cx="3362603" cy="2480030"/>
+          </a:xfrm>
+          <a:prstGeom prst="rect">
+            <a:avLst/>
+          </a:prstGeom>
+        </p:spPr>
+      </p:pic>
+      <p:pic>
+        <p:nvPicPr>
+          <p:cNvPr id="10" name="图片 9"/>
+          <p:cNvPicPr>
+            <a:picLocks noChangeAspect="1"/>
+          </p:cNvPicPr>
+          <p:nvPr/>
+        </p:nvPicPr>
+        <p:blipFill>
+          <a:blip r:embed="rId8">
+            <a:extLst>
+              <a:ext uri="{28A0092B-C50C-407E-A947-70E740481C1C}">
+                <a14:useLocalDpi xmlns:a14="http://schemas.microsoft.com/office/drawing/2010/main" val="0"/>
+              </a:ext>
+            </a:extLst>
+          </a:blip>
+          <a:stretch>
+            <a:fillRect/>
+          </a:stretch>
+        </p:blipFill>
+        <p:spPr>
+          <a:xfrm>
+            <a:off x="8134683" y="3599942"/>
+            <a:ext cx="3478197" cy="2565284"/>
+          </a:xfrm>
+          <a:prstGeom prst="rect">
+            <a:avLst/>
+          </a:prstGeom>
+        </p:spPr>
+      </p:pic>
+      <p:sp>
+        <p:nvSpPr>
+          <p:cNvPr id="11" name="文本框 10"/>
+          <p:cNvSpPr txBox="1"/>
+          <p:nvPr/>
+        </p:nvSpPr>
+        <p:spPr>
+          <a:xfrm>
+            <a:off x="906671" y="457875"/>
+            <a:ext cx="10706209" cy="369332"/>
+          </a:xfrm>
+          <a:prstGeom prst="rect">
+            <a:avLst/>
+          </a:prstGeom>
+          <a:noFill/>
+        </p:spPr>
+        <p:txBody>
+          <a:bodyPr wrap="square" rtlCol="0">
+            <a:spAutoFit/>
+          </a:bodyPr>
+          <a:lstStyle/>
+          <a:p>
+            <a:r>
+              <a:rPr lang="en-US" dirty="0" smtClean="0">
+                <a:solidFill>
+                  <a:srgbClr val="FF0000"/>
+                </a:solidFill>
+              </a:rPr>
+              <a:t>             Articles contain(‘China’)                  contain(‘US’/’States’)                            contain(‘Europe)-baseline                                        </a:t>
+            </a:r>
+            <a:endParaRPr lang="en-US" dirty="0">
+              <a:solidFill>
+                <a:srgbClr val="FF0000"/>
+              </a:solidFill>
+            </a:endParaRPr>
+          </a:p>
+        </p:txBody>
+      </p:sp>
+      <p:sp>
+        <p:nvSpPr>
+          <p:cNvPr id="12" name="文本框 11"/>
+          <p:cNvSpPr txBox="1"/>
+          <p:nvPr/>
+        </p:nvSpPr>
+        <p:spPr>
+          <a:xfrm>
+            <a:off x="1747389" y="1363003"/>
+            <a:ext cx="1005596" cy="369332"/>
+          </a:xfrm>
+          <a:prstGeom prst="rect">
+            <a:avLst/>
+          </a:prstGeom>
+          <a:noFill/>
+        </p:spPr>
+        <p:txBody>
+          <a:bodyPr wrap="none" rtlCol="0">
+            <a:spAutoFit/>
+          </a:bodyPr>
+          <a:lstStyle/>
+          <a:p>
+            <a:r>
+              <a:rPr lang="en-US" dirty="0" smtClean="0">
+                <a:solidFill>
+                  <a:srgbClr val="FF0000"/>
+                </a:solidFill>
+              </a:rPr>
+              <a:t>Negative</a:t>
+            </a:r>
+            <a:endParaRPr lang="en-US" dirty="0">
+              <a:solidFill>
+                <a:srgbClr val="FF0000"/>
+              </a:solidFill>
+            </a:endParaRPr>
+          </a:p>
+        </p:txBody>
+      </p:sp>
+      <p:sp>
+        <p:nvSpPr>
+          <p:cNvPr id="13" name="文本框 12"/>
+          <p:cNvSpPr txBox="1"/>
+          <p:nvPr/>
+        </p:nvSpPr>
+        <p:spPr>
+          <a:xfrm>
+            <a:off x="1733949" y="2693773"/>
+            <a:ext cx="897233" cy="369332"/>
+          </a:xfrm>
+          <a:prstGeom prst="rect">
+            <a:avLst/>
+          </a:prstGeom>
+          <a:noFill/>
+        </p:spPr>
+        <p:txBody>
+          <a:bodyPr wrap="none" rtlCol="0">
+            <a:spAutoFit/>
+          </a:bodyPr>
+          <a:lstStyle/>
+          <a:p>
+            <a:r>
+              <a:rPr lang="en-US" dirty="0" smtClean="0">
+                <a:solidFill>
+                  <a:srgbClr val="FF0000"/>
+                </a:solidFill>
+              </a:rPr>
+              <a:t>Positive</a:t>
+            </a:r>
+            <a:endParaRPr lang="en-US" dirty="0">
+              <a:solidFill>
+                <a:srgbClr val="FF0000"/>
+              </a:solidFill>
+            </a:endParaRPr>
+          </a:p>
+        </p:txBody>
+      </p:sp>
+      <p:sp>
+        <p:nvSpPr>
+          <p:cNvPr id="14" name="文本框 13"/>
+          <p:cNvSpPr txBox="1"/>
+          <p:nvPr/>
+        </p:nvSpPr>
+        <p:spPr>
+          <a:xfrm>
+            <a:off x="8817280" y="4135738"/>
+            <a:ext cx="1005596" cy="369332"/>
+          </a:xfrm>
+          <a:prstGeom prst="rect">
+            <a:avLst/>
+          </a:prstGeom>
+          <a:noFill/>
+        </p:spPr>
+        <p:txBody>
+          <a:bodyPr wrap="none" rtlCol="0">
+            <a:spAutoFit/>
+          </a:bodyPr>
+          <a:lstStyle/>
+          <a:p>
+            <a:r>
+              <a:rPr lang="en-US" dirty="0" smtClean="0">
+                <a:solidFill>
+                  <a:srgbClr val="FF0000"/>
+                </a:solidFill>
+              </a:rPr>
+              <a:t>Negative</a:t>
+            </a:r>
+            <a:endParaRPr lang="en-US" dirty="0">
+              <a:solidFill>
+                <a:srgbClr val="FF0000"/>
+              </a:solidFill>
+            </a:endParaRPr>
+          </a:p>
+        </p:txBody>
+      </p:sp>
+      <p:sp>
+        <p:nvSpPr>
+          <p:cNvPr id="15" name="文本框 14"/>
+          <p:cNvSpPr txBox="1"/>
+          <p:nvPr/>
+        </p:nvSpPr>
+        <p:spPr>
+          <a:xfrm>
+            <a:off x="5032225" y="4076144"/>
+            <a:ext cx="1005596" cy="369332"/>
+          </a:xfrm>
+          <a:prstGeom prst="rect">
+            <a:avLst/>
+          </a:prstGeom>
+          <a:noFill/>
+        </p:spPr>
+        <p:txBody>
+          <a:bodyPr wrap="none" rtlCol="0">
+            <a:spAutoFit/>
+          </a:bodyPr>
+          <a:lstStyle/>
+          <a:p>
+            <a:r>
+              <a:rPr lang="en-US" dirty="0" smtClean="0">
+                <a:solidFill>
+                  <a:srgbClr val="FF0000"/>
+                </a:solidFill>
+              </a:rPr>
+              <a:t>Negative</a:t>
+            </a:r>
+            <a:endParaRPr lang="en-US" dirty="0">
+              <a:solidFill>
+                <a:srgbClr val="FF0000"/>
+              </a:solidFill>
+            </a:endParaRPr>
+          </a:p>
+        </p:txBody>
+      </p:sp>
+      <p:sp>
+        <p:nvSpPr>
+          <p:cNvPr id="16" name="文本框 15"/>
+          <p:cNvSpPr txBox="1"/>
+          <p:nvPr/>
+        </p:nvSpPr>
+        <p:spPr>
+          <a:xfrm>
+            <a:off x="8851081" y="1393934"/>
+            <a:ext cx="1005596" cy="369332"/>
+          </a:xfrm>
+          <a:prstGeom prst="rect">
+            <a:avLst/>
+          </a:prstGeom>
+          <a:noFill/>
+        </p:spPr>
+        <p:txBody>
+          <a:bodyPr wrap="none" rtlCol="0">
+            <a:spAutoFit/>
+          </a:bodyPr>
+          <a:lstStyle/>
+          <a:p>
+            <a:r>
+              <a:rPr lang="en-US" dirty="0" smtClean="0">
+                <a:solidFill>
+                  <a:srgbClr val="FF0000"/>
+                </a:solidFill>
+              </a:rPr>
+              <a:t>Negative</a:t>
+            </a:r>
+            <a:endParaRPr lang="en-US" dirty="0">
+              <a:solidFill>
+                <a:srgbClr val="FF0000"/>
+              </a:solidFill>
+            </a:endParaRPr>
+          </a:p>
+        </p:txBody>
+      </p:sp>
+      <p:sp>
+        <p:nvSpPr>
+          <p:cNvPr id="17" name="文本框 16"/>
+          <p:cNvSpPr txBox="1"/>
+          <p:nvPr/>
+        </p:nvSpPr>
+        <p:spPr>
+          <a:xfrm>
+            <a:off x="5053897" y="1363003"/>
+            <a:ext cx="1005596" cy="369332"/>
+          </a:xfrm>
+          <a:prstGeom prst="rect">
+            <a:avLst/>
+          </a:prstGeom>
+          <a:noFill/>
+        </p:spPr>
+        <p:txBody>
+          <a:bodyPr wrap="none" rtlCol="0">
+            <a:spAutoFit/>
+          </a:bodyPr>
+          <a:lstStyle/>
+          <a:p>
+            <a:r>
+              <a:rPr lang="en-US" dirty="0" smtClean="0">
+                <a:solidFill>
+                  <a:srgbClr val="FF0000"/>
+                </a:solidFill>
+              </a:rPr>
+              <a:t>Negative</a:t>
+            </a:r>
+            <a:endParaRPr lang="en-US" dirty="0">
+              <a:solidFill>
+                <a:srgbClr val="FF0000"/>
+              </a:solidFill>
+            </a:endParaRPr>
+          </a:p>
+        </p:txBody>
+      </p:sp>
+      <p:sp>
+        <p:nvSpPr>
+          <p:cNvPr id="18" name="文本框 17"/>
+          <p:cNvSpPr txBox="1"/>
+          <p:nvPr/>
+        </p:nvSpPr>
+        <p:spPr>
+          <a:xfrm>
+            <a:off x="1747389" y="4076144"/>
+            <a:ext cx="1005596" cy="369332"/>
+          </a:xfrm>
+          <a:prstGeom prst="rect">
+            <a:avLst/>
+          </a:prstGeom>
+          <a:noFill/>
+        </p:spPr>
+        <p:txBody>
+          <a:bodyPr wrap="none" rtlCol="0">
+            <a:spAutoFit/>
+          </a:bodyPr>
+          <a:lstStyle/>
+          <a:p>
+            <a:r>
+              <a:rPr lang="en-US" dirty="0" smtClean="0">
+                <a:solidFill>
+                  <a:srgbClr val="FF0000"/>
+                </a:solidFill>
+              </a:rPr>
+              <a:t>Negative</a:t>
+            </a:r>
+            <a:endParaRPr lang="en-US" dirty="0">
+              <a:solidFill>
+                <a:srgbClr val="FF0000"/>
+              </a:solidFill>
+            </a:endParaRPr>
+          </a:p>
+        </p:txBody>
+      </p:sp>
+      <p:sp>
+        <p:nvSpPr>
+          <p:cNvPr id="19" name="文本框 18"/>
+          <p:cNvSpPr txBox="1"/>
+          <p:nvPr/>
+        </p:nvSpPr>
+        <p:spPr>
+          <a:xfrm>
+            <a:off x="5032225" y="2699288"/>
+            <a:ext cx="897233" cy="369332"/>
+          </a:xfrm>
+          <a:prstGeom prst="rect">
+            <a:avLst/>
+          </a:prstGeom>
+          <a:noFill/>
+        </p:spPr>
+        <p:txBody>
+          <a:bodyPr wrap="none" rtlCol="0">
+            <a:spAutoFit/>
+          </a:bodyPr>
+          <a:lstStyle/>
+          <a:p>
+            <a:r>
+              <a:rPr lang="en-US" dirty="0" smtClean="0">
+                <a:solidFill>
+                  <a:srgbClr val="FF0000"/>
+                </a:solidFill>
+              </a:rPr>
+              <a:t>Positive</a:t>
+            </a:r>
+            <a:endParaRPr lang="en-US" dirty="0">
+              <a:solidFill>
+                <a:srgbClr val="FF0000"/>
+              </a:solidFill>
+            </a:endParaRPr>
+          </a:p>
+        </p:txBody>
+      </p:sp>
+      <p:sp>
+        <p:nvSpPr>
+          <p:cNvPr id="20" name="文本框 19"/>
+          <p:cNvSpPr txBox="1"/>
+          <p:nvPr/>
+        </p:nvSpPr>
+        <p:spPr>
+          <a:xfrm>
+            <a:off x="8856196" y="2685710"/>
+            <a:ext cx="897233" cy="369332"/>
+          </a:xfrm>
+          <a:prstGeom prst="rect">
+            <a:avLst/>
+          </a:prstGeom>
+          <a:noFill/>
+        </p:spPr>
+        <p:txBody>
+          <a:bodyPr wrap="none" rtlCol="0">
+            <a:spAutoFit/>
+          </a:bodyPr>
+          <a:lstStyle/>
+          <a:p>
+            <a:r>
+              <a:rPr lang="en-US" dirty="0" smtClean="0">
+                <a:solidFill>
+                  <a:srgbClr val="FF0000"/>
+                </a:solidFill>
+              </a:rPr>
+              <a:t>Positive</a:t>
+            </a:r>
+            <a:endParaRPr lang="en-US" dirty="0">
+              <a:solidFill>
+                <a:srgbClr val="FF0000"/>
+              </a:solidFill>
+            </a:endParaRPr>
+          </a:p>
+        </p:txBody>
+      </p:sp>
+      <p:sp>
+        <p:nvSpPr>
+          <p:cNvPr id="21" name="文本框 20"/>
+          <p:cNvSpPr txBox="1"/>
+          <p:nvPr/>
+        </p:nvSpPr>
+        <p:spPr>
+          <a:xfrm>
+            <a:off x="8788548" y="5242489"/>
+            <a:ext cx="897233" cy="369332"/>
+          </a:xfrm>
+          <a:prstGeom prst="rect">
+            <a:avLst/>
+          </a:prstGeom>
+          <a:noFill/>
+        </p:spPr>
+        <p:txBody>
+          <a:bodyPr wrap="none" rtlCol="0">
+            <a:spAutoFit/>
+          </a:bodyPr>
+          <a:lstStyle/>
+          <a:p>
+            <a:r>
+              <a:rPr lang="en-US" dirty="0" smtClean="0">
+                <a:solidFill>
+                  <a:srgbClr val="FF0000"/>
+                </a:solidFill>
+              </a:rPr>
+              <a:t>Positive</a:t>
+            </a:r>
+            <a:endParaRPr lang="en-US" dirty="0">
+              <a:solidFill>
+                <a:srgbClr val="FF0000"/>
+              </a:solidFill>
+            </a:endParaRPr>
+          </a:p>
+        </p:txBody>
+      </p:sp>
+      <p:sp>
+        <p:nvSpPr>
+          <p:cNvPr id="22" name="文本框 21"/>
+          <p:cNvSpPr txBox="1"/>
+          <p:nvPr/>
+        </p:nvSpPr>
+        <p:spPr>
+          <a:xfrm>
+            <a:off x="5052072" y="5242489"/>
+            <a:ext cx="897233" cy="369332"/>
+          </a:xfrm>
+          <a:prstGeom prst="rect">
+            <a:avLst/>
+          </a:prstGeom>
+          <a:noFill/>
+        </p:spPr>
+        <p:txBody>
+          <a:bodyPr wrap="none" rtlCol="0">
+            <a:spAutoFit/>
+          </a:bodyPr>
+          <a:lstStyle/>
+          <a:p>
+            <a:r>
+              <a:rPr lang="en-US" dirty="0" smtClean="0">
+                <a:solidFill>
+                  <a:srgbClr val="FF0000"/>
+                </a:solidFill>
+              </a:rPr>
+              <a:t>Positive</a:t>
+            </a:r>
+            <a:endParaRPr lang="en-US" dirty="0">
+              <a:solidFill>
+                <a:srgbClr val="FF0000"/>
+              </a:solidFill>
+            </a:endParaRPr>
+          </a:p>
+        </p:txBody>
+      </p:sp>
+      <p:sp>
+        <p:nvSpPr>
+          <p:cNvPr id="23" name="文本框 22"/>
+          <p:cNvSpPr txBox="1"/>
+          <p:nvPr/>
+        </p:nvSpPr>
+        <p:spPr>
+          <a:xfrm>
+            <a:off x="1699124" y="5254685"/>
+            <a:ext cx="897233" cy="369332"/>
+          </a:xfrm>
+          <a:prstGeom prst="rect">
+            <a:avLst/>
+          </a:prstGeom>
+          <a:noFill/>
+        </p:spPr>
+        <p:txBody>
+          <a:bodyPr wrap="none" rtlCol="0">
+            <a:spAutoFit/>
+          </a:bodyPr>
+          <a:lstStyle/>
+          <a:p>
+            <a:r>
+              <a:rPr lang="en-US" dirty="0" smtClean="0">
+                <a:solidFill>
+                  <a:srgbClr val="FF0000"/>
+                </a:solidFill>
+              </a:rPr>
+              <a:t>Positive</a:t>
+            </a:r>
+            <a:endParaRPr lang="en-US" dirty="0">
+              <a:solidFill>
+                <a:srgbClr val="FF0000"/>
+              </a:solidFill>
+            </a:endParaRPr>
+          </a:p>
+        </p:txBody>
+      </p:sp>
+      <p:sp>
+        <p:nvSpPr>
+          <p:cNvPr id="3" name="文本框 2"/>
+          <p:cNvSpPr txBox="1"/>
+          <p:nvPr/>
+        </p:nvSpPr>
+        <p:spPr>
+          <a:xfrm>
+            <a:off x="169333" y="2040487"/>
+            <a:ext cx="1264449" cy="369332"/>
+          </a:xfrm>
+          <a:prstGeom prst="rect">
+            <a:avLst/>
+          </a:prstGeom>
+          <a:noFill/>
+        </p:spPr>
+        <p:txBody>
+          <a:bodyPr wrap="none" rtlCol="0">
+            <a:spAutoFit/>
+          </a:bodyPr>
+          <a:lstStyle/>
+          <a:p>
+            <a:r>
+              <a:rPr lang="en-US" dirty="0" smtClean="0"/>
+              <a:t>China Daily</a:t>
+            </a:r>
+            <a:endParaRPr lang="en-US" dirty="0"/>
+          </a:p>
+        </p:txBody>
+      </p:sp>
+      <p:sp>
+        <p:nvSpPr>
+          <p:cNvPr id="24" name="文本框 23"/>
+          <p:cNvSpPr txBox="1"/>
+          <p:nvPr/>
+        </p:nvSpPr>
+        <p:spPr>
+          <a:xfrm>
+            <a:off x="217341" y="4513252"/>
+            <a:ext cx="970137" cy="369332"/>
+          </a:xfrm>
+          <a:prstGeom prst="rect">
+            <a:avLst/>
+          </a:prstGeom>
+          <a:noFill/>
+        </p:spPr>
+        <p:txBody>
+          <a:bodyPr wrap="none" rtlCol="0">
+            <a:spAutoFit/>
+          </a:bodyPr>
+          <a:lstStyle/>
+          <a:p>
+            <a:r>
+              <a:rPr lang="en-US" dirty="0" err="1" smtClean="0"/>
+              <a:t>Nytimes</a:t>
+            </a:r>
+            <a:endParaRPr lang="en-US" dirty="0"/>
+          </a:p>
+        </p:txBody>
+      </p:sp>
     </p:spTree>
     <p:extLst>
       <p:ext uri="{BB962C8B-B14F-4D97-AF65-F5344CB8AC3E}">
-        <p14:creationId xmlns:p14="http://schemas.microsoft.com/office/powerpoint/2010/main" val="3158135605"/>
+        <p14:creationId xmlns:p14="http://schemas.microsoft.com/office/powerpoint/2010/main" val="3319357300"/>
       </p:ext>
     </p:extLst>
   </p:cSld>
   <p:clrMapOvr>
     <a:masterClrMapping/>
   </p:clrMapOvr>
+  <p:timing>
+    <p:tnLst>
+      <p:par>
+        <p:cTn id="1" dur="indefinite" restart="never" nodeType="tmRoot"/>
+      </p:par>
+    </p:tnLst>
+  </p:timing>
 </p:sld>
 </file>
 
@@ -8986,193 +7363,144 @@
             <p:ph type="title"/>
           </p:nvPr>
         </p:nvSpPr>
-        <p:spPr>
-          <a:xfrm>
-            <a:off x="165547" y="6238667"/>
-            <a:ext cx="9603275" cy="1049235"/>
-          </a:xfrm>
-        </p:spPr>
+        <p:spPr/>
         <p:txBody>
           <a:bodyPr/>
           <a:lstStyle/>
           <a:p>
+            <a:r>
+              <a:rPr lang="en-US" dirty="0" smtClean="0"/>
+              <a:t>Statement ii-network </a:t>
+            </a:r>
             <a:endParaRPr lang="en-US" dirty="0"/>
           </a:p>
         </p:txBody>
       </p:sp>
-      <p:pic>
-        <p:nvPicPr>
-          <p:cNvPr id="8" name="内容占位符 7"/>
-          <p:cNvPicPr>
-            <a:picLocks noGrp="1" noChangeAspect="1"/>
-          </p:cNvPicPr>
+      <p:sp>
+        <p:nvSpPr>
+          <p:cNvPr id="3" name="内容占位符 2"/>
+          <p:cNvSpPr>
+            <a:spLocks noGrp="1"/>
+          </p:cNvSpPr>
           <p:nvPr>
             <p:ph idx="1"/>
           </p:nvPr>
-        </p:nvPicPr>
-        <p:blipFill>
-          <a:blip r:embed="rId3">
-            <a:extLst>
-              <a:ext uri="{28A0092B-C50C-407E-A947-70E740481C1C}">
-                <a14:useLocalDpi xmlns:a14="http://schemas.microsoft.com/office/drawing/2010/main" val="0"/>
-              </a:ext>
-            </a:extLst>
-          </a:blip>
-          <a:stretch>
-            <a:fillRect/>
-          </a:stretch>
-        </p:blipFill>
-        <p:spPr>
-          <a:xfrm>
-            <a:off x="346945" y="2111838"/>
-            <a:ext cx="5681322" cy="4194539"/>
-          </a:xfrm>
-        </p:spPr>
-      </p:pic>
-      <p:pic>
-        <p:nvPicPr>
-          <p:cNvPr id="9" name="图片 8"/>
-          <p:cNvPicPr>
-            <a:picLocks noChangeAspect="1"/>
-          </p:cNvPicPr>
-          <p:nvPr/>
-        </p:nvPicPr>
-        <p:blipFill>
-          <a:blip r:embed="rId4">
-            <a:extLst>
-              <a:ext uri="{28A0092B-C50C-407E-A947-70E740481C1C}">
-                <a14:useLocalDpi xmlns:a14="http://schemas.microsoft.com/office/drawing/2010/main" val="0"/>
-              </a:ext>
-            </a:extLst>
-          </a:blip>
-          <a:stretch>
-            <a:fillRect/>
-          </a:stretch>
-        </p:blipFill>
-        <p:spPr>
-          <a:xfrm>
-            <a:off x="5723961" y="2167006"/>
-            <a:ext cx="5597611" cy="4071661"/>
-          </a:xfrm>
-          <a:prstGeom prst="rect">
-            <a:avLst/>
-          </a:prstGeom>
-        </p:spPr>
-      </p:pic>
-      <p:sp>
-        <p:nvSpPr>
-          <p:cNvPr id="10" name="文本框 9"/>
-          <p:cNvSpPr txBox="1"/>
-          <p:nvPr/>
-        </p:nvSpPr>
-        <p:spPr>
-          <a:xfrm>
-            <a:off x="2242839" y="2403566"/>
-            <a:ext cx="1264449" cy="369332"/>
-          </a:xfrm>
-          <a:prstGeom prst="rect">
-            <a:avLst/>
-          </a:prstGeom>
-          <a:noFill/>
-        </p:spPr>
-        <p:txBody>
-          <a:bodyPr wrap="none" rtlCol="0">
-            <a:spAutoFit/>
+        </p:nvSpPr>
+        <p:spPr/>
+        <p:txBody>
+          <a:bodyPr>
+            <a:normAutofit fontScale="85000" lnSpcReduction="20000"/>
           </a:bodyPr>
           <a:lstStyle/>
           <a:p>
             <a:r>
               <a:rPr lang="en-US" dirty="0" smtClean="0"/>
-              <a:t>China Daily</a:t>
-            </a:r>
-            <a:endParaRPr lang="en-US" dirty="0"/>
-          </a:p>
-        </p:txBody>
-      </p:sp>
-      <p:sp>
-        <p:nvSpPr>
-          <p:cNvPr id="15" name="文本框 14"/>
-          <p:cNvSpPr txBox="1"/>
-          <p:nvPr/>
-        </p:nvSpPr>
-        <p:spPr>
-          <a:xfrm>
-            <a:off x="7989631" y="2403566"/>
-            <a:ext cx="2135649" cy="369332"/>
-          </a:xfrm>
-          <a:prstGeom prst="rect">
-            <a:avLst/>
-          </a:prstGeom>
-          <a:noFill/>
-        </p:spPr>
-        <p:txBody>
-          <a:bodyPr wrap="none" rtlCol="0">
-            <a:spAutoFit/>
-          </a:bodyPr>
-          <a:lstStyle/>
-          <a:p>
+              <a:t>Reveal how words (Nouns/</a:t>
+            </a:r>
+            <a:r>
+              <a:rPr lang="en-US" dirty="0" err="1" smtClean="0"/>
+              <a:t>Adjs</a:t>
+            </a:r>
             <a:r>
               <a:rPr lang="en-US" dirty="0" smtClean="0"/>
-              <a:t>The New York Times</a:t>
-            </a:r>
-            <a:endParaRPr lang="en-US" dirty="0"/>
-          </a:p>
-        </p:txBody>
-      </p:sp>
-      <p:sp>
-        <p:nvSpPr>
-          <p:cNvPr id="12" name="标题 1"/>
-          <p:cNvSpPr txBox="1">
-            <a:spLocks/>
-          </p:cNvSpPr>
-          <p:nvPr/>
-        </p:nvSpPr>
-        <p:spPr>
-          <a:xfrm>
-            <a:off x="1451579" y="804519"/>
-            <a:ext cx="9603275" cy="1049235"/>
-          </a:xfrm>
-          <a:prstGeom prst="rect">
-            <a:avLst/>
-          </a:prstGeom>
-        </p:spPr>
-        <p:txBody>
-          <a:bodyPr vert="horz" lIns="91440" tIns="45720" rIns="91440" bIns="45720" rtlCol="0" anchor="t">
-            <a:normAutofit/>
-          </a:bodyPr>
-          <a:lstStyle>
-            <a:lvl1pPr algn="l" defTabSz="914400" rtl="0" eaLnBrk="1" latinLnBrk="0" hangingPunct="1">
-              <a:lnSpc>
-                <a:spcPct val="90000"/>
-              </a:lnSpc>
-              <a:spcBef>
-                <a:spcPct val="0"/>
-              </a:spcBef>
-              <a:buNone/>
-              <a:defRPr sz="3200" b="0" i="0" kern="1200" cap="all">
-                <a:solidFill>
-                  <a:schemeClr val="tx1"/>
-                </a:solidFill>
-                <a:effectLst/>
-                <a:latin typeface="+mj-lt"/>
-                <a:ea typeface="+mj-ea"/>
-                <a:cs typeface="+mj-cs"/>
-              </a:defRPr>
-            </a:lvl1pPr>
-          </a:lstStyle>
-          <a:p>
+              <a:t>) are connected in sentences from c</a:t>
+            </a:r>
+          </a:p>
+          <a:p>
+            <a:pPr lvl="1"/>
             <a:r>
               <a:rPr lang="en-US" dirty="0" smtClean="0"/>
-              <a:t>Statement </a:t>
+              <a:t>Case Studies: 2014 Hong Kong protest/umbrella movement</a:t>
+            </a:r>
+          </a:p>
+          <a:p>
+            <a:pPr lvl="2"/>
+            <a:r>
+              <a:rPr lang="en-US" dirty="0" smtClean="0"/>
+              <a:t>Sit-in street protests from 26 Sep to </a:t>
+            </a:r>
+            <a:r>
+              <a:rPr lang="en-US" dirty="0"/>
+              <a:t>15 </a:t>
+            </a:r>
+            <a:r>
+              <a:rPr lang="en-US" dirty="0" smtClean="0"/>
+              <a:t>Dec 2014</a:t>
+            </a:r>
+          </a:p>
+          <a:p>
+            <a:pPr lvl="1"/>
+            <a:r>
+              <a:rPr lang="en-US" dirty="0" smtClean="0"/>
+              <a:t>Data: related news in Oct 2014, China Daily (67), </a:t>
             </a:r>
             <a:r>
               <a:rPr lang="en-US" dirty="0" err="1" smtClean="0"/>
-              <a:t>i</a:t>
+              <a:t>Nytimes</a:t>
             </a:r>
             <a:r>
               <a:rPr lang="en-US" dirty="0" smtClean="0"/>
-              <a:t>-frequency</a:t>
-            </a:r>
+              <a:t> (53)</a:t>
+            </a:r>
+          </a:p>
+          <a:p>
+            <a:pPr lvl="1"/>
+            <a:r>
+              <a:rPr lang="en-US" dirty="0" smtClean="0"/>
+              <a:t>Steps:</a:t>
+            </a:r>
+          </a:p>
+          <a:p>
+            <a:pPr lvl="2"/>
+            <a:r>
+              <a:rPr lang="en-US" dirty="0" smtClean="0"/>
+              <a:t>Filter words from sentences</a:t>
+            </a:r>
+          </a:p>
+          <a:p>
+            <a:pPr lvl="2"/>
+            <a:r>
+              <a:rPr lang="en-US" dirty="0" smtClean="0"/>
+              <a:t>Named Entity Recognition</a:t>
+            </a:r>
+          </a:p>
+          <a:p>
+            <a:pPr lvl="2"/>
+            <a:r>
+              <a:rPr lang="en-US" dirty="0" smtClean="0"/>
+              <a:t>Noun/</a:t>
+            </a:r>
+            <a:r>
+              <a:rPr lang="en-US" dirty="0" err="1" smtClean="0"/>
+              <a:t>Adjs</a:t>
+            </a:r>
+            <a:r>
+              <a:rPr lang="en-US" dirty="0" smtClean="0"/>
+              <a:t> relation within each sentence</a:t>
+            </a:r>
+          </a:p>
+          <a:p>
+            <a:pPr lvl="2"/>
+            <a:r>
+              <a:rPr lang="en-US" dirty="0" err="1" smtClean="0"/>
+              <a:t>NetworkX</a:t>
+            </a:r>
+            <a:endParaRPr lang="en-US" dirty="0" smtClean="0"/>
+          </a:p>
+          <a:p>
+            <a:pPr lvl="2"/>
+            <a:r>
+              <a:rPr lang="en-US" dirty="0" smtClean="0"/>
+              <a:t>Centrality Score</a:t>
+            </a:r>
+          </a:p>
+          <a:p>
+            <a:r>
+              <a:rPr lang="en-US" dirty="0" smtClean="0"/>
+              <a:t>Computationally expensive!</a:t>
+            </a:r>
+          </a:p>
+          <a:p>
             <a:endParaRPr lang="en-US" dirty="0"/>
           </a:p>
         </p:txBody>
@@ -9180,7 +7508,7 @@
     </p:spTree>
     <p:extLst>
       <p:ext uri="{BB962C8B-B14F-4D97-AF65-F5344CB8AC3E}">
-        <p14:creationId xmlns:p14="http://schemas.microsoft.com/office/powerpoint/2010/main" val="1527346243"/>
+        <p14:creationId xmlns:p14="http://schemas.microsoft.com/office/powerpoint/2010/main" val="2024733696"/>
       </p:ext>
     </p:extLst>
   </p:cSld>
@@ -9231,1312 +7559,29 @@
           <a:p>
             <a:r>
               <a:rPr lang="en-US" dirty="0" smtClean="0"/>
-              <a:t>Statement ii-</a:t>
-            </a:r>
-            <a:r>
-              <a:rPr lang="en-US" dirty="0" err="1" smtClean="0"/>
-              <a:t>tfidf</a:t>
+              <a:t>statement ii-network</a:t>
             </a:r>
             <a:endParaRPr lang="en-US" dirty="0"/>
           </a:p>
         </p:txBody>
       </p:sp>
-      <p:graphicFrame>
-        <p:nvGraphicFramePr>
-          <p:cNvPr id="4" name="表格 3"/>
-          <p:cNvGraphicFramePr>
-            <a:graphicFrameLocks noGrp="1"/>
-          </p:cNvGraphicFramePr>
-          <p:nvPr>
-            <p:extLst>
-              <p:ext uri="{D42A27DB-BD31-4B8C-83A1-F6EECF244321}">
-                <p14:modId xmlns:p14="http://schemas.microsoft.com/office/powerpoint/2010/main" val="1926592649"/>
-              </p:ext>
-            </p:extLst>
-          </p:nvPr>
-        </p:nvGraphicFramePr>
-        <p:xfrm>
-          <a:off x="5557766" y="1"/>
-          <a:ext cx="6281536" cy="6858002"/>
-        </p:xfrm>
-        <a:graphic>
-          <a:graphicData uri="http://schemas.openxmlformats.org/drawingml/2006/table">
-            <a:tbl>
-              <a:tblPr>
-                <a:tableStyleId>{5C22544A-7EE6-4342-B048-85BDC9FD1C3A}</a:tableStyleId>
-              </a:tblPr>
-              <a:tblGrid>
-                <a:gridCol w="3283272">
-                  <a:extLst>
-                    <a:ext uri="{9D8B030D-6E8A-4147-A177-3AD203B41FA5}">
-                      <a16:colId xmlns:a16="http://schemas.microsoft.com/office/drawing/2014/main" val="2444781723"/>
-                    </a:ext>
-                  </a:extLst>
-                </a:gridCol>
-                <a:gridCol w="2998264">
-                  <a:extLst>
-                    <a:ext uri="{9D8B030D-6E8A-4147-A177-3AD203B41FA5}">
-                      <a16:colId xmlns:a16="http://schemas.microsoft.com/office/drawing/2014/main" val="575389158"/>
-                    </a:ext>
-                  </a:extLst>
-                </a:gridCol>
-              </a:tblGrid>
-              <a:tr h="316767">
-                <a:tc>
-                  <a:txBody>
-                    <a:bodyPr/>
-                    <a:lstStyle/>
-                    <a:p>
-                      <a:pPr algn="l" fontAlgn="b"/>
-                      <a:r>
-                        <a:rPr lang="en-US" sz="1600" u="none" strike="noStrike">
-                          <a:effectLst/>
-                        </a:rPr>
-                        <a:t>Nytimes</a:t>
-                      </a:r>
-                      <a:endParaRPr lang="en-US" sz="1600" b="0" i="0" u="none" strike="noStrike">
-                        <a:solidFill>
-                          <a:srgbClr val="000000"/>
-                        </a:solidFill>
-                        <a:effectLst/>
-                        <a:latin typeface="Calibri" panose="020F0502020204030204" pitchFamily="34" charset="0"/>
-                      </a:endParaRPr>
-                    </a:p>
-                  </a:txBody>
-                  <a:tcPr marL="7967" marR="7967" marT="7967" marB="0" anchor="b"/>
-                </a:tc>
-                <a:tc>
-                  <a:txBody>
-                    <a:bodyPr/>
-                    <a:lstStyle/>
-                    <a:p>
-                      <a:pPr algn="l" fontAlgn="b"/>
-                      <a:r>
-                        <a:rPr lang="en-US" sz="1600" u="none" strike="noStrike">
-                          <a:effectLst/>
-                        </a:rPr>
-                        <a:t>China Daily</a:t>
-                      </a:r>
-                      <a:endParaRPr lang="en-US" sz="1600" b="0" i="0" u="none" strike="noStrike">
-                        <a:solidFill>
-                          <a:srgbClr val="000000"/>
-                        </a:solidFill>
-                        <a:effectLst/>
-                        <a:latin typeface="Calibri" panose="020F0502020204030204" pitchFamily="34" charset="0"/>
-                      </a:endParaRPr>
-                    </a:p>
-                  </a:txBody>
-                  <a:tcPr marL="7967" marR="7967" marT="7967" marB="0" anchor="b"/>
-                </a:tc>
-                <a:extLst>
-                  <a:ext uri="{0D108BD9-81ED-4DB2-BD59-A6C34878D82A}">
-                    <a16:rowId xmlns:a16="http://schemas.microsoft.com/office/drawing/2014/main" val="2720937833"/>
-                  </a:ext>
-                </a:extLst>
-              </a:tr>
-              <a:tr h="522662">
-                <a:tc>
-                  <a:txBody>
-                    <a:bodyPr/>
-                    <a:lstStyle/>
-                    <a:p>
-                      <a:pPr algn="l" fontAlgn="ctr"/>
-                      <a:endParaRPr lang="en-US" sz="1400" u="none" strike="noStrike">
-                        <a:effectLst/>
-                      </a:endParaRPr>
-                    </a:p>
-                    <a:p>
-                      <a:pPr algn="l" fontAlgn="ctr"/>
-                      <a:r>
-                        <a:rPr lang="en-US" sz="1400" u="none" strike="noStrike">
-                          <a:effectLst/>
-                        </a:rPr>
-                        <a:t>        Word: Mr, TF-IDF: 0.03142</a:t>
-                      </a:r>
-                      <a:endParaRPr lang="en-US" sz="1400" b="0" i="0" u="none" strike="noStrike">
-                        <a:solidFill>
-                          <a:srgbClr val="000000"/>
-                        </a:solidFill>
-                        <a:effectLst/>
-                        <a:latin typeface="Arial Unicode MS" panose="020B0604020202020204" pitchFamily="34" charset="-122"/>
-                        <a:ea typeface="Arial Unicode MS" panose="020B0604020202020204" pitchFamily="34" charset="-122"/>
-                      </a:endParaRPr>
-                    </a:p>
-                  </a:txBody>
-                  <a:tcPr marL="7967" marR="7967" marT="7967" marB="0" anchor="ctr"/>
-                </a:tc>
-                <a:tc>
-                  <a:txBody>
-                    <a:bodyPr/>
-                    <a:lstStyle/>
-                    <a:p>
-                      <a:pPr algn="l" fontAlgn="ctr"/>
-                      <a:endParaRPr lang="en-US" sz="1400" u="none" strike="noStrike">
-                        <a:effectLst/>
-                      </a:endParaRPr>
-                    </a:p>
-                    <a:p>
-                      <a:pPr algn="l" fontAlgn="ctr"/>
-                      <a:r>
-                        <a:rPr lang="en-US" sz="1400" u="none" strike="noStrike">
-                          <a:effectLst/>
-                        </a:rPr>
-                        <a:t>        Word: The, TF-IDF: 0.04942</a:t>
-                      </a:r>
-                      <a:endParaRPr lang="en-US" sz="1400" b="0" i="0" u="none" strike="noStrike">
-                        <a:solidFill>
-                          <a:srgbClr val="000000"/>
-                        </a:solidFill>
-                        <a:effectLst/>
-                        <a:latin typeface="Arial Unicode MS" panose="020B0604020202020204" pitchFamily="34" charset="-122"/>
-                        <a:ea typeface="Arial Unicode MS" panose="020B0604020202020204" pitchFamily="34" charset="-122"/>
-                      </a:endParaRPr>
-                    </a:p>
-                  </a:txBody>
-                  <a:tcPr marL="7967" marR="7967" marT="7967" marB="0" anchor="ctr"/>
-                </a:tc>
-                <a:extLst>
-                  <a:ext uri="{0D108BD9-81ED-4DB2-BD59-A6C34878D82A}">
-                    <a16:rowId xmlns:a16="http://schemas.microsoft.com/office/drawing/2014/main" val="811986028"/>
-                  </a:ext>
-                </a:extLst>
-              </a:tr>
-              <a:tr h="316767">
-                <a:tc>
-                  <a:txBody>
-                    <a:bodyPr/>
-                    <a:lstStyle/>
-                    <a:p>
-                      <a:pPr algn="l" fontAlgn="ctr"/>
-                      <a:r>
-                        <a:rPr lang="en-US" sz="1400" u="none" strike="noStrike">
-                          <a:effectLst/>
-                        </a:rPr>
-                        <a:t>        Word: ”, TF-IDF: 0.02807</a:t>
-                      </a:r>
-                      <a:endParaRPr lang="en-US" sz="1400" b="0" i="0" u="none" strike="noStrike">
-                        <a:solidFill>
-                          <a:srgbClr val="000000"/>
-                        </a:solidFill>
-                        <a:effectLst/>
-                        <a:latin typeface="Arial Unicode MS" panose="020B0604020202020204" pitchFamily="34" charset="-122"/>
-                        <a:ea typeface="Arial Unicode MS" panose="020B0604020202020204" pitchFamily="34" charset="-122"/>
-                      </a:endParaRPr>
-                    </a:p>
-                  </a:txBody>
-                  <a:tcPr marL="7967" marR="7967" marT="7967" marB="0" anchor="ctr"/>
-                </a:tc>
-                <a:tc>
-                  <a:txBody>
-                    <a:bodyPr/>
-                    <a:lstStyle/>
-                    <a:p>
-                      <a:pPr algn="l" fontAlgn="ctr"/>
-                      <a:r>
-                        <a:rPr lang="en-US" sz="1400" u="none" strike="noStrike" dirty="0">
-                          <a:solidFill>
-                            <a:srgbClr val="FF0000"/>
-                          </a:solidFill>
-                          <a:effectLst/>
-                        </a:rPr>
-                        <a:t>        Word: Hong, TF-IDF: 0.0364</a:t>
-                      </a:r>
-                      <a:endParaRPr lang="en-US" sz="1400" b="0" i="0" u="none" strike="noStrike" dirty="0">
-                        <a:solidFill>
-                          <a:srgbClr val="FF0000"/>
-                        </a:solidFill>
-                        <a:effectLst/>
-                        <a:latin typeface="Arial Unicode MS" panose="020B0604020202020204" pitchFamily="34" charset="-122"/>
-                        <a:ea typeface="Arial Unicode MS" panose="020B0604020202020204" pitchFamily="34" charset="-122"/>
-                      </a:endParaRPr>
-                    </a:p>
-                  </a:txBody>
-                  <a:tcPr marL="7967" marR="7967" marT="7967" marB="0" anchor="ctr"/>
-                </a:tc>
-                <a:extLst>
-                  <a:ext uri="{0D108BD9-81ED-4DB2-BD59-A6C34878D82A}">
-                    <a16:rowId xmlns:a16="http://schemas.microsoft.com/office/drawing/2014/main" val="2585755694"/>
-                  </a:ext>
-                </a:extLst>
-              </a:tr>
-              <a:tr h="316767">
-                <a:tc>
-                  <a:txBody>
-                    <a:bodyPr/>
-                    <a:lstStyle/>
-                    <a:p>
-                      <a:pPr algn="l" fontAlgn="ctr"/>
-                      <a:r>
-                        <a:rPr lang="en-US" sz="1400" u="none" strike="noStrike">
-                          <a:effectLst/>
-                        </a:rPr>
-                        <a:t>        Word: —, TF-IDF: 0.01806</a:t>
-                      </a:r>
-                      <a:endParaRPr lang="en-US" sz="1400" b="0" i="0" u="none" strike="noStrike">
-                        <a:solidFill>
-                          <a:srgbClr val="000000"/>
-                        </a:solidFill>
-                        <a:effectLst/>
-                        <a:latin typeface="Arial Unicode MS" panose="020B0604020202020204" pitchFamily="34" charset="-122"/>
-                        <a:ea typeface="Arial Unicode MS" panose="020B0604020202020204" pitchFamily="34" charset="-122"/>
-                      </a:endParaRPr>
-                    </a:p>
-                  </a:txBody>
-                  <a:tcPr marL="7967" marR="7967" marT="7967" marB="0" anchor="ctr"/>
-                </a:tc>
-                <a:tc>
-                  <a:txBody>
-                    <a:bodyPr/>
-                    <a:lstStyle/>
-                    <a:p>
-                      <a:pPr algn="l" fontAlgn="ctr"/>
-                      <a:r>
-                        <a:rPr lang="en-US" sz="1400" u="none" strike="noStrike" dirty="0">
-                          <a:solidFill>
-                            <a:srgbClr val="FF0000"/>
-                          </a:solidFill>
-                          <a:effectLst/>
-                        </a:rPr>
-                        <a:t>        Word: Kong, TF-IDF: 0.03632</a:t>
-                      </a:r>
-                      <a:endParaRPr lang="en-US" sz="1400" b="0" i="0" u="none" strike="noStrike" dirty="0">
-                        <a:solidFill>
-                          <a:srgbClr val="FF0000"/>
-                        </a:solidFill>
-                        <a:effectLst/>
-                        <a:latin typeface="Arial Unicode MS" panose="020B0604020202020204" pitchFamily="34" charset="-122"/>
-                        <a:ea typeface="Arial Unicode MS" panose="020B0604020202020204" pitchFamily="34" charset="-122"/>
-                      </a:endParaRPr>
-                    </a:p>
-                  </a:txBody>
-                  <a:tcPr marL="7967" marR="7967" marT="7967" marB="0" anchor="ctr"/>
-                </a:tc>
-                <a:extLst>
-                  <a:ext uri="{0D108BD9-81ED-4DB2-BD59-A6C34878D82A}">
-                    <a16:rowId xmlns:a16="http://schemas.microsoft.com/office/drawing/2014/main" val="179010663"/>
-                  </a:ext>
-                </a:extLst>
-              </a:tr>
-              <a:tr h="316767">
-                <a:tc>
-                  <a:txBody>
-                    <a:bodyPr/>
-                    <a:lstStyle/>
-                    <a:p>
-                      <a:pPr algn="l" fontAlgn="ctr"/>
-                      <a:r>
-                        <a:rPr lang="en-US" sz="1400" u="none" strike="noStrike" dirty="0">
-                          <a:effectLst/>
-                        </a:rPr>
-                        <a:t>        Word: political, TF-IDF: 0.00696</a:t>
-                      </a:r>
-                      <a:endParaRPr lang="en-US" sz="1400" b="0" i="0" u="none" strike="noStrike" dirty="0">
-                        <a:solidFill>
-                          <a:srgbClr val="000000"/>
-                        </a:solidFill>
-                        <a:effectLst/>
-                        <a:latin typeface="Arial Unicode MS" panose="020B0604020202020204" pitchFamily="34" charset="-122"/>
-                        <a:ea typeface="Arial Unicode MS" panose="020B0604020202020204" pitchFamily="34" charset="-122"/>
-                      </a:endParaRPr>
-                    </a:p>
-                  </a:txBody>
-                  <a:tcPr marL="7967" marR="7967" marT="7967" marB="0" anchor="ctr"/>
-                </a:tc>
-                <a:tc>
-                  <a:txBody>
-                    <a:bodyPr/>
-                    <a:lstStyle/>
-                    <a:p>
-                      <a:pPr algn="l" fontAlgn="ctr"/>
-                      <a:r>
-                        <a:rPr lang="en-US" sz="1400" u="none" strike="noStrike">
-                          <a:effectLst/>
-                        </a:rPr>
-                        <a:t>        Word: People, TF-IDF: 0.02194</a:t>
-                      </a:r>
-                      <a:endParaRPr lang="en-US" sz="1400" b="0" i="0" u="none" strike="noStrike">
-                        <a:solidFill>
-                          <a:srgbClr val="000000"/>
-                        </a:solidFill>
-                        <a:effectLst/>
-                        <a:latin typeface="Arial Unicode MS" panose="020B0604020202020204" pitchFamily="34" charset="-122"/>
-                        <a:ea typeface="Arial Unicode MS" panose="020B0604020202020204" pitchFamily="34" charset="-122"/>
-                      </a:endParaRPr>
-                    </a:p>
-                  </a:txBody>
-                  <a:tcPr marL="7967" marR="7967" marT="7967" marB="0" anchor="ctr"/>
-                </a:tc>
-                <a:extLst>
-                  <a:ext uri="{0D108BD9-81ED-4DB2-BD59-A6C34878D82A}">
-                    <a16:rowId xmlns:a16="http://schemas.microsoft.com/office/drawing/2014/main" val="1844755096"/>
-                  </a:ext>
-                </a:extLst>
-              </a:tr>
-              <a:tr h="316767">
-                <a:tc>
-                  <a:txBody>
-                    <a:bodyPr/>
-                    <a:lstStyle/>
-                    <a:p>
-                      <a:pPr algn="l" fontAlgn="ctr"/>
-                      <a:r>
-                        <a:rPr lang="en-US" sz="1400" u="none" strike="noStrike">
-                          <a:solidFill>
-                            <a:srgbClr val="FF0000"/>
-                          </a:solidFill>
-                          <a:effectLst/>
-                        </a:rPr>
-                        <a:t>        Word: party, TF-IDF: 0.00678</a:t>
-                      </a:r>
-                      <a:endParaRPr lang="en-US" sz="1400" b="0" i="0" u="none" strike="noStrike">
-                        <a:solidFill>
-                          <a:srgbClr val="FF0000"/>
-                        </a:solidFill>
-                        <a:effectLst/>
-                        <a:latin typeface="Arial Unicode MS" panose="020B0604020202020204" pitchFamily="34" charset="-122"/>
-                        <a:ea typeface="Arial Unicode MS" panose="020B0604020202020204" pitchFamily="34" charset="-122"/>
-                      </a:endParaRPr>
-                    </a:p>
-                  </a:txBody>
-                  <a:tcPr marL="7967" marR="7967" marT="7967" marB="0" anchor="ctr"/>
-                </a:tc>
-                <a:tc>
-                  <a:txBody>
-                    <a:bodyPr/>
-                    <a:lstStyle/>
-                    <a:p>
-                      <a:pPr algn="l" fontAlgn="ctr"/>
-                      <a:r>
-                        <a:rPr lang="en-US" sz="1400" u="none" strike="noStrike" dirty="0">
-                          <a:effectLst/>
-                        </a:rPr>
-                        <a:t>        </a:t>
-                      </a:r>
-                      <a:r>
-                        <a:rPr lang="en-US" sz="1400" u="none" strike="noStrike" dirty="0">
-                          <a:solidFill>
-                            <a:srgbClr val="FF0000"/>
-                          </a:solidFill>
-                          <a:effectLst/>
-                        </a:rPr>
-                        <a:t>Word: China, TF-IDF: 0.02014</a:t>
-                      </a:r>
-                      <a:endParaRPr lang="en-US" sz="1400" b="0" i="0" u="none" strike="noStrike" dirty="0">
-                        <a:solidFill>
-                          <a:srgbClr val="FF0000"/>
-                        </a:solidFill>
-                        <a:effectLst/>
-                        <a:latin typeface="Arial Unicode MS" panose="020B0604020202020204" pitchFamily="34" charset="-122"/>
-                        <a:ea typeface="Arial Unicode MS" panose="020B0604020202020204" pitchFamily="34" charset="-122"/>
-                      </a:endParaRPr>
-                    </a:p>
-                  </a:txBody>
-                  <a:tcPr marL="7967" marR="7967" marT="7967" marB="0" anchor="ctr"/>
-                </a:tc>
-                <a:extLst>
-                  <a:ext uri="{0D108BD9-81ED-4DB2-BD59-A6C34878D82A}">
-                    <a16:rowId xmlns:a16="http://schemas.microsoft.com/office/drawing/2014/main" val="2751609589"/>
-                  </a:ext>
-                </a:extLst>
-              </a:tr>
-              <a:tr h="316767">
-                <a:tc>
-                  <a:txBody>
-                    <a:bodyPr/>
-                    <a:lstStyle/>
-                    <a:p>
-                      <a:pPr algn="l" fontAlgn="ctr"/>
-                      <a:r>
-                        <a:rPr lang="en-US" sz="1400" u="none" strike="noStrike" dirty="0">
-                          <a:solidFill>
-                            <a:srgbClr val="FF0000"/>
-                          </a:solidFill>
-                          <a:effectLst/>
-                        </a:rPr>
-                        <a:t>        Word: Party, TF-IDF: 0.00678</a:t>
-                      </a:r>
-                      <a:endParaRPr lang="en-US" sz="1400" b="0" i="0" u="none" strike="noStrike" dirty="0">
-                        <a:solidFill>
-                          <a:srgbClr val="FF0000"/>
-                        </a:solidFill>
-                        <a:effectLst/>
-                        <a:latin typeface="Arial Unicode MS" panose="020B0604020202020204" pitchFamily="34" charset="-122"/>
-                        <a:ea typeface="Arial Unicode MS" panose="020B0604020202020204" pitchFamily="34" charset="-122"/>
-                      </a:endParaRPr>
-                    </a:p>
-                  </a:txBody>
-                  <a:tcPr marL="7967" marR="7967" marT="7967" marB="0" anchor="ctr"/>
-                </a:tc>
-                <a:tc>
-                  <a:txBody>
-                    <a:bodyPr/>
-                    <a:lstStyle/>
-                    <a:p>
-                      <a:pPr algn="l" fontAlgn="ctr"/>
-                      <a:r>
-                        <a:rPr lang="en-US" sz="1400" u="none" strike="noStrike">
-                          <a:effectLst/>
-                        </a:rPr>
-                        <a:t>        Word: In, TF-IDF: 0.01972</a:t>
-                      </a:r>
-                      <a:endParaRPr lang="en-US" sz="1400" b="0" i="0" u="none" strike="noStrike">
-                        <a:solidFill>
-                          <a:srgbClr val="000000"/>
-                        </a:solidFill>
-                        <a:effectLst/>
-                        <a:latin typeface="Arial Unicode MS" panose="020B0604020202020204" pitchFamily="34" charset="-122"/>
-                        <a:ea typeface="Arial Unicode MS" panose="020B0604020202020204" pitchFamily="34" charset="-122"/>
-                      </a:endParaRPr>
-                    </a:p>
-                  </a:txBody>
-                  <a:tcPr marL="7967" marR="7967" marT="7967" marB="0" anchor="ctr"/>
-                </a:tc>
-                <a:extLst>
-                  <a:ext uri="{0D108BD9-81ED-4DB2-BD59-A6C34878D82A}">
-                    <a16:rowId xmlns:a16="http://schemas.microsoft.com/office/drawing/2014/main" val="3559482569"/>
-                  </a:ext>
-                </a:extLst>
-              </a:tr>
-              <a:tr h="316767">
-                <a:tc>
-                  <a:txBody>
-                    <a:bodyPr/>
-                    <a:lstStyle/>
-                    <a:p>
-                      <a:pPr algn="l" fontAlgn="ctr"/>
-                      <a:r>
-                        <a:rPr lang="en-US" sz="1400" u="none" strike="noStrike">
-                          <a:effectLst/>
-                        </a:rPr>
-                        <a:t>        Word: government, TF-IDF: 0.00565</a:t>
-                      </a:r>
-                      <a:endParaRPr lang="en-US" sz="1400" b="0" i="0" u="none" strike="noStrike">
-                        <a:solidFill>
-                          <a:srgbClr val="000000"/>
-                        </a:solidFill>
-                        <a:effectLst/>
-                        <a:latin typeface="Arial Unicode MS" panose="020B0604020202020204" pitchFamily="34" charset="-122"/>
-                        <a:ea typeface="Arial Unicode MS" panose="020B0604020202020204" pitchFamily="34" charset="-122"/>
-                      </a:endParaRPr>
-                    </a:p>
-                  </a:txBody>
-                  <a:tcPr marL="7967" marR="7967" marT="7967" marB="0" anchor="ctr"/>
-                </a:tc>
-                <a:tc>
-                  <a:txBody>
-                    <a:bodyPr/>
-                    <a:lstStyle/>
-                    <a:p>
-                      <a:pPr algn="l" fontAlgn="ctr"/>
-                      <a:r>
-                        <a:rPr lang="en-US" sz="1400" u="none" strike="noStrike">
-                          <a:effectLst/>
-                        </a:rPr>
-                        <a:t>        Word: This, TF-IDF: 0.01587</a:t>
-                      </a:r>
-                      <a:endParaRPr lang="en-US" sz="1400" b="0" i="0" u="none" strike="noStrike">
-                        <a:solidFill>
-                          <a:srgbClr val="000000"/>
-                        </a:solidFill>
-                        <a:effectLst/>
-                        <a:latin typeface="Arial Unicode MS" panose="020B0604020202020204" pitchFamily="34" charset="-122"/>
-                        <a:ea typeface="Arial Unicode MS" panose="020B0604020202020204" pitchFamily="34" charset="-122"/>
-                      </a:endParaRPr>
-                    </a:p>
-                  </a:txBody>
-                  <a:tcPr marL="7967" marR="7967" marT="7967" marB="0" anchor="ctr"/>
-                </a:tc>
-                <a:extLst>
-                  <a:ext uri="{0D108BD9-81ED-4DB2-BD59-A6C34878D82A}">
-                    <a16:rowId xmlns:a16="http://schemas.microsoft.com/office/drawing/2014/main" val="295779852"/>
-                  </a:ext>
-                </a:extLst>
-              </a:tr>
-              <a:tr h="316767">
-                <a:tc>
-                  <a:txBody>
-                    <a:bodyPr/>
-                    <a:lstStyle/>
-                    <a:p>
-                      <a:pPr algn="l" fontAlgn="ctr"/>
-                      <a:r>
-                        <a:rPr lang="en-US" sz="1400" u="none" strike="noStrike" dirty="0">
-                          <a:effectLst/>
-                        </a:rPr>
-                        <a:t>        Word: people, TF-IDF: 0.0055</a:t>
-                      </a:r>
-                      <a:endParaRPr lang="en-US" sz="1400" b="0" i="0" u="none" strike="noStrike" dirty="0">
-                        <a:solidFill>
-                          <a:srgbClr val="000000"/>
-                        </a:solidFill>
-                        <a:effectLst/>
-                        <a:latin typeface="Arial Unicode MS" panose="020B0604020202020204" pitchFamily="34" charset="-122"/>
-                        <a:ea typeface="Arial Unicode MS" panose="020B0604020202020204" pitchFamily="34" charset="-122"/>
-                      </a:endParaRPr>
-                    </a:p>
-                  </a:txBody>
-                  <a:tcPr marL="7967" marR="7967" marT="7967" marB="0" anchor="ctr"/>
-                </a:tc>
-                <a:tc>
-                  <a:txBody>
-                    <a:bodyPr/>
-                    <a:lstStyle/>
-                    <a:p>
-                      <a:pPr algn="l" fontAlgn="ctr"/>
-                      <a:r>
-                        <a:rPr lang="en-US" sz="1400" u="none" strike="noStrike" dirty="0">
-                          <a:effectLst/>
-                        </a:rPr>
-                        <a:t>        </a:t>
-                      </a:r>
-                      <a:r>
-                        <a:rPr lang="en-US" sz="1400" u="none" strike="noStrike" dirty="0">
-                          <a:solidFill>
-                            <a:schemeClr val="tx1"/>
-                          </a:solidFill>
-                          <a:effectLst/>
-                        </a:rPr>
-                        <a:t>Word: democracy, TF-IDF: 0.01454</a:t>
-                      </a:r>
-                      <a:endParaRPr lang="en-US" sz="1400" b="0" i="0" u="none" strike="noStrike" dirty="0">
-                        <a:solidFill>
-                          <a:schemeClr val="tx1"/>
-                        </a:solidFill>
-                        <a:effectLst/>
-                        <a:latin typeface="Arial Unicode MS" panose="020B0604020202020204" pitchFamily="34" charset="-122"/>
-                        <a:ea typeface="Arial Unicode MS" panose="020B0604020202020204" pitchFamily="34" charset="-122"/>
-                      </a:endParaRPr>
-                    </a:p>
-                  </a:txBody>
-                  <a:tcPr marL="7967" marR="7967" marT="7967" marB="0" anchor="ctr"/>
-                </a:tc>
-                <a:extLst>
-                  <a:ext uri="{0D108BD9-81ED-4DB2-BD59-A6C34878D82A}">
-                    <a16:rowId xmlns:a16="http://schemas.microsoft.com/office/drawing/2014/main" val="1494393077"/>
-                  </a:ext>
-                </a:extLst>
-              </a:tr>
-              <a:tr h="316767">
-                <a:tc>
-                  <a:txBody>
-                    <a:bodyPr/>
-                    <a:lstStyle/>
-                    <a:p>
-                      <a:pPr algn="l" fontAlgn="ctr"/>
-                      <a:r>
-                        <a:rPr lang="en-US" sz="1400" u="none" strike="noStrike" dirty="0">
-                          <a:solidFill>
-                            <a:srgbClr val="FF0000"/>
-                          </a:solidFill>
-                          <a:effectLst/>
-                        </a:rPr>
-                        <a:t>        Word: New, TF-IDF: 0.00485</a:t>
-                      </a:r>
-                      <a:endParaRPr lang="en-US" sz="1400" b="0" i="0" u="none" strike="noStrike" dirty="0">
-                        <a:solidFill>
-                          <a:srgbClr val="FF0000"/>
-                        </a:solidFill>
-                        <a:effectLst/>
-                        <a:latin typeface="Arial Unicode MS" panose="020B0604020202020204" pitchFamily="34" charset="-122"/>
-                        <a:ea typeface="Arial Unicode MS" panose="020B0604020202020204" pitchFamily="34" charset="-122"/>
-                      </a:endParaRPr>
-                    </a:p>
-                  </a:txBody>
-                  <a:tcPr marL="7967" marR="7967" marT="7967" marB="0" anchor="ctr"/>
-                </a:tc>
-                <a:tc>
-                  <a:txBody>
-                    <a:bodyPr/>
-                    <a:lstStyle/>
-                    <a:p>
-                      <a:pPr algn="l" fontAlgn="ctr"/>
-                      <a:r>
-                        <a:rPr lang="en-US" sz="1400" u="none" strike="noStrike" dirty="0">
-                          <a:effectLst/>
-                        </a:rPr>
-                        <a:t>        Word: As, TF-IDF: 0.01394</a:t>
-                      </a:r>
-                      <a:endParaRPr lang="en-US" sz="1400" b="0" i="0" u="none" strike="noStrike" dirty="0">
-                        <a:solidFill>
-                          <a:srgbClr val="000000"/>
-                        </a:solidFill>
-                        <a:effectLst/>
-                        <a:latin typeface="Arial Unicode MS" panose="020B0604020202020204" pitchFamily="34" charset="-122"/>
-                        <a:ea typeface="Arial Unicode MS" panose="020B0604020202020204" pitchFamily="34" charset="-122"/>
-                      </a:endParaRPr>
-                    </a:p>
-                  </a:txBody>
-                  <a:tcPr marL="7967" marR="7967" marT="7967" marB="0" anchor="ctr"/>
-                </a:tc>
-                <a:extLst>
-                  <a:ext uri="{0D108BD9-81ED-4DB2-BD59-A6C34878D82A}">
-                    <a16:rowId xmlns:a16="http://schemas.microsoft.com/office/drawing/2014/main" val="59479970"/>
-                  </a:ext>
-                </a:extLst>
-              </a:tr>
-              <a:tr h="316767">
-                <a:tc>
-                  <a:txBody>
-                    <a:bodyPr/>
-                    <a:lstStyle/>
-                    <a:p>
-                      <a:pPr algn="l" fontAlgn="ctr"/>
-                      <a:r>
-                        <a:rPr lang="en-US" sz="1400" u="none" strike="noStrike" dirty="0">
-                          <a:solidFill>
-                            <a:srgbClr val="FF0000"/>
-                          </a:solidFill>
-                          <a:effectLst/>
-                        </a:rPr>
-                        <a:t>        Word: President, TF-IDF: 0.00479</a:t>
-                      </a:r>
-                      <a:endParaRPr lang="en-US" sz="1400" b="0" i="0" u="none" strike="noStrike" dirty="0">
-                        <a:solidFill>
-                          <a:srgbClr val="FF0000"/>
-                        </a:solidFill>
-                        <a:effectLst/>
-                        <a:latin typeface="Arial Unicode MS" panose="020B0604020202020204" pitchFamily="34" charset="-122"/>
-                        <a:ea typeface="Arial Unicode MS" panose="020B0604020202020204" pitchFamily="34" charset="-122"/>
-                      </a:endParaRPr>
-                    </a:p>
-                  </a:txBody>
-                  <a:tcPr marL="7967" marR="7967" marT="7967" marB="0" anchor="ctr"/>
-                </a:tc>
-                <a:tc>
-                  <a:txBody>
-                    <a:bodyPr/>
-                    <a:lstStyle/>
-                    <a:p>
-                      <a:pPr algn="l" fontAlgn="ctr"/>
-                      <a:r>
-                        <a:rPr lang="en-US" sz="1400" u="none" strike="noStrike" dirty="0">
-                          <a:effectLst/>
-                        </a:rPr>
-                        <a:t>        Word: people, TF-IDF: 0.0134</a:t>
-                      </a:r>
-                      <a:endParaRPr lang="en-US" sz="1400" b="0" i="0" u="none" strike="noStrike" dirty="0">
-                        <a:solidFill>
-                          <a:srgbClr val="000000"/>
-                        </a:solidFill>
-                        <a:effectLst/>
-                        <a:latin typeface="Arial Unicode MS" panose="020B0604020202020204" pitchFamily="34" charset="-122"/>
-                        <a:ea typeface="Arial Unicode MS" panose="020B0604020202020204" pitchFamily="34" charset="-122"/>
-                      </a:endParaRPr>
-                    </a:p>
-                  </a:txBody>
-                  <a:tcPr marL="7967" marR="7967" marT="7967" marB="0" anchor="ctr"/>
-                </a:tc>
-                <a:extLst>
-                  <a:ext uri="{0D108BD9-81ED-4DB2-BD59-A6C34878D82A}">
-                    <a16:rowId xmlns:a16="http://schemas.microsoft.com/office/drawing/2014/main" val="1438407542"/>
-                  </a:ext>
-                </a:extLst>
-              </a:tr>
-              <a:tr h="316767">
-                <a:tc>
-                  <a:txBody>
-                    <a:bodyPr/>
-                    <a:lstStyle/>
-                    <a:p>
-                      <a:pPr algn="l" fontAlgn="ctr"/>
-                      <a:r>
-                        <a:rPr lang="en-US" sz="1400" u="none" strike="noStrike">
-                          <a:effectLst/>
-                        </a:rPr>
-                        <a:t>        Word: democracy, TF-IDF: 0.00471</a:t>
-                      </a:r>
-                      <a:endParaRPr lang="en-US" sz="1400" b="0" i="0" u="none" strike="noStrike">
-                        <a:solidFill>
-                          <a:srgbClr val="000000"/>
-                        </a:solidFill>
-                        <a:effectLst/>
-                        <a:latin typeface="Arial Unicode MS" panose="020B0604020202020204" pitchFamily="34" charset="-122"/>
-                        <a:ea typeface="Arial Unicode MS" panose="020B0604020202020204" pitchFamily="34" charset="-122"/>
-                      </a:endParaRPr>
-                    </a:p>
-                  </a:txBody>
-                  <a:tcPr marL="7967" marR="7967" marT="7967" marB="0" anchor="ctr"/>
-                </a:tc>
-                <a:tc>
-                  <a:txBody>
-                    <a:bodyPr/>
-                    <a:lstStyle/>
-                    <a:p>
-                      <a:pPr algn="l" fontAlgn="ctr"/>
-                      <a:r>
-                        <a:rPr lang="en-US" sz="1400" u="none" strike="noStrike" dirty="0">
-                          <a:effectLst/>
-                        </a:rPr>
-                        <a:t>        Word: They, TF-IDF: 0.01326</a:t>
-                      </a:r>
-                      <a:endParaRPr lang="en-US" sz="1400" b="0" i="0" u="none" strike="noStrike" dirty="0">
-                        <a:solidFill>
-                          <a:srgbClr val="000000"/>
-                        </a:solidFill>
-                        <a:effectLst/>
-                        <a:latin typeface="Arial Unicode MS" panose="020B0604020202020204" pitchFamily="34" charset="-122"/>
-                        <a:ea typeface="Arial Unicode MS" panose="020B0604020202020204" pitchFamily="34" charset="-122"/>
-                      </a:endParaRPr>
-                    </a:p>
-                  </a:txBody>
-                  <a:tcPr marL="7967" marR="7967" marT="7967" marB="0" anchor="ctr"/>
-                </a:tc>
-                <a:extLst>
-                  <a:ext uri="{0D108BD9-81ED-4DB2-BD59-A6C34878D82A}">
-                    <a16:rowId xmlns:a16="http://schemas.microsoft.com/office/drawing/2014/main" val="4281956523"/>
-                  </a:ext>
-                </a:extLst>
-              </a:tr>
-              <a:tr h="316767">
-                <a:tc>
-                  <a:txBody>
-                    <a:bodyPr/>
-                    <a:lstStyle/>
-                    <a:p>
-                      <a:pPr algn="l" fontAlgn="ctr"/>
-                      <a:r>
-                        <a:rPr lang="en-US" sz="1400" u="none" strike="noStrike" dirty="0">
-                          <a:solidFill>
-                            <a:srgbClr val="FF0000"/>
-                          </a:solidFill>
-                          <a:effectLst/>
-                        </a:rPr>
-                        <a:t>        Word: military, TF-IDF: 0.00459</a:t>
-                      </a:r>
-                      <a:endParaRPr lang="en-US" sz="1400" b="0" i="0" u="none" strike="noStrike" dirty="0">
-                        <a:solidFill>
-                          <a:srgbClr val="FF0000"/>
-                        </a:solidFill>
-                        <a:effectLst/>
-                        <a:latin typeface="Arial Unicode MS" panose="020B0604020202020204" pitchFamily="34" charset="-122"/>
-                        <a:ea typeface="Arial Unicode MS" panose="020B0604020202020204" pitchFamily="34" charset="-122"/>
-                      </a:endParaRPr>
-                    </a:p>
-                  </a:txBody>
-                  <a:tcPr marL="7967" marR="7967" marT="7967" marB="0" anchor="ctr"/>
-                </a:tc>
-                <a:tc>
-                  <a:txBody>
-                    <a:bodyPr/>
-                    <a:lstStyle/>
-                    <a:p>
-                      <a:pPr algn="l" fontAlgn="ctr"/>
-                      <a:r>
-                        <a:rPr lang="en-US" sz="1400" u="none" strike="noStrike">
-                          <a:effectLst/>
-                        </a:rPr>
-                        <a:t>        Word: political, TF-IDF: 0.01233</a:t>
-                      </a:r>
-                      <a:endParaRPr lang="en-US" sz="1400" b="0" i="0" u="none" strike="noStrike">
-                        <a:solidFill>
-                          <a:srgbClr val="000000"/>
-                        </a:solidFill>
-                        <a:effectLst/>
-                        <a:latin typeface="Arial Unicode MS" panose="020B0604020202020204" pitchFamily="34" charset="-122"/>
-                        <a:ea typeface="Arial Unicode MS" panose="020B0604020202020204" pitchFamily="34" charset="-122"/>
-                      </a:endParaRPr>
-                    </a:p>
-                  </a:txBody>
-                  <a:tcPr marL="7967" marR="7967" marT="7967" marB="0" anchor="ctr"/>
-                </a:tc>
-                <a:extLst>
-                  <a:ext uri="{0D108BD9-81ED-4DB2-BD59-A6C34878D82A}">
-                    <a16:rowId xmlns:a16="http://schemas.microsoft.com/office/drawing/2014/main" val="117785564"/>
-                  </a:ext>
-                </a:extLst>
-              </a:tr>
-              <a:tr h="316767">
-                <a:tc>
-                  <a:txBody>
-                    <a:bodyPr/>
-                    <a:lstStyle/>
-                    <a:p>
-                      <a:pPr algn="l" fontAlgn="ctr"/>
-                      <a:r>
-                        <a:rPr lang="en-US" sz="1400" u="none" strike="noStrike" dirty="0">
-                          <a:solidFill>
-                            <a:srgbClr val="FF0000"/>
-                          </a:solidFill>
-                          <a:effectLst/>
-                        </a:rPr>
-                        <a:t>        Word: police, TF-IDF: 0.00446</a:t>
-                      </a:r>
-                      <a:endParaRPr lang="en-US" sz="1400" b="0" i="0" u="none" strike="noStrike" dirty="0">
-                        <a:solidFill>
-                          <a:srgbClr val="FF0000"/>
-                        </a:solidFill>
-                        <a:effectLst/>
-                        <a:latin typeface="Arial Unicode MS" panose="020B0604020202020204" pitchFamily="34" charset="-122"/>
-                        <a:ea typeface="Arial Unicode MS" panose="020B0604020202020204" pitchFamily="34" charset="-122"/>
-                      </a:endParaRPr>
-                    </a:p>
-                  </a:txBody>
-                  <a:tcPr marL="7967" marR="7967" marT="7967" marB="0" anchor="ctr"/>
-                </a:tc>
-                <a:tc>
-                  <a:txBody>
-                    <a:bodyPr/>
-                    <a:lstStyle/>
-                    <a:p>
-                      <a:pPr algn="l" fontAlgn="ctr"/>
-                      <a:r>
-                        <a:rPr lang="en-US" sz="1400" u="none" strike="noStrike">
-                          <a:effectLst/>
-                        </a:rPr>
-                        <a:t>        Word: Chinese, TF-IDF: 0.01172</a:t>
-                      </a:r>
-                      <a:endParaRPr lang="en-US" sz="1400" b="0" i="0" u="none" strike="noStrike">
-                        <a:solidFill>
-                          <a:srgbClr val="000000"/>
-                        </a:solidFill>
-                        <a:effectLst/>
-                        <a:latin typeface="Arial Unicode MS" panose="020B0604020202020204" pitchFamily="34" charset="-122"/>
-                        <a:ea typeface="Arial Unicode MS" panose="020B0604020202020204" pitchFamily="34" charset="-122"/>
-                      </a:endParaRPr>
-                    </a:p>
-                  </a:txBody>
-                  <a:tcPr marL="7967" marR="7967" marT="7967" marB="0" anchor="ctr"/>
-                </a:tc>
-                <a:extLst>
-                  <a:ext uri="{0D108BD9-81ED-4DB2-BD59-A6C34878D82A}">
-                    <a16:rowId xmlns:a16="http://schemas.microsoft.com/office/drawing/2014/main" val="2749220905"/>
-                  </a:ext>
-                </a:extLst>
-              </a:tr>
-              <a:tr h="316767">
-                <a:tc>
-                  <a:txBody>
-                    <a:bodyPr/>
-                    <a:lstStyle/>
-                    <a:p>
-                      <a:pPr algn="l" fontAlgn="ctr"/>
-                      <a:r>
-                        <a:rPr lang="en-US" sz="1400" u="none" strike="noStrike">
-                          <a:effectLst/>
-                        </a:rPr>
-                        <a:t>        Word: Ms, TF-IDF: 0.00437</a:t>
-                      </a:r>
-                      <a:endParaRPr lang="en-US" sz="1400" b="0" i="0" u="none" strike="noStrike">
-                        <a:solidFill>
-                          <a:srgbClr val="000000"/>
-                        </a:solidFill>
-                        <a:effectLst/>
-                        <a:latin typeface="Arial Unicode MS" panose="020B0604020202020204" pitchFamily="34" charset="-122"/>
-                        <a:ea typeface="Arial Unicode MS" panose="020B0604020202020204" pitchFamily="34" charset="-122"/>
-                      </a:endParaRPr>
-                    </a:p>
-                  </a:txBody>
-                  <a:tcPr marL="7967" marR="7967" marT="7967" marB="0" anchor="ctr"/>
-                </a:tc>
-                <a:tc>
-                  <a:txBody>
-                    <a:bodyPr/>
-                    <a:lstStyle/>
-                    <a:p>
-                      <a:pPr algn="l" fontAlgn="ctr"/>
-                      <a:r>
-                        <a:rPr lang="en-US" sz="1400" u="none" strike="noStrike" dirty="0">
-                          <a:solidFill>
-                            <a:srgbClr val="FF0000"/>
-                          </a:solidFill>
-                          <a:effectLst/>
-                        </a:rPr>
-                        <a:t>        Word: One, TF-IDF: 0.01015</a:t>
-                      </a:r>
-                      <a:endParaRPr lang="en-US" sz="1400" b="0" i="0" u="none" strike="noStrike" dirty="0">
-                        <a:solidFill>
-                          <a:srgbClr val="FF0000"/>
-                        </a:solidFill>
-                        <a:effectLst/>
-                        <a:latin typeface="Arial Unicode MS" panose="020B0604020202020204" pitchFamily="34" charset="-122"/>
-                        <a:ea typeface="Arial Unicode MS" panose="020B0604020202020204" pitchFamily="34" charset="-122"/>
-                      </a:endParaRPr>
-                    </a:p>
-                  </a:txBody>
-                  <a:tcPr marL="7967" marR="7967" marT="7967" marB="0" anchor="ctr"/>
-                </a:tc>
-                <a:extLst>
-                  <a:ext uri="{0D108BD9-81ED-4DB2-BD59-A6C34878D82A}">
-                    <a16:rowId xmlns:a16="http://schemas.microsoft.com/office/drawing/2014/main" val="1273135251"/>
-                  </a:ext>
-                </a:extLst>
-              </a:tr>
-              <a:tr h="316767">
-                <a:tc>
-                  <a:txBody>
-                    <a:bodyPr/>
-                    <a:lstStyle/>
-                    <a:p>
-                      <a:pPr algn="l" fontAlgn="ctr"/>
-                      <a:r>
-                        <a:rPr lang="en-US" sz="1400" u="none" strike="noStrike" dirty="0">
-                          <a:effectLst/>
-                        </a:rPr>
-                        <a:t>        Word: country, TF-IDF: 0.00427</a:t>
-                      </a:r>
-                      <a:endParaRPr lang="en-US" sz="1400" b="0" i="0" u="none" strike="noStrike" dirty="0">
-                        <a:solidFill>
-                          <a:srgbClr val="000000"/>
-                        </a:solidFill>
-                        <a:effectLst/>
-                        <a:latin typeface="Arial Unicode MS" panose="020B0604020202020204" pitchFamily="34" charset="-122"/>
-                        <a:ea typeface="Arial Unicode MS" panose="020B0604020202020204" pitchFamily="34" charset="-122"/>
-                      </a:endParaRPr>
-                    </a:p>
-                  </a:txBody>
-                  <a:tcPr marL="7967" marR="7967" marT="7967" marB="0" anchor="ctr"/>
-                </a:tc>
-                <a:tc>
-                  <a:txBody>
-                    <a:bodyPr/>
-                    <a:lstStyle/>
-                    <a:p>
-                      <a:pPr algn="l" fontAlgn="ctr"/>
-                      <a:r>
-                        <a:rPr lang="en-US" sz="1400" u="none" strike="noStrike" dirty="0">
-                          <a:effectLst/>
-                        </a:rPr>
-                        <a:t>        </a:t>
-                      </a:r>
-                      <a:r>
-                        <a:rPr lang="en-US" sz="1400" u="none" strike="noStrike" dirty="0">
-                          <a:solidFill>
-                            <a:srgbClr val="FF0000"/>
-                          </a:solidFill>
-                          <a:effectLst/>
-                        </a:rPr>
-                        <a:t>Word: Central, TF-IDF: 0.00959</a:t>
-                      </a:r>
-                      <a:endParaRPr lang="en-US" sz="1400" b="0" i="0" u="none" strike="noStrike" dirty="0">
-                        <a:solidFill>
-                          <a:srgbClr val="FF0000"/>
-                        </a:solidFill>
-                        <a:effectLst/>
-                        <a:latin typeface="Arial Unicode MS" panose="020B0604020202020204" pitchFamily="34" charset="-122"/>
-                        <a:ea typeface="Arial Unicode MS" panose="020B0604020202020204" pitchFamily="34" charset="-122"/>
-                      </a:endParaRPr>
-                    </a:p>
-                  </a:txBody>
-                  <a:tcPr marL="7967" marR="7967" marT="7967" marB="0" anchor="ctr"/>
-                </a:tc>
-                <a:extLst>
-                  <a:ext uri="{0D108BD9-81ED-4DB2-BD59-A6C34878D82A}">
-                    <a16:rowId xmlns:a16="http://schemas.microsoft.com/office/drawing/2014/main" val="3417405262"/>
-                  </a:ext>
-                </a:extLst>
-              </a:tr>
-              <a:tr h="316767">
-                <a:tc>
-                  <a:txBody>
-                    <a:bodyPr/>
-                    <a:lstStyle/>
-                    <a:p>
-                      <a:pPr algn="l" fontAlgn="ctr"/>
-                      <a:r>
-                        <a:rPr lang="en-US" sz="1400" u="none" strike="noStrike" dirty="0">
-                          <a:effectLst/>
-                        </a:rPr>
-                        <a:t>        Word: new, TF-IDF: 0.00414</a:t>
-                      </a:r>
-                      <a:endParaRPr lang="en-US" sz="1400" b="0" i="0" u="none" strike="noStrike" dirty="0">
-                        <a:solidFill>
-                          <a:srgbClr val="000000"/>
-                        </a:solidFill>
-                        <a:effectLst/>
-                        <a:latin typeface="Arial Unicode MS" panose="020B0604020202020204" pitchFamily="34" charset="-122"/>
-                        <a:ea typeface="Arial Unicode MS" panose="020B0604020202020204" pitchFamily="34" charset="-122"/>
-                      </a:endParaRPr>
-                    </a:p>
-                  </a:txBody>
-                  <a:tcPr marL="7967" marR="7967" marT="7967" marB="0" anchor="ctr"/>
-                </a:tc>
-                <a:tc>
-                  <a:txBody>
-                    <a:bodyPr/>
-                    <a:lstStyle/>
-                    <a:p>
-                      <a:pPr algn="l" fontAlgn="ctr"/>
-                      <a:r>
-                        <a:rPr lang="en-US" sz="1400" u="none" strike="noStrike">
-                          <a:effectLst/>
-                        </a:rPr>
-                        <a:t>        Word: It, TF-IDF: 0.00957</a:t>
-                      </a:r>
-                      <a:endParaRPr lang="en-US" sz="1400" b="0" i="0" u="none" strike="noStrike">
-                        <a:solidFill>
-                          <a:srgbClr val="000000"/>
-                        </a:solidFill>
-                        <a:effectLst/>
-                        <a:latin typeface="Arial Unicode MS" panose="020B0604020202020204" pitchFamily="34" charset="-122"/>
-                        <a:ea typeface="Arial Unicode MS" panose="020B0604020202020204" pitchFamily="34" charset="-122"/>
-                      </a:endParaRPr>
-                    </a:p>
-                  </a:txBody>
-                  <a:tcPr marL="7967" marR="7967" marT="7967" marB="0" anchor="ctr"/>
-                </a:tc>
-                <a:extLst>
-                  <a:ext uri="{0D108BD9-81ED-4DB2-BD59-A6C34878D82A}">
-                    <a16:rowId xmlns:a16="http://schemas.microsoft.com/office/drawing/2014/main" val="3244262795"/>
-                  </a:ext>
-                </a:extLst>
-              </a:tr>
-              <a:tr h="316767">
-                <a:tc>
-                  <a:txBody>
-                    <a:bodyPr/>
-                    <a:lstStyle/>
-                    <a:p>
-                      <a:pPr algn="l" fontAlgn="ctr"/>
-                      <a:r>
-                        <a:rPr lang="en-US" sz="1400" u="none" strike="noStrike">
-                          <a:effectLst/>
-                        </a:rPr>
-                        <a:t>        Word: would, TF-IDF: 0.00408</a:t>
-                      </a:r>
-                      <a:endParaRPr lang="en-US" sz="1400" b="0" i="0" u="none" strike="noStrike">
-                        <a:solidFill>
-                          <a:srgbClr val="000000"/>
-                        </a:solidFill>
-                        <a:effectLst/>
-                        <a:latin typeface="Arial Unicode MS" panose="020B0604020202020204" pitchFamily="34" charset="-122"/>
-                        <a:ea typeface="Arial Unicode MS" panose="020B0604020202020204" pitchFamily="34" charset="-122"/>
-                      </a:endParaRPr>
-                    </a:p>
-                  </a:txBody>
-                  <a:tcPr marL="7967" marR="7967" marT="7967" marB="0" anchor="ctr"/>
-                </a:tc>
-                <a:tc>
-                  <a:txBody>
-                    <a:bodyPr/>
-                    <a:lstStyle/>
-                    <a:p>
-                      <a:pPr algn="l" fontAlgn="ctr"/>
-                      <a:r>
-                        <a:rPr lang="en-US" sz="1400" u="none" strike="noStrike" dirty="0">
-                          <a:effectLst/>
-                        </a:rPr>
-                        <a:t>        Word: 's, TF-IDF: 0.00955</a:t>
-                      </a:r>
-                      <a:endParaRPr lang="en-US" sz="1400" b="0" i="0" u="none" strike="noStrike" dirty="0">
-                        <a:solidFill>
-                          <a:srgbClr val="000000"/>
-                        </a:solidFill>
-                        <a:effectLst/>
-                        <a:latin typeface="Arial Unicode MS" panose="020B0604020202020204" pitchFamily="34" charset="-122"/>
-                        <a:ea typeface="Arial Unicode MS" panose="020B0604020202020204" pitchFamily="34" charset="-122"/>
-                      </a:endParaRPr>
-                    </a:p>
-                  </a:txBody>
-                  <a:tcPr marL="7967" marR="7967" marT="7967" marB="0" anchor="ctr"/>
-                </a:tc>
-                <a:extLst>
-                  <a:ext uri="{0D108BD9-81ED-4DB2-BD59-A6C34878D82A}">
-                    <a16:rowId xmlns:a16="http://schemas.microsoft.com/office/drawing/2014/main" val="3697261141"/>
-                  </a:ext>
-                </a:extLst>
-              </a:tr>
-              <a:tr h="316767">
-                <a:tc>
-                  <a:txBody>
-                    <a:bodyPr/>
-                    <a:lstStyle/>
-                    <a:p>
-                      <a:pPr algn="l" fontAlgn="ctr"/>
-                      <a:r>
-                        <a:rPr lang="en-US" sz="1400" u="none" strike="noStrike" dirty="0">
-                          <a:effectLst/>
-                        </a:rPr>
-                        <a:t>        Word: president, TF-IDF: 0.00404</a:t>
-                      </a:r>
-                      <a:endParaRPr lang="en-US" sz="1400" b="0" i="0" u="none" strike="noStrike" dirty="0">
-                        <a:solidFill>
-                          <a:srgbClr val="000000"/>
-                        </a:solidFill>
-                        <a:effectLst/>
-                        <a:latin typeface="Arial Unicode MS" panose="020B0604020202020204" pitchFamily="34" charset="-122"/>
-                        <a:ea typeface="Arial Unicode MS" panose="020B0604020202020204" pitchFamily="34" charset="-122"/>
-                      </a:endParaRPr>
-                    </a:p>
-                  </a:txBody>
-                  <a:tcPr marL="7967" marR="7967" marT="7967" marB="0" anchor="ctr"/>
-                </a:tc>
-                <a:tc>
-                  <a:txBody>
-                    <a:bodyPr/>
-                    <a:lstStyle/>
-                    <a:p>
-                      <a:pPr algn="l" fontAlgn="ctr"/>
-                      <a:r>
-                        <a:rPr lang="en-US" sz="1400" u="none" strike="noStrike" dirty="0">
-                          <a:solidFill>
-                            <a:srgbClr val="FF0000"/>
-                          </a:solidFill>
-                          <a:effectLst/>
-                        </a:rPr>
-                        <a:t>        Word: law, TF-IDF: 0.00938</a:t>
-                      </a:r>
-                      <a:endParaRPr lang="en-US" sz="1400" b="0" i="0" u="none" strike="noStrike" dirty="0">
-                        <a:solidFill>
-                          <a:srgbClr val="FF0000"/>
-                        </a:solidFill>
-                        <a:effectLst/>
-                        <a:latin typeface="Arial Unicode MS" panose="020B0604020202020204" pitchFamily="34" charset="-122"/>
-                        <a:ea typeface="Arial Unicode MS" panose="020B0604020202020204" pitchFamily="34" charset="-122"/>
-                      </a:endParaRPr>
-                    </a:p>
-                  </a:txBody>
-                  <a:tcPr marL="7967" marR="7967" marT="7967" marB="0" anchor="ctr"/>
-                </a:tc>
-                <a:extLst>
-                  <a:ext uri="{0D108BD9-81ED-4DB2-BD59-A6C34878D82A}">
-                    <a16:rowId xmlns:a16="http://schemas.microsoft.com/office/drawing/2014/main" val="1310680370"/>
-                  </a:ext>
-                </a:extLst>
-              </a:tr>
-              <a:tr h="316767">
-                <a:tc>
-                  <a:txBody>
-                    <a:bodyPr/>
-                    <a:lstStyle/>
-                    <a:p>
-                      <a:pPr algn="l" fontAlgn="ctr"/>
-                      <a:r>
-                        <a:rPr lang="en-US" sz="1400" u="none" strike="noStrike">
-                          <a:effectLst/>
-                        </a:rPr>
-                        <a:t>        Word: “The, TF-IDF: 0.00373</a:t>
-                      </a:r>
-                      <a:endParaRPr lang="en-US" sz="1400" b="0" i="0" u="none" strike="noStrike">
-                        <a:solidFill>
-                          <a:srgbClr val="000000"/>
-                        </a:solidFill>
-                        <a:effectLst/>
-                        <a:latin typeface="Arial Unicode MS" panose="020B0604020202020204" pitchFamily="34" charset="-122"/>
-                        <a:ea typeface="Arial Unicode MS" panose="020B0604020202020204" pitchFamily="34" charset="-122"/>
-                      </a:endParaRPr>
-                    </a:p>
-                  </a:txBody>
-                  <a:tcPr marL="7967" marR="7967" marT="7967" marB="0" anchor="ctr"/>
-                </a:tc>
-                <a:tc>
-                  <a:txBody>
-                    <a:bodyPr/>
-                    <a:lstStyle/>
-                    <a:p>
-                      <a:pPr algn="l" fontAlgn="ctr"/>
-                      <a:r>
-                        <a:rPr lang="en-US" sz="1400" u="none" strike="noStrike" dirty="0">
-                          <a:solidFill>
-                            <a:srgbClr val="FF0000"/>
-                          </a:solidFill>
-                          <a:effectLst/>
-                        </a:rPr>
-                        <a:t>        Word: Law, TF-IDF: 0.00938</a:t>
-                      </a:r>
-                      <a:endParaRPr lang="en-US" sz="1400" b="0" i="0" u="none" strike="noStrike" dirty="0">
-                        <a:solidFill>
-                          <a:srgbClr val="FF0000"/>
-                        </a:solidFill>
-                        <a:effectLst/>
-                        <a:latin typeface="Arial Unicode MS" panose="020B0604020202020204" pitchFamily="34" charset="-122"/>
-                        <a:ea typeface="Arial Unicode MS" panose="020B0604020202020204" pitchFamily="34" charset="-122"/>
-                      </a:endParaRPr>
-                    </a:p>
-                  </a:txBody>
-                  <a:tcPr marL="7967" marR="7967" marT="7967" marB="0" anchor="ctr"/>
-                </a:tc>
-                <a:extLst>
-                  <a:ext uri="{0D108BD9-81ED-4DB2-BD59-A6C34878D82A}">
-                    <a16:rowId xmlns:a16="http://schemas.microsoft.com/office/drawing/2014/main" val="2829890471"/>
-                  </a:ext>
-                </a:extLst>
-              </a:tr>
-              <a:tr h="316767">
-                <a:tc>
-                  <a:txBody>
-                    <a:bodyPr/>
-                    <a:lstStyle/>
-                    <a:p>
-                      <a:pPr algn="l" fontAlgn="ctr"/>
-                      <a:r>
-                        <a:rPr lang="en-US" sz="1400" u="none" strike="noStrike" dirty="0">
-                          <a:solidFill>
-                            <a:srgbClr val="FF0000"/>
-                          </a:solidFill>
-                          <a:effectLst/>
-                        </a:rPr>
-                        <a:t>        Word: former, TF-IDF: 0.00359 </a:t>
-                      </a:r>
-                      <a:endParaRPr lang="en-US" sz="1400" b="0" i="0" u="none" strike="noStrike" dirty="0">
-                        <a:solidFill>
-                          <a:srgbClr val="FF0000"/>
-                        </a:solidFill>
-                        <a:effectLst/>
-                        <a:latin typeface="Arial Unicode MS" panose="020B0604020202020204" pitchFamily="34" charset="-122"/>
-                        <a:ea typeface="Arial Unicode MS" panose="020B0604020202020204" pitchFamily="34" charset="-122"/>
-                      </a:endParaRPr>
-                    </a:p>
-                  </a:txBody>
-                  <a:tcPr marL="7967" marR="7967" marT="7967" marB="0" anchor="ctr"/>
-                </a:tc>
-                <a:tc>
-                  <a:txBody>
-                    <a:bodyPr/>
-                    <a:lstStyle/>
-                    <a:p>
-                      <a:pPr algn="l" fontAlgn="ctr"/>
-                      <a:r>
-                        <a:rPr lang="en-US" sz="1400" u="none" strike="noStrike" dirty="0">
-                          <a:effectLst/>
-                        </a:rPr>
-                        <a:t>        Word: government, TF-IDF: 0.00897</a:t>
-                      </a:r>
-                      <a:endParaRPr lang="en-US" sz="1400" b="0" i="0" u="none" strike="noStrike" dirty="0">
-                        <a:solidFill>
-                          <a:srgbClr val="000000"/>
-                        </a:solidFill>
-                        <a:effectLst/>
-                        <a:latin typeface="Arial Unicode MS" panose="020B0604020202020204" pitchFamily="34" charset="-122"/>
-                        <a:ea typeface="Arial Unicode MS" panose="020B0604020202020204" pitchFamily="34" charset="-122"/>
-                      </a:endParaRPr>
-                    </a:p>
-                  </a:txBody>
-                  <a:tcPr marL="7967" marR="7967" marT="7967" marB="0" anchor="ctr"/>
-                </a:tc>
-                <a:extLst>
-                  <a:ext uri="{0D108BD9-81ED-4DB2-BD59-A6C34878D82A}">
-                    <a16:rowId xmlns:a16="http://schemas.microsoft.com/office/drawing/2014/main" val="596414489"/>
-                  </a:ext>
-                </a:extLst>
-              </a:tr>
-            </a:tbl>
-          </a:graphicData>
-        </a:graphic>
-      </p:graphicFrame>
       <p:pic>
         <p:nvPicPr>
-          <p:cNvPr id="7" name="图片 6"/>
+          <p:cNvPr id="10" name="图片 9"/>
           <p:cNvPicPr>
             <a:picLocks noChangeAspect="1"/>
           </p:cNvPicPr>
           <p:nvPr/>
         </p:nvPicPr>
-        <p:blipFill>
-          <a:blip r:embed="rId2">
-            <a:extLst>
-              <a:ext uri="{28A0092B-C50C-407E-A947-70E740481C1C}">
-                <a14:useLocalDpi xmlns:a14="http://schemas.microsoft.com/office/drawing/2010/main" val="0"/>
-              </a:ext>
-            </a:extLst>
-          </a:blip>
-          <a:stretch>
-            <a:fillRect/>
-          </a:stretch>
+        <p:blipFill rotWithShape="1">
+          <a:blip r:embed="rId2"/>
+          <a:srcRect l="9882" t="17118" r="9620" b="9215"/>
+          <a:stretch/>
         </p:blipFill>
         <p:spPr>
           <a:xfrm>
-            <a:off x="1835750" y="2447477"/>
-            <a:ext cx="3337845" cy="2476465"/>
+            <a:off x="0" y="0"/>
+            <a:ext cx="12168176" cy="6282267"/>
           </a:xfrm>
           <a:prstGeom prst="rect">
             <a:avLst/>
@@ -10553,88 +7598,40 @@
             <p:ph idx="1"/>
           </p:nvPr>
         </p:nvSpPr>
+        <p:spPr/>
+        <p:txBody>
+          <a:bodyPr/>
+          <a:lstStyle/>
+          <a:p>
+            <a:endParaRPr lang="en-US"/>
+          </a:p>
+        </p:txBody>
+      </p:sp>
+      <p:sp>
+        <p:nvSpPr>
+          <p:cNvPr id="7" name="文本框 6"/>
+          <p:cNvSpPr txBox="1"/>
+          <p:nvPr/>
+        </p:nvSpPr>
         <p:spPr>
           <a:xfrm>
-            <a:off x="1451579" y="2015732"/>
-            <a:ext cx="9603275" cy="4249601"/>
-          </a:xfrm>
-        </p:spPr>
-        <p:txBody>
-          <a:bodyPr>
-            <a:normAutofit/>
+            <a:off x="8060268" y="5760534"/>
+            <a:ext cx="4131732" cy="369332"/>
+          </a:xfrm>
+          <a:prstGeom prst="rect">
+            <a:avLst/>
+          </a:prstGeom>
+          <a:noFill/>
+        </p:spPr>
+        <p:txBody>
+          <a:bodyPr wrap="square" rtlCol="0">
+            <a:spAutoFit/>
           </a:bodyPr>
           <a:lstStyle/>
           <a:p>
             <a:r>
               <a:rPr lang="en-US" dirty="0" smtClean="0"/>
-              <a:t>Training: Reuters News Corpus</a:t>
-            </a:r>
-          </a:p>
-          <a:p>
-            <a:endParaRPr lang="en-US" dirty="0" smtClean="0"/>
-          </a:p>
-          <a:p>
-            <a:endParaRPr lang="en-US" dirty="0"/>
-          </a:p>
-          <a:p>
-            <a:endParaRPr lang="en-US" dirty="0" smtClean="0"/>
-          </a:p>
-          <a:p>
-            <a:endParaRPr lang="en-US" dirty="0"/>
-          </a:p>
-          <a:p>
-            <a:endParaRPr lang="en-US" dirty="0" smtClean="0"/>
-          </a:p>
-          <a:p>
-            <a:r>
-              <a:rPr lang="en-US" dirty="0" smtClean="0"/>
-              <a:t>Top 20</a:t>
-            </a:r>
-          </a:p>
-          <a:p>
-            <a:pPr lvl="1"/>
-            <a:r>
-              <a:rPr lang="en-US" dirty="0" smtClean="0"/>
-              <a:t>Political </a:t>
-            </a:r>
-            <a:r>
-              <a:rPr lang="en-US" dirty="0"/>
-              <a:t>system </a:t>
-            </a:r>
-            <a:r>
-              <a:rPr lang="en-US" sz="1000" dirty="0" smtClean="0"/>
-              <a:t>(</a:t>
-            </a:r>
-            <a:r>
-              <a:rPr lang="en-US" sz="1000" dirty="0"/>
-              <a:t>party, president) vs (central, Hong </a:t>
-            </a:r>
-            <a:r>
-              <a:rPr lang="en-US" sz="1000" dirty="0" smtClean="0"/>
-              <a:t>Kong)</a:t>
-            </a:r>
-          </a:p>
-          <a:p>
-            <a:pPr lvl="1"/>
-            <a:r>
-              <a:rPr lang="en-US" dirty="0" smtClean="0"/>
-              <a:t>Ideologies </a:t>
-            </a:r>
-            <a:r>
-              <a:rPr lang="en-US" sz="1200" dirty="0"/>
-              <a:t>(formal, new, </a:t>
-            </a:r>
-            <a:r>
-              <a:rPr lang="en-US" sz="1200" dirty="0" err="1"/>
-              <a:t>millitary</a:t>
-            </a:r>
-            <a:r>
-              <a:rPr lang="en-US" sz="1200" dirty="0"/>
-              <a:t>) vs (law</a:t>
-            </a:r>
-            <a:r>
-              <a:rPr lang="en-US" sz="1200" dirty="0" smtClean="0"/>
-              <a:t>)</a:t>
+              <a:t>China Daily,  Nouns, 100 words resolution</a:t>
             </a:r>
             <a:endParaRPr lang="en-US" dirty="0"/>
           </a:p>
@@ -10643,13 +7640,20 @@
     </p:spTree>
     <p:extLst>
       <p:ext uri="{BB962C8B-B14F-4D97-AF65-F5344CB8AC3E}">
-        <p14:creationId xmlns:p14="http://schemas.microsoft.com/office/powerpoint/2010/main" val="1090243379"/>
+        <p14:creationId xmlns:p14="http://schemas.microsoft.com/office/powerpoint/2010/main" val="551208362"/>
       </p:ext>
     </p:extLst>
   </p:cSld>
   <p:clrMapOvr>
     <a:masterClrMapping/>
   </p:clrMapOvr>
+  <p:timing>
+    <p:tnLst>
+      <p:par>
+        <p:cTn id="1" dur="indefinite" restart="never" nodeType="tmRoot"/>
+      </p:par>
+    </p:tnLst>
+  </p:timing>
 </p:sld>
 </file>
 
@@ -10670,6 +7674,138 @@
           <a:chExt cx="0" cy="0"/>
         </a:xfrm>
       </p:grpSpPr>
+      <p:pic>
+        <p:nvPicPr>
+          <p:cNvPr id="6" name="图片 5"/>
+          <p:cNvPicPr>
+            <a:picLocks noChangeAspect="1"/>
+          </p:cNvPicPr>
+          <p:nvPr/>
+        </p:nvPicPr>
+        <p:blipFill rotWithShape="1">
+          <a:blip r:embed="rId2"/>
+          <a:srcRect l="10276" t="17350" r="9751" b="9216"/>
+          <a:stretch/>
+        </p:blipFill>
+        <p:spPr>
+          <a:xfrm>
+            <a:off x="1" y="0"/>
+            <a:ext cx="12192000" cy="6315855"/>
+          </a:xfrm>
+          <a:prstGeom prst="rect">
+            <a:avLst/>
+          </a:prstGeom>
+        </p:spPr>
+      </p:pic>
+      <p:sp>
+        <p:nvSpPr>
+          <p:cNvPr id="2" name="标题 1"/>
+          <p:cNvSpPr>
+            <a:spLocks noGrp="1"/>
+          </p:cNvSpPr>
+          <p:nvPr>
+            <p:ph type="title"/>
+          </p:nvPr>
+        </p:nvSpPr>
+        <p:spPr/>
+        <p:txBody>
+          <a:bodyPr/>
+          <a:lstStyle/>
+          <a:p>
+            <a:endParaRPr lang="en-US"/>
+          </a:p>
+        </p:txBody>
+      </p:sp>
+      <p:sp>
+        <p:nvSpPr>
+          <p:cNvPr id="3" name="内容占位符 2"/>
+          <p:cNvSpPr>
+            <a:spLocks noGrp="1"/>
+          </p:cNvSpPr>
+          <p:nvPr>
+            <p:ph idx="1"/>
+          </p:nvPr>
+        </p:nvSpPr>
+        <p:spPr/>
+        <p:txBody>
+          <a:bodyPr/>
+          <a:lstStyle/>
+          <a:p>
+            <a:endParaRPr lang="en-US"/>
+          </a:p>
+        </p:txBody>
+      </p:sp>
+      <p:sp>
+        <p:nvSpPr>
+          <p:cNvPr id="5" name="文本框 4"/>
+          <p:cNvSpPr txBox="1"/>
+          <p:nvPr/>
+        </p:nvSpPr>
+        <p:spPr>
+          <a:xfrm>
+            <a:off x="8298351" y="5466345"/>
+            <a:ext cx="3670044" cy="369332"/>
+          </a:xfrm>
+          <a:prstGeom prst="rect">
+            <a:avLst/>
+          </a:prstGeom>
+          <a:noFill/>
+        </p:spPr>
+        <p:txBody>
+          <a:bodyPr wrap="none" rtlCol="0">
+            <a:spAutoFit/>
+          </a:bodyPr>
+          <a:lstStyle/>
+          <a:p>
+            <a:r>
+              <a:rPr lang="en-US" dirty="0" err="1" smtClean="0"/>
+              <a:t>Nytimes</a:t>
+            </a:r>
+            <a:r>
+              <a:rPr lang="en-US" dirty="0" smtClean="0"/>
+              <a:t>, Nouns, 80 words resolution</a:t>
+            </a:r>
+            <a:endParaRPr lang="en-US" dirty="0"/>
+          </a:p>
+        </p:txBody>
+      </p:sp>
+    </p:spTree>
+    <p:extLst>
+      <p:ext uri="{BB962C8B-B14F-4D97-AF65-F5344CB8AC3E}">
+        <p14:creationId xmlns:p14="http://schemas.microsoft.com/office/powerpoint/2010/main" val="2320766117"/>
+      </p:ext>
+    </p:extLst>
+  </p:cSld>
+  <p:clrMapOvr>
+    <a:masterClrMapping/>
+  </p:clrMapOvr>
+  <p:timing>
+    <p:tnLst>
+      <p:par>
+        <p:cTn id="1" dur="indefinite" restart="never" nodeType="tmRoot"/>
+      </p:par>
+    </p:tnLst>
+  </p:timing>
+</p:sld>
+</file>
+
+<file path=ppt/slides/slide17.xml><?xml version="1.0" encoding="utf-8"?>
+<p:sld xmlns:a="http://schemas.openxmlformats.org/drawingml/2006/main" xmlns:r="http://schemas.openxmlformats.org/officeDocument/2006/relationships" xmlns:p="http://schemas.openxmlformats.org/presentationml/2006/main">
+  <p:cSld>
+    <p:spTree>
+      <p:nvGrpSpPr>
+        <p:cNvPr id="1" name=""/>
+        <p:cNvGrpSpPr/>
+        <p:nvPr/>
+      </p:nvGrpSpPr>
+      <p:grpSpPr>
+        <a:xfrm>
+          <a:off x="0" y="0"/>
+          <a:ext cx="0" cy="0"/>
+          <a:chOff x="0" y="0"/>
+          <a:chExt cx="0" cy="0"/>
+        </a:xfrm>
+      </p:grpSpPr>
       <p:sp>
         <p:nvSpPr>
           <p:cNvPr id="2" name="标题 1"/>
@@ -10722,6 +7858,13 @@
   <p:clrMapOvr>
     <a:masterClrMapping/>
   </p:clrMapOvr>
+  <p:timing>
+    <p:tnLst>
+      <p:par>
+        <p:cTn id="1" dur="indefinite" restart="never" nodeType="tmRoot"/>
+      </p:par>
+    </p:tnLst>
+  </p:timing>
 </p:sld>
 </file>
 
@@ -10788,24 +7931,25 @@
             </a:r>
             <a:r>
               <a:rPr lang="en-US" dirty="0"/>
-              <a:t> is the bias </a:t>
-            </a:r>
-            <a:r>
-              <a:rPr lang="en-US" dirty="0" err="1" smtClean="0"/>
-              <a:t>bias</a:t>
+              <a:t> is </a:t>
             </a:r>
             <a:r>
               <a:rPr lang="en-US" dirty="0" smtClean="0"/>
-              <a:t> </a:t>
+              <a:t>t</a:t>
+            </a:r>
+            <a:r>
+              <a:rPr lang="en-US" dirty="0" smtClean="0"/>
+              <a:t>he </a:t>
             </a:r>
             <a:r>
               <a:rPr lang="en-US" dirty="0"/>
-              <a:t>of journalists and news producers within the mass media in the selection of events and stories that are reported and how they are covered</a:t>
+              <a:t>selection bias of news producers in deciding what and how stories are </a:t>
             </a:r>
             <a:r>
               <a:rPr lang="en-US" dirty="0" smtClean="0"/>
-              <a:t>.</a:t>
-            </a:r>
+              <a:t>covered.</a:t>
+            </a:r>
+            <a:endParaRPr lang="en-US" dirty="0" smtClean="0"/>
           </a:p>
           <a:p>
             <a:r>
@@ -11586,7 +8730,7 @@
           <p:nvPr/>
         </p:nvPicPr>
         <p:blipFill>
-          <a:blip r:embed="rId2" cstate="print">
+          <a:blip r:embed="rId3" cstate="print">
             <a:extLst>
               <a:ext uri="{28A0092B-C50C-407E-A947-70E740481C1C}">
                 <a14:useLocalDpi xmlns:a14="http://schemas.microsoft.com/office/drawing/2010/main" val="0"/>
@@ -11614,7 +8758,7 @@
           <p:nvPr/>
         </p:nvPicPr>
         <p:blipFill>
-          <a:blip r:embed="rId3" cstate="print">
+          <a:blip r:embed="rId4" cstate="print">
             <a:extLst>
               <a:ext uri="{28A0092B-C50C-407E-A947-70E740481C1C}">
                 <a14:useLocalDpi xmlns:a14="http://schemas.microsoft.com/office/drawing/2010/main" val="0"/>
@@ -11749,37 +8893,16 @@
           <a:p>
             <a:r>
               <a:rPr lang="en-US" dirty="0" smtClean="0"/>
-              <a:t>Gate keeping II-by country</a:t>
+              <a:t>Gate keeping </a:t>
+            </a:r>
+            <a:r>
+              <a:rPr lang="en-US" dirty="0" smtClean="0"/>
+              <a:t>II-by country</a:t>
             </a:r>
             <a:endParaRPr lang="en-US" dirty="0"/>
           </a:p>
         </p:txBody>
       </p:sp>
-      <p:graphicFrame>
-        <p:nvGraphicFramePr>
-          <p:cNvPr id="4" name="内容占位符 3"/>
-          <p:cNvGraphicFramePr>
-            <a:graphicFrameLocks noGrp="1"/>
-          </p:cNvGraphicFramePr>
-          <p:nvPr>
-            <p:ph idx="1"/>
-            <p:extLst>
-              <p:ext uri="{D42A27DB-BD31-4B8C-83A1-F6EECF244321}">
-                <p14:modId xmlns:p14="http://schemas.microsoft.com/office/powerpoint/2010/main" val="1857568663"/>
-              </p:ext>
-            </p:extLst>
-          </p:nvPr>
-        </p:nvGraphicFramePr>
-        <p:xfrm>
-          <a:off x="6253216" y="19465"/>
-          <a:ext cx="7758339" cy="1834289"/>
-        </p:xfrm>
-        <a:graphic>
-          <a:graphicData uri="http://schemas.openxmlformats.org/drawingml/2006/diagram">
-            <dgm:relIds xmlns:dgm="http://schemas.openxmlformats.org/drawingml/2006/diagram" xmlns:r="http://schemas.openxmlformats.org/officeDocument/2006/relationships" r:dm="rId3" r:lo="rId4" r:qs="rId5" r:cs="rId6"/>
-          </a:graphicData>
-        </a:graphic>
-      </p:graphicFrame>
       <p:pic>
         <p:nvPicPr>
           <p:cNvPr id="5" name="图片 4"/>
@@ -11789,7 +8912,7 @@
           <p:nvPr/>
         </p:nvPicPr>
         <p:blipFill>
-          <a:blip r:embed="rId8">
+          <a:blip r:embed="rId3">
             <a:extLst>
               <a:ext uri="{28A0092B-C50C-407E-A947-70E740481C1C}">
                 <a14:useLocalDpi xmlns:a14="http://schemas.microsoft.com/office/drawing/2010/main" val="0"/>
@@ -11819,7 +8942,7 @@
           <p:nvPr/>
         </p:nvPicPr>
         <p:blipFill>
-          <a:blip r:embed="rId9">
+          <a:blip r:embed="rId4">
             <a:extLst>
               <a:ext uri="{28A0092B-C50C-407E-A947-70E740481C1C}">
                 <a14:useLocalDpi xmlns:a14="http://schemas.microsoft.com/office/drawing/2010/main" val="0"/>
@@ -11897,6 +9020,25 @@
               <a:t>Nytimes</a:t>
             </a:r>
             <a:endParaRPr lang="en-US" dirty="0"/>
+          </a:p>
+        </p:txBody>
+      </p:sp>
+      <p:sp>
+        <p:nvSpPr>
+          <p:cNvPr id="3" name="Content Placeholder 2"/>
+          <p:cNvSpPr>
+            <a:spLocks noGrp="1"/>
+          </p:cNvSpPr>
+          <p:nvPr>
+            <p:ph idx="1"/>
+          </p:nvPr>
+        </p:nvSpPr>
+        <p:spPr/>
+        <p:txBody>
+          <a:bodyPr/>
+          <a:lstStyle/>
+          <a:p>
+            <a:endParaRPr lang="en-US"/>
           </a:p>
         </p:txBody>
       </p:sp>
@@ -12167,7 +9309,7 @@
   <a:extraClrSchemeLst/>
   <a:extLst>
     <a:ext uri="{05A4C25C-085E-4340-85A3-A5531E510DB2}">
-      <thm15:themeFamily xmlns:thm15="http://schemas.microsoft.com/office/thememl/2012/main" name="Gallery" id="{BBFCD31E-59A1-489D-B089-A3EAD7CAE12E}" vid="{F5E91637-A7B6-4E27-B710-77DA7014EE1E}"/>
+      <thm15:themeFamily xmlns:thm15="http://schemas.microsoft.com/office/thememl/2012/main" xmlns="" name="Gallery" id="{BBFCD31E-59A1-489D-B089-A3EAD7CAE12E}" vid="{F5E91637-A7B6-4E27-B710-77DA7014EE1E}"/>
     </a:ext>
   </a:extLst>
 </a:theme>
@@ -12428,7 +9570,7 @@
   <a:extraClrSchemeLst/>
   <a:extLst>
     <a:ext uri="{05A4C25C-085E-4340-85A3-A5531E510DB2}">
-      <thm15:themeFamily xmlns:thm15="http://schemas.microsoft.com/office/thememl/2012/main" name="Office Theme" id="{62F939B6-93AF-4DB8-9C6B-D6C7DFDC589F}" vid="{4A3C46E8-61CC-4603-A589-7422A47A8E4A}"/>
+      <thm15:themeFamily xmlns:thm15="http://schemas.microsoft.com/office/thememl/2012/main" xmlns="" name="Office Theme" id="{62F939B6-93AF-4DB8-9C6B-D6C7DFDC589F}" vid="{4A3C46E8-61CC-4603-A589-7422A47A8E4A}"/>
     </a:ext>
   </a:extLst>
 </a:theme>
